--- a/297 Project Presentation.pptx
+++ b/297 Project Presentation.pptx
@@ -5,44 +5,39 @@
     <p:sldMasterId id="2147483764" r:id="rId1"/>
   </p:sldMasterIdLst>
   <p:notesMasterIdLst>
-    <p:notesMasterId r:id="rId15"/>
+    <p:notesMasterId r:id="rId10"/>
   </p:notesMasterIdLst>
   <p:handoutMasterIdLst>
-    <p:handoutMasterId r:id="rId16"/>
+    <p:handoutMasterId r:id="rId11"/>
   </p:handoutMasterIdLst>
   <p:sldIdLst>
     <p:sldId id="256" r:id="rId2"/>
     <p:sldId id="257" r:id="rId3"/>
-    <p:sldId id="258" r:id="rId4"/>
-    <p:sldId id="268" r:id="rId5"/>
-    <p:sldId id="259" r:id="rId6"/>
-    <p:sldId id="260" r:id="rId7"/>
-    <p:sldId id="261" r:id="rId8"/>
-    <p:sldId id="262" r:id="rId9"/>
-    <p:sldId id="263" r:id="rId10"/>
-    <p:sldId id="264" r:id="rId11"/>
-    <p:sldId id="265" r:id="rId12"/>
-    <p:sldId id="266" r:id="rId13"/>
-    <p:sldId id="267" r:id="rId14"/>
+    <p:sldId id="268" r:id="rId4"/>
+    <p:sldId id="258" r:id="rId5"/>
+    <p:sldId id="269" r:id="rId6"/>
+    <p:sldId id="270" r:id="rId7"/>
+    <p:sldId id="271" r:id="rId8"/>
+    <p:sldId id="267" r:id="rId9"/>
   </p:sldIdLst>
   <p:sldSz cx="9144000" cy="5143500" type="screen16x9"/>
   <p:notesSz cx="6858000" cy="9144000"/>
   <p:embeddedFontLst>
     <p:embeddedFont>
-      <p:font typeface="Impact" panose="020B0806030902050204" pitchFamily="34" charset="0"/>
-      <p:regular r:id="rId17"/>
+      <p:font typeface="Roboto" panose="020B0604020202020204" charset="0"/>
+      <p:regular r:id="rId12"/>
+      <p:bold r:id="rId13"/>
+      <p:italic r:id="rId14"/>
+      <p:boldItalic r:id="rId15"/>
     </p:embeddedFont>
     <p:embeddedFont>
-      <p:font typeface="Roboto" panose="020B0604020202020204" charset="0"/>
-      <p:regular r:id="rId18"/>
-      <p:bold r:id="rId19"/>
-      <p:italic r:id="rId20"/>
-      <p:boldItalic r:id="rId21"/>
+      <p:font typeface="Impact" panose="020B0806030902050204" pitchFamily="34" charset="0"/>
+      <p:regular r:id="rId16"/>
     </p:embeddedFont>
     <p:embeddedFont>
       <p:font typeface="微软雅黑" panose="020B0503020204020204" pitchFamily="34" charset="-122"/>
-      <p:regular r:id="rId22"/>
-      <p:bold r:id="rId23"/>
+      <p:regular r:id="rId17"/>
+      <p:bold r:id="rId18"/>
     </p:embeddedFont>
   </p:embeddedFontLst>
   <p:defaultTextStyle>
@@ -276,7 +271,7 @@
   </p:defaultTextStyle>
   <p:extLst>
     <p:ext uri="{EFAFB233-063F-42B5-8137-9DF3F51BA10A}">
-      <p15:sldGuideLst xmlns="" xmlns:mc="http://schemas.openxmlformats.org/markup-compatibility/2006" xmlns:mv="urn:schemas-microsoft-com:mac:vml" xmlns:c="http://schemas.openxmlformats.org/drawingml/2006/chart" xmlns:dgm="http://schemas.openxmlformats.org/drawingml/2006/diagram" xmlns:o="urn:schemas-microsoft-com:office:office" xmlns:v="urn:schemas-microsoft-com:vml" xmlns:pvml="urn:schemas-microsoft-com:office:powerpoint" xmlns:com="http://schemas.openxmlformats.org/drawingml/2006/compatibility" xmlns:p14="http://schemas.microsoft.com/office/powerpoint/2010/main" xmlns:p15="http://schemas.microsoft.com/office/powerpoint/2012/main">
+      <p15:sldGuideLst xmlns:p15="http://schemas.microsoft.com/office/powerpoint/2012/main" xmlns:p14="http://schemas.microsoft.com/office/powerpoint/2010/main" xmlns:com="http://schemas.openxmlformats.org/drawingml/2006/compatibility" xmlns:pvml="urn:schemas-microsoft-com:office:powerpoint" xmlns:v="urn:schemas-microsoft-com:vml" xmlns:o="urn:schemas-microsoft-com:office:office" xmlns:dgm="http://schemas.openxmlformats.org/drawingml/2006/diagram" xmlns:c="http://schemas.openxmlformats.org/drawingml/2006/chart" xmlns:mv="urn:schemas-microsoft-com:mac:vml" xmlns:mc="http://schemas.openxmlformats.org/markup-compatibility/2006" xmlns="">
         <p15:guide id="1" orient="horz" pos="1620">
           <p15:clr>
             <a:srgbClr val="A4A3A4"/>
@@ -1011,422 +1006,6 @@
 </p:notes>
 </file>
 
-<file path=ppt/notesSlides/notesSlide10.xml><?xml version="1.0" encoding="utf-8"?>
-<p:notes xmlns:a="http://schemas.openxmlformats.org/drawingml/2006/main" xmlns:r="http://schemas.openxmlformats.org/officeDocument/2006/relationships" xmlns:p="http://schemas.openxmlformats.org/presentationml/2006/main" showMasterSp="0" showMasterPhAnim="0">
-  <p:cSld>
-    <p:spTree>
-      <p:nvGrpSpPr>
-        <p:cNvPr id="1" name="Shape 160"/>
-        <p:cNvGrpSpPr/>
-        <p:nvPr/>
-      </p:nvGrpSpPr>
-      <p:grpSpPr>
-        <a:xfrm>
-          <a:off x="0" y="0"/>
-          <a:ext cx="0" cy="0"/>
-          <a:chOff x="0" y="0"/>
-          <a:chExt cx="0" cy="0"/>
-        </a:xfrm>
-      </p:grpSpPr>
-      <p:sp>
-        <p:nvSpPr>
-          <p:cNvPr id="161" name="Google Shape;161;g4d1b3cc2a0_2_5:notes"/>
-          <p:cNvSpPr>
-            <a:spLocks noGrp="1" noRot="1" noChangeAspect="1"/>
-          </p:cNvSpPr>
-          <p:nvPr>
-            <p:ph type="sldImg" idx="2"/>
-          </p:nvPr>
-        </p:nvSpPr>
-        <p:spPr>
-          <a:xfrm>
-            <a:off x="381000" y="685800"/>
-            <a:ext cx="6096000" cy="3429000"/>
-          </a:xfrm>
-          <a:custGeom>
-            <a:avLst/>
-            <a:gdLst/>
-            <a:ahLst/>
-            <a:cxnLst/>
-            <a:rect l="l" t="t" r="r" b="b"/>
-            <a:pathLst>
-              <a:path w="120000" h="120000" extrusionOk="0">
-                <a:moveTo>
-                  <a:pt x="0" y="0"/>
-                </a:moveTo>
-                <a:lnTo>
-                  <a:pt x="120000" y="0"/>
-                </a:lnTo>
-                <a:lnTo>
-                  <a:pt x="120000" y="120000"/>
-                </a:lnTo>
-                <a:lnTo>
-                  <a:pt x="0" y="120000"/>
-                </a:lnTo>
-                <a:close/>
-              </a:path>
-            </a:pathLst>
-          </a:custGeom>
-        </p:spPr>
-      </p:sp>
-      <p:sp>
-        <p:nvSpPr>
-          <p:cNvPr id="162" name="Google Shape;162;g4d1b3cc2a0_2_5:notes"/>
-          <p:cNvSpPr txBox="1">
-            <a:spLocks noGrp="1"/>
-          </p:cNvSpPr>
-          <p:nvPr>
-            <p:ph type="body" idx="1"/>
-          </p:nvPr>
-        </p:nvSpPr>
-        <p:spPr>
-          <a:xfrm>
-            <a:off x="685800" y="4343400"/>
-            <a:ext cx="5486400" cy="4114800"/>
-          </a:xfrm>
-          <a:prstGeom prst="rect">
-            <a:avLst/>
-          </a:prstGeom>
-        </p:spPr>
-        <p:txBody>
-          <a:bodyPr spcFirstLastPara="1" wrap="square" lIns="91425" tIns="91425" rIns="91425" bIns="91425" anchor="t" anchorCtr="0">
-            <a:noAutofit/>
-          </a:bodyPr>
-          <a:lstStyle/>
-          <a:p>
-            <a:pPr marL="0" lvl="0" indent="0" algn="l" rtl="0">
-              <a:spcBef>
-                <a:spcPts val="0"/>
-              </a:spcBef>
-              <a:spcAft>
-                <a:spcPts val="0"/>
-              </a:spcAft>
-              <a:buNone/>
-            </a:pPr>
-            <a:endParaRPr/>
-          </a:p>
-        </p:txBody>
-      </p:sp>
-    </p:spTree>
-  </p:cSld>
-  <p:clrMapOvr>
-    <a:masterClrMapping/>
-  </p:clrMapOvr>
-</p:notes>
-</file>
-
-<file path=ppt/notesSlides/notesSlide11.xml><?xml version="1.0" encoding="utf-8"?>
-<p:notes xmlns:a="http://schemas.openxmlformats.org/drawingml/2006/main" xmlns:r="http://schemas.openxmlformats.org/officeDocument/2006/relationships" xmlns:p="http://schemas.openxmlformats.org/presentationml/2006/main" showMasterSp="0" showMasterPhAnim="0">
-  <p:cSld>
-    <p:spTree>
-      <p:nvGrpSpPr>
-        <p:cNvPr id="1" name="Shape 167"/>
-        <p:cNvGrpSpPr/>
-        <p:nvPr/>
-      </p:nvGrpSpPr>
-      <p:grpSpPr>
-        <a:xfrm>
-          <a:off x="0" y="0"/>
-          <a:ext cx="0" cy="0"/>
-          <a:chOff x="0" y="0"/>
-          <a:chExt cx="0" cy="0"/>
-        </a:xfrm>
-      </p:grpSpPr>
-      <p:sp>
-        <p:nvSpPr>
-          <p:cNvPr id="168" name="Google Shape;168;g565c181dc6_0_2:notes"/>
-          <p:cNvSpPr>
-            <a:spLocks noGrp="1" noRot="1" noChangeAspect="1"/>
-          </p:cNvSpPr>
-          <p:nvPr>
-            <p:ph type="sldImg" idx="2"/>
-          </p:nvPr>
-        </p:nvSpPr>
-        <p:spPr>
-          <a:xfrm>
-            <a:off x="381000" y="685800"/>
-            <a:ext cx="6096000" cy="3429000"/>
-          </a:xfrm>
-          <a:custGeom>
-            <a:avLst/>
-            <a:gdLst/>
-            <a:ahLst/>
-            <a:cxnLst/>
-            <a:rect l="l" t="t" r="r" b="b"/>
-            <a:pathLst>
-              <a:path w="120000" h="120000" extrusionOk="0">
-                <a:moveTo>
-                  <a:pt x="0" y="0"/>
-                </a:moveTo>
-                <a:lnTo>
-                  <a:pt x="120000" y="0"/>
-                </a:lnTo>
-                <a:lnTo>
-                  <a:pt x="120000" y="120000"/>
-                </a:lnTo>
-                <a:lnTo>
-                  <a:pt x="0" y="120000"/>
-                </a:lnTo>
-                <a:close/>
-              </a:path>
-            </a:pathLst>
-          </a:custGeom>
-        </p:spPr>
-      </p:sp>
-      <p:sp>
-        <p:nvSpPr>
-          <p:cNvPr id="169" name="Google Shape;169;g565c181dc6_0_2:notes"/>
-          <p:cNvSpPr txBox="1">
-            <a:spLocks noGrp="1"/>
-          </p:cNvSpPr>
-          <p:nvPr>
-            <p:ph type="body" idx="1"/>
-          </p:nvPr>
-        </p:nvSpPr>
-        <p:spPr>
-          <a:xfrm>
-            <a:off x="685800" y="4343400"/>
-            <a:ext cx="5486400" cy="4114800"/>
-          </a:xfrm>
-          <a:prstGeom prst="rect">
-            <a:avLst/>
-          </a:prstGeom>
-        </p:spPr>
-        <p:txBody>
-          <a:bodyPr spcFirstLastPara="1" wrap="square" lIns="91425" tIns="91425" rIns="91425" bIns="91425" anchor="t" anchorCtr="0">
-            <a:noAutofit/>
-          </a:bodyPr>
-          <a:lstStyle/>
-          <a:p>
-            <a:pPr marL="0" lvl="0" indent="0" algn="l" rtl="0">
-              <a:spcBef>
-                <a:spcPts val="0"/>
-              </a:spcBef>
-              <a:spcAft>
-                <a:spcPts val="0"/>
-              </a:spcAft>
-              <a:buNone/>
-            </a:pPr>
-            <a:endParaRPr/>
-          </a:p>
-        </p:txBody>
-      </p:sp>
-    </p:spTree>
-  </p:cSld>
-  <p:clrMapOvr>
-    <a:masterClrMapping/>
-  </p:clrMapOvr>
-</p:notes>
-</file>
-
-<file path=ppt/notesSlides/notesSlide12.xml><?xml version="1.0" encoding="utf-8"?>
-<p:notes xmlns:a="http://schemas.openxmlformats.org/drawingml/2006/main" xmlns:r="http://schemas.openxmlformats.org/officeDocument/2006/relationships" xmlns:p="http://schemas.openxmlformats.org/presentationml/2006/main" showMasterSp="0" showMasterPhAnim="0">
-  <p:cSld>
-    <p:spTree>
-      <p:nvGrpSpPr>
-        <p:cNvPr id="1" name="Shape 174"/>
-        <p:cNvGrpSpPr/>
-        <p:nvPr/>
-      </p:nvGrpSpPr>
-      <p:grpSpPr>
-        <a:xfrm>
-          <a:off x="0" y="0"/>
-          <a:ext cx="0" cy="0"/>
-          <a:chOff x="0" y="0"/>
-          <a:chExt cx="0" cy="0"/>
-        </a:xfrm>
-      </p:grpSpPr>
-      <p:sp>
-        <p:nvSpPr>
-          <p:cNvPr id="175" name="Google Shape;175;g572e9725ed_2_0:notes"/>
-          <p:cNvSpPr>
-            <a:spLocks noGrp="1" noRot="1" noChangeAspect="1"/>
-          </p:cNvSpPr>
-          <p:nvPr>
-            <p:ph type="sldImg" idx="2"/>
-          </p:nvPr>
-        </p:nvSpPr>
-        <p:spPr>
-          <a:xfrm>
-            <a:off x="381000" y="685800"/>
-            <a:ext cx="6096000" cy="3429000"/>
-          </a:xfrm>
-          <a:custGeom>
-            <a:avLst/>
-            <a:gdLst/>
-            <a:ahLst/>
-            <a:cxnLst/>
-            <a:rect l="l" t="t" r="r" b="b"/>
-            <a:pathLst>
-              <a:path w="120000" h="120000" extrusionOk="0">
-                <a:moveTo>
-                  <a:pt x="0" y="0"/>
-                </a:moveTo>
-                <a:lnTo>
-                  <a:pt x="120000" y="0"/>
-                </a:lnTo>
-                <a:lnTo>
-                  <a:pt x="120000" y="120000"/>
-                </a:lnTo>
-                <a:lnTo>
-                  <a:pt x="0" y="120000"/>
-                </a:lnTo>
-                <a:close/>
-              </a:path>
-            </a:pathLst>
-          </a:custGeom>
-        </p:spPr>
-      </p:sp>
-      <p:sp>
-        <p:nvSpPr>
-          <p:cNvPr id="176" name="Google Shape;176;g572e9725ed_2_0:notes"/>
-          <p:cNvSpPr txBox="1">
-            <a:spLocks noGrp="1"/>
-          </p:cNvSpPr>
-          <p:nvPr>
-            <p:ph type="body" idx="1"/>
-          </p:nvPr>
-        </p:nvSpPr>
-        <p:spPr>
-          <a:xfrm>
-            <a:off x="685800" y="4343400"/>
-            <a:ext cx="5486400" cy="4114800"/>
-          </a:xfrm>
-          <a:prstGeom prst="rect">
-            <a:avLst/>
-          </a:prstGeom>
-        </p:spPr>
-        <p:txBody>
-          <a:bodyPr spcFirstLastPara="1" wrap="square" lIns="91425" tIns="91425" rIns="91425" bIns="91425" anchor="t" anchorCtr="0">
-            <a:noAutofit/>
-          </a:bodyPr>
-          <a:lstStyle/>
-          <a:p>
-            <a:pPr marL="0" lvl="0" indent="0" algn="l" rtl="0">
-              <a:spcBef>
-                <a:spcPts val="0"/>
-              </a:spcBef>
-              <a:spcAft>
-                <a:spcPts val="0"/>
-              </a:spcAft>
-              <a:buNone/>
-            </a:pPr>
-            <a:endParaRPr/>
-          </a:p>
-        </p:txBody>
-      </p:sp>
-    </p:spTree>
-  </p:cSld>
-  <p:clrMapOvr>
-    <a:masterClrMapping/>
-  </p:clrMapOvr>
-</p:notes>
-</file>
-
-<file path=ppt/notesSlides/notesSlide13.xml><?xml version="1.0" encoding="utf-8"?>
-<p:notes xmlns:a="http://schemas.openxmlformats.org/drawingml/2006/main" xmlns:r="http://schemas.openxmlformats.org/officeDocument/2006/relationships" xmlns:p="http://schemas.openxmlformats.org/presentationml/2006/main" showMasterSp="0" showMasterPhAnim="0">
-  <p:cSld>
-    <p:spTree>
-      <p:nvGrpSpPr>
-        <p:cNvPr id="1" name="Shape 180"/>
-        <p:cNvGrpSpPr/>
-        <p:nvPr/>
-      </p:nvGrpSpPr>
-      <p:grpSpPr>
-        <a:xfrm>
-          <a:off x="0" y="0"/>
-          <a:ext cx="0" cy="0"/>
-          <a:chOff x="0" y="0"/>
-          <a:chExt cx="0" cy="0"/>
-        </a:xfrm>
-      </p:grpSpPr>
-      <p:sp>
-        <p:nvSpPr>
-          <p:cNvPr id="181" name="Google Shape;181;g4d1b3cc464_5_0:notes"/>
-          <p:cNvSpPr>
-            <a:spLocks noGrp="1" noRot="1" noChangeAspect="1"/>
-          </p:cNvSpPr>
-          <p:nvPr>
-            <p:ph type="sldImg" idx="2"/>
-          </p:nvPr>
-        </p:nvSpPr>
-        <p:spPr>
-          <a:xfrm>
-            <a:off x="381000" y="685800"/>
-            <a:ext cx="6096000" cy="3429000"/>
-          </a:xfrm>
-          <a:custGeom>
-            <a:avLst/>
-            <a:gdLst/>
-            <a:ahLst/>
-            <a:cxnLst/>
-            <a:rect l="l" t="t" r="r" b="b"/>
-            <a:pathLst>
-              <a:path w="120000" h="120000" extrusionOk="0">
-                <a:moveTo>
-                  <a:pt x="0" y="0"/>
-                </a:moveTo>
-                <a:lnTo>
-                  <a:pt x="120000" y="0"/>
-                </a:lnTo>
-                <a:lnTo>
-                  <a:pt x="120000" y="120000"/>
-                </a:lnTo>
-                <a:lnTo>
-                  <a:pt x="0" y="120000"/>
-                </a:lnTo>
-                <a:close/>
-              </a:path>
-            </a:pathLst>
-          </a:custGeom>
-        </p:spPr>
-      </p:sp>
-      <p:sp>
-        <p:nvSpPr>
-          <p:cNvPr id="182" name="Google Shape;182;g4d1b3cc464_5_0:notes"/>
-          <p:cNvSpPr txBox="1">
-            <a:spLocks noGrp="1"/>
-          </p:cNvSpPr>
-          <p:nvPr>
-            <p:ph type="body" idx="1"/>
-          </p:nvPr>
-        </p:nvSpPr>
-        <p:spPr>
-          <a:xfrm>
-            <a:off x="685800" y="4343400"/>
-            <a:ext cx="5486400" cy="4114800"/>
-          </a:xfrm>
-          <a:prstGeom prst="rect">
-            <a:avLst/>
-          </a:prstGeom>
-        </p:spPr>
-        <p:txBody>
-          <a:bodyPr spcFirstLastPara="1" wrap="square" lIns="91425" tIns="91425" rIns="91425" bIns="91425" anchor="t" anchorCtr="0">
-            <a:noAutofit/>
-          </a:bodyPr>
-          <a:lstStyle/>
-          <a:p>
-            <a:pPr marL="0" lvl="0" indent="0" algn="l" rtl="0">
-              <a:spcBef>
-                <a:spcPts val="0"/>
-              </a:spcBef>
-              <a:spcAft>
-                <a:spcPts val="0"/>
-              </a:spcAft>
-              <a:buNone/>
-            </a:pPr>
-            <a:endParaRPr/>
-          </a:p>
-        </p:txBody>
-      </p:sp>
-    </p:spTree>
-  </p:cSld>
-  <p:clrMapOvr>
-    <a:masterClrMapping/>
-  </p:clrMapOvr>
-</p:notes>
-</file>
-
 <file path=ppt/notesSlides/notesSlide2.xml><?xml version="1.0" encoding="utf-8"?>
 <p:notes xmlns:a="http://schemas.openxmlformats.org/drawingml/2006/main" xmlns:r="http://schemas.openxmlformats.org/officeDocument/2006/relationships" xmlns:p="http://schemas.openxmlformats.org/presentationml/2006/main" showMasterSp="0" showMasterPhAnim="0">
   <p:cSld>
@@ -1744,7 +1323,7 @@
   <p:cSld>
     <p:spTree>
       <p:nvGrpSpPr>
-        <p:cNvPr id="1" name="Shape 124"/>
+        <p:cNvPr id="1" name="Shape 96"/>
         <p:cNvGrpSpPr/>
         <p:nvPr/>
       </p:nvGrpSpPr>
@@ -1758,7 +1337,7 @@
       </p:grpSpPr>
       <p:sp>
         <p:nvSpPr>
-          <p:cNvPr id="125" name="Google Shape;125;g5659bf9a1f_0_36:notes"/>
+          <p:cNvPr id="97" name="Google Shape;97;g57ed7cc27a_0_0:notes"/>
           <p:cNvSpPr>
             <a:spLocks noGrp="1" noRot="1" noChangeAspect="1"/>
           </p:cNvSpPr>
@@ -1799,7 +1378,7 @@
       </p:sp>
       <p:sp>
         <p:nvSpPr>
-          <p:cNvPr id="126" name="Google Shape;126;g5659bf9a1f_0_36:notes"/>
+          <p:cNvPr id="98" name="Google Shape;98;g57ed7cc27a_0_0:notes"/>
           <p:cNvSpPr txBox="1">
             <a:spLocks noGrp="1"/>
           </p:cNvSpPr>
@@ -1848,7 +1427,7 @@
   <p:cSld>
     <p:spTree>
       <p:nvGrpSpPr>
-        <p:cNvPr id="1" name="Shape 133"/>
+        <p:cNvPr id="1" name="Shape 96"/>
         <p:cNvGrpSpPr/>
         <p:nvPr/>
       </p:nvGrpSpPr>
@@ -1862,7 +1441,7 @@
       </p:grpSpPr>
       <p:sp>
         <p:nvSpPr>
-          <p:cNvPr id="134" name="Google Shape;134;g5659bf9a1f_0_44:notes"/>
+          <p:cNvPr id="97" name="Google Shape;97;g57ed7cc27a_0_0:notes"/>
           <p:cNvSpPr>
             <a:spLocks noGrp="1" noRot="1" noChangeAspect="1"/>
           </p:cNvSpPr>
@@ -1903,7 +1482,7 @@
       </p:sp>
       <p:sp>
         <p:nvSpPr>
-          <p:cNvPr id="135" name="Google Shape;135;g5659bf9a1f_0_44:notes"/>
+          <p:cNvPr id="98" name="Google Shape;98;g57ed7cc27a_0_0:notes"/>
           <p:cNvSpPr txBox="1">
             <a:spLocks noGrp="1"/>
           </p:cNvSpPr>
@@ -1952,7 +1531,7 @@
   <p:cSld>
     <p:spTree>
       <p:nvGrpSpPr>
-        <p:cNvPr id="1" name="Shape 140"/>
+        <p:cNvPr id="1" name="Shape 96"/>
         <p:cNvGrpSpPr/>
         <p:nvPr/>
       </p:nvGrpSpPr>
@@ -1966,7 +1545,7 @@
       </p:grpSpPr>
       <p:sp>
         <p:nvSpPr>
-          <p:cNvPr id="141" name="Google Shape;141;g57ed7cc27a_0_11:notes"/>
+          <p:cNvPr id="97" name="Google Shape;97;g57ed7cc27a_0_0:notes"/>
           <p:cNvSpPr>
             <a:spLocks noGrp="1" noRot="1" noChangeAspect="1"/>
           </p:cNvSpPr>
@@ -2007,7 +1586,7 @@
       </p:sp>
       <p:sp>
         <p:nvSpPr>
-          <p:cNvPr id="142" name="Google Shape;142;g57ed7cc27a_0_11:notes"/>
+          <p:cNvPr id="98" name="Google Shape;98;g57ed7cc27a_0_0:notes"/>
           <p:cNvSpPr txBox="1">
             <a:spLocks noGrp="1"/>
           </p:cNvSpPr>
@@ -2056,7 +1635,7 @@
   <p:cSld>
     <p:spTree>
       <p:nvGrpSpPr>
-        <p:cNvPr id="1" name="Shape 147"/>
+        <p:cNvPr id="1" name="Shape 180"/>
         <p:cNvGrpSpPr/>
         <p:nvPr/>
       </p:nvGrpSpPr>
@@ -2070,7 +1649,7 @@
       </p:grpSpPr>
       <p:sp>
         <p:nvSpPr>
-          <p:cNvPr id="148" name="Google Shape;148;g570fe38cdd_0_0:notes"/>
+          <p:cNvPr id="181" name="Google Shape;181;g4d1b3cc464_5_0:notes"/>
           <p:cNvSpPr>
             <a:spLocks noGrp="1" noRot="1" noChangeAspect="1"/>
           </p:cNvSpPr>
@@ -2111,111 +1690,7 @@
       </p:sp>
       <p:sp>
         <p:nvSpPr>
-          <p:cNvPr id="149" name="Google Shape;149;g570fe38cdd_0_0:notes"/>
-          <p:cNvSpPr txBox="1">
-            <a:spLocks noGrp="1"/>
-          </p:cNvSpPr>
-          <p:nvPr>
-            <p:ph type="body" idx="1"/>
-          </p:nvPr>
-        </p:nvSpPr>
-        <p:spPr>
-          <a:xfrm>
-            <a:off x="685800" y="4343400"/>
-            <a:ext cx="5486400" cy="4114800"/>
-          </a:xfrm>
-          <a:prstGeom prst="rect">
-            <a:avLst/>
-          </a:prstGeom>
-        </p:spPr>
-        <p:txBody>
-          <a:bodyPr spcFirstLastPara="1" wrap="square" lIns="91425" tIns="91425" rIns="91425" bIns="91425" anchor="t" anchorCtr="0">
-            <a:noAutofit/>
-          </a:bodyPr>
-          <a:lstStyle/>
-          <a:p>
-            <a:pPr marL="0" lvl="0" indent="0" algn="l" rtl="0">
-              <a:spcBef>
-                <a:spcPts val="0"/>
-              </a:spcBef>
-              <a:spcAft>
-                <a:spcPts val="0"/>
-              </a:spcAft>
-              <a:buNone/>
-            </a:pPr>
-            <a:endParaRPr/>
-          </a:p>
-        </p:txBody>
-      </p:sp>
-    </p:spTree>
-  </p:cSld>
-  <p:clrMapOvr>
-    <a:masterClrMapping/>
-  </p:clrMapOvr>
-</p:notes>
-</file>
-
-<file path=ppt/notesSlides/notesSlide9.xml><?xml version="1.0" encoding="utf-8"?>
-<p:notes xmlns:a="http://schemas.openxmlformats.org/drawingml/2006/main" xmlns:r="http://schemas.openxmlformats.org/officeDocument/2006/relationships" xmlns:p="http://schemas.openxmlformats.org/presentationml/2006/main" showMasterSp="0" showMasterPhAnim="0">
-  <p:cSld>
-    <p:spTree>
-      <p:nvGrpSpPr>
-        <p:cNvPr id="1" name="Shape 153"/>
-        <p:cNvGrpSpPr/>
-        <p:nvPr/>
-      </p:nvGrpSpPr>
-      <p:grpSpPr>
-        <a:xfrm>
-          <a:off x="0" y="0"/>
-          <a:ext cx="0" cy="0"/>
-          <a:chOff x="0" y="0"/>
-          <a:chExt cx="0" cy="0"/>
-        </a:xfrm>
-      </p:grpSpPr>
-      <p:sp>
-        <p:nvSpPr>
-          <p:cNvPr id="154" name="Google Shape;154;g570fe38cdd_0_9:notes"/>
-          <p:cNvSpPr>
-            <a:spLocks noGrp="1" noRot="1" noChangeAspect="1"/>
-          </p:cNvSpPr>
-          <p:nvPr>
-            <p:ph type="sldImg" idx="2"/>
-          </p:nvPr>
-        </p:nvSpPr>
-        <p:spPr>
-          <a:xfrm>
-            <a:off x="381000" y="685800"/>
-            <a:ext cx="6096000" cy="3429000"/>
-          </a:xfrm>
-          <a:custGeom>
-            <a:avLst/>
-            <a:gdLst/>
-            <a:ahLst/>
-            <a:cxnLst/>
-            <a:rect l="l" t="t" r="r" b="b"/>
-            <a:pathLst>
-              <a:path w="120000" h="120000" extrusionOk="0">
-                <a:moveTo>
-                  <a:pt x="0" y="0"/>
-                </a:moveTo>
-                <a:lnTo>
-                  <a:pt x="120000" y="0"/>
-                </a:lnTo>
-                <a:lnTo>
-                  <a:pt x="120000" y="120000"/>
-                </a:lnTo>
-                <a:lnTo>
-                  <a:pt x="0" y="120000"/>
-                </a:lnTo>
-                <a:close/>
-              </a:path>
-            </a:pathLst>
-          </a:custGeom>
-        </p:spPr>
-      </p:sp>
-      <p:sp>
-        <p:nvSpPr>
-          <p:cNvPr id="155" name="Google Shape;155;g570fe38cdd_0_9:notes"/>
+          <p:cNvPr id="182" name="Google Shape;182;g4d1b3cc464_5_0:notes"/>
           <p:cNvSpPr txBox="1">
             <a:spLocks noGrp="1"/>
           </p:cNvSpPr>
@@ -6522,780 +5997,13 @@
   <p:clrMapOvr>
     <a:masterClrMapping/>
   </p:clrMapOvr>
-</p:sld>
-</file>
-
-<file path=ppt/slides/slide10.xml><?xml version="1.0" encoding="utf-8"?>
-<p:sld xmlns:a="http://schemas.openxmlformats.org/drawingml/2006/main" xmlns:r="http://schemas.openxmlformats.org/officeDocument/2006/relationships" xmlns:p="http://schemas.openxmlformats.org/presentationml/2006/main">
-  <p:cSld>
-    <p:spTree>
-      <p:nvGrpSpPr>
-        <p:cNvPr id="1" name="Shape 163"/>
-        <p:cNvGrpSpPr/>
-        <p:nvPr/>
-      </p:nvGrpSpPr>
-      <p:grpSpPr>
-        <a:xfrm>
-          <a:off x="0" y="0"/>
-          <a:ext cx="0" cy="0"/>
-          <a:chOff x="0" y="0"/>
-          <a:chExt cx="0" cy="0"/>
-        </a:xfrm>
-      </p:grpSpPr>
-      <p:sp>
-        <p:nvSpPr>
-          <p:cNvPr id="164" name="Google Shape;164;p21"/>
-          <p:cNvSpPr txBox="1">
-            <a:spLocks noGrp="1"/>
-          </p:cNvSpPr>
-          <p:nvPr>
-            <p:ph type="title"/>
-          </p:nvPr>
-        </p:nvSpPr>
-        <p:spPr>
-          <a:xfrm>
-            <a:off x="311700" y="458400"/>
-            <a:ext cx="8520600" cy="572700"/>
-          </a:xfrm>
-          <a:prstGeom prst="rect">
-            <a:avLst/>
-          </a:prstGeom>
-        </p:spPr>
-        <p:txBody>
-          <a:bodyPr spcFirstLastPara="1" wrap="square" lIns="91425" tIns="91425" rIns="91425" bIns="91425" anchor="t" anchorCtr="0">
-            <a:noAutofit/>
-          </a:bodyPr>
-          <a:lstStyle/>
-          <a:p>
-            <a:pPr marL="0" lvl="0" indent="0" algn="l" rtl="0">
-              <a:spcBef>
-                <a:spcPts val="0"/>
-              </a:spcBef>
-              <a:spcAft>
-                <a:spcPts val="0"/>
-              </a:spcAft>
-              <a:buNone/>
-            </a:pPr>
-            <a:r>
-              <a:rPr lang="zh-CN"/>
-              <a:t>Use Case #1</a:t>
-            </a:r>
-            <a:endParaRPr/>
-          </a:p>
-        </p:txBody>
-      </p:sp>
-      <p:sp>
-        <p:nvSpPr>
-          <p:cNvPr id="165" name="Google Shape;165;p21"/>
-          <p:cNvSpPr txBox="1">
-            <a:spLocks noGrp="1"/>
-          </p:cNvSpPr>
-          <p:nvPr>
-            <p:ph type="body" idx="1"/>
-          </p:nvPr>
-        </p:nvSpPr>
-        <p:spPr>
-          <a:xfrm>
-            <a:off x="311700" y="1226625"/>
-            <a:ext cx="5572500" cy="3342300"/>
-          </a:xfrm>
-          <a:prstGeom prst="rect">
-            <a:avLst/>
-          </a:prstGeom>
-        </p:spPr>
-        <p:txBody>
-          <a:bodyPr spcFirstLastPara="1" wrap="square" lIns="91425" tIns="91425" rIns="91425" bIns="91425" anchor="t" anchorCtr="0">
-            <a:noAutofit/>
-          </a:bodyPr>
-          <a:lstStyle/>
-          <a:p>
-            <a:pPr marL="0" lvl="0" indent="0" algn="l" rtl="0">
-              <a:lnSpc>
-                <a:spcPct val="100000"/>
-              </a:lnSpc>
-              <a:spcBef>
-                <a:spcPts val="0"/>
-              </a:spcBef>
-              <a:spcAft>
-                <a:spcPts val="0"/>
-              </a:spcAft>
-              <a:buClr>
-                <a:schemeClr val="dk1"/>
-              </a:buClr>
-              <a:buSzPts val="1100"/>
-              <a:buFont typeface="Arial"/>
-              <a:buNone/>
-            </a:pPr>
-            <a:r>
-              <a:rPr lang="zh-CN"/>
-              <a:t>Trash cans report to server when it reaches 80% full.</a:t>
-            </a:r>
-            <a:endParaRPr/>
-          </a:p>
-          <a:p>
-            <a:pPr marL="0" lvl="0" indent="0" algn="just" rtl="0">
-              <a:lnSpc>
-                <a:spcPct val="100000"/>
-              </a:lnSpc>
-              <a:spcBef>
-                <a:spcPts val="1600"/>
-              </a:spcBef>
-              <a:spcAft>
-                <a:spcPts val="0"/>
-              </a:spcAft>
-              <a:buClr>
-                <a:schemeClr val="dk1"/>
-              </a:buClr>
-              <a:buSzPts val="1100"/>
-              <a:buFont typeface="Arial"/>
-              <a:buNone/>
-            </a:pPr>
-            <a:r>
-              <a:rPr lang="zh-CN"/>
-              <a:t>Server uses Information Report Interface to send observe operation to set a threshold(80% volume) on client side, and let trash can to notify server when it reach the threshold.  A notification email will be also to sent out to remind customer</a:t>
-            </a:r>
-            <a:endParaRPr/>
-          </a:p>
-          <a:p>
-            <a:pPr marL="0" lvl="0" indent="0" algn="l" rtl="0">
-              <a:lnSpc>
-                <a:spcPct val="100000"/>
-              </a:lnSpc>
-              <a:spcBef>
-                <a:spcPts val="1600"/>
-              </a:spcBef>
-              <a:spcAft>
-                <a:spcPts val="0"/>
-              </a:spcAft>
-              <a:buClr>
-                <a:schemeClr val="dk1"/>
-              </a:buClr>
-              <a:buSzPts val="1100"/>
-              <a:buFont typeface="Arial"/>
-              <a:buNone/>
-            </a:pPr>
-            <a:r>
-              <a:rPr lang="zh-CN"/>
-              <a:t>Resources used:</a:t>
-            </a:r>
-            <a:endParaRPr/>
-          </a:p>
-          <a:p>
-            <a:pPr marL="0" lvl="0" indent="0" algn="l" rtl="0">
-              <a:lnSpc>
-                <a:spcPct val="100000"/>
-              </a:lnSpc>
-              <a:spcBef>
-                <a:spcPts val="1600"/>
-              </a:spcBef>
-              <a:spcAft>
-                <a:spcPts val="0"/>
-              </a:spcAft>
-              <a:buClr>
-                <a:schemeClr val="dk1"/>
-              </a:buClr>
-              <a:buSzPts val="1100"/>
-              <a:buFont typeface="Arial"/>
-              <a:buNone/>
-            </a:pPr>
-            <a:r>
-              <a:rPr lang="zh-CN"/>
-              <a:t>server side: volume/weight ;  </a:t>
-            </a:r>
-            <a:endParaRPr/>
-          </a:p>
-          <a:p>
-            <a:pPr marL="0" lvl="0" indent="0" algn="l" rtl="0">
-              <a:lnSpc>
-                <a:spcPct val="100000"/>
-              </a:lnSpc>
-              <a:spcBef>
-                <a:spcPts val="1600"/>
-              </a:spcBef>
-              <a:spcAft>
-                <a:spcPts val="0"/>
-              </a:spcAft>
-              <a:buClr>
-                <a:schemeClr val="dk1"/>
-              </a:buClr>
-              <a:buSzPts val="1100"/>
-              <a:buFont typeface="Arial"/>
-              <a:buNone/>
-            </a:pPr>
-            <a:r>
-              <a:rPr lang="zh-CN"/>
-              <a:t>client side: volume/weight</a:t>
-            </a:r>
-            <a:endParaRPr/>
-          </a:p>
-          <a:p>
-            <a:pPr marL="0" lvl="0" indent="0" algn="l" rtl="0">
-              <a:lnSpc>
-                <a:spcPct val="100000"/>
-              </a:lnSpc>
-              <a:spcBef>
-                <a:spcPts val="1600"/>
-              </a:spcBef>
-              <a:spcAft>
-                <a:spcPts val="0"/>
-              </a:spcAft>
-              <a:buClr>
-                <a:schemeClr val="dk1"/>
-              </a:buClr>
-              <a:buSzPts val="1100"/>
-              <a:buFont typeface="Arial"/>
-              <a:buNone/>
-            </a:pPr>
-            <a:endParaRPr/>
-          </a:p>
-          <a:p>
-            <a:pPr marL="0" lvl="0" indent="0" algn="l" rtl="0">
-              <a:lnSpc>
-                <a:spcPct val="100000"/>
-              </a:lnSpc>
-              <a:spcBef>
-                <a:spcPts val="1600"/>
-              </a:spcBef>
-              <a:spcAft>
-                <a:spcPts val="1600"/>
-              </a:spcAft>
-              <a:buClr>
-                <a:schemeClr val="dk1"/>
-              </a:buClr>
-              <a:buSzPts val="1100"/>
-              <a:buFont typeface="Arial"/>
-              <a:buNone/>
-            </a:pPr>
-            <a:endParaRPr/>
-          </a:p>
-        </p:txBody>
-      </p:sp>
-      <p:pic>
-        <p:nvPicPr>
-          <p:cNvPr id="166" name="Google Shape;166;p21"/>
-          <p:cNvPicPr preferRelativeResize="0"/>
-          <p:nvPr/>
-        </p:nvPicPr>
-        <p:blipFill>
-          <a:blip r:embed="rId3">
-            <a:alphaModFix/>
-          </a:blip>
-          <a:stretch>
-            <a:fillRect/>
-          </a:stretch>
-        </p:blipFill>
-        <p:spPr>
-          <a:xfrm>
-            <a:off x="5958425" y="316500"/>
-            <a:ext cx="3164950" cy="3247599"/>
-          </a:xfrm>
-          <a:prstGeom prst="rect">
-            <a:avLst/>
-          </a:prstGeom>
-          <a:noFill/>
-          <a:ln>
-            <a:noFill/>
-          </a:ln>
-        </p:spPr>
-      </p:pic>
-    </p:spTree>
-  </p:cSld>
-  <p:clrMapOvr>
-    <a:masterClrMapping/>
-  </p:clrMapOvr>
-</p:sld>
-</file>
-
-<file path=ppt/slides/slide11.xml><?xml version="1.0" encoding="utf-8"?>
-<p:sld xmlns:a="http://schemas.openxmlformats.org/drawingml/2006/main" xmlns:r="http://schemas.openxmlformats.org/officeDocument/2006/relationships" xmlns:p="http://schemas.openxmlformats.org/presentationml/2006/main">
-  <p:cSld>
-    <p:spTree>
-      <p:nvGrpSpPr>
-        <p:cNvPr id="1" name="Shape 170"/>
-        <p:cNvGrpSpPr/>
-        <p:nvPr/>
-      </p:nvGrpSpPr>
-      <p:grpSpPr>
-        <a:xfrm>
-          <a:off x="0" y="0"/>
-          <a:ext cx="0" cy="0"/>
-          <a:chOff x="0" y="0"/>
-          <a:chExt cx="0" cy="0"/>
-        </a:xfrm>
-      </p:grpSpPr>
-      <p:sp>
-        <p:nvSpPr>
-          <p:cNvPr id="171" name="Google Shape;171;p22"/>
-          <p:cNvSpPr txBox="1">
-            <a:spLocks noGrp="1"/>
-          </p:cNvSpPr>
-          <p:nvPr>
-            <p:ph type="title"/>
-          </p:nvPr>
-        </p:nvSpPr>
-        <p:spPr>
-          <a:xfrm>
-            <a:off x="311700" y="458400"/>
-            <a:ext cx="8520600" cy="572700"/>
-          </a:xfrm>
-          <a:prstGeom prst="rect">
-            <a:avLst/>
-          </a:prstGeom>
-        </p:spPr>
-        <p:txBody>
-          <a:bodyPr spcFirstLastPara="1" wrap="square" lIns="91425" tIns="91425" rIns="91425" bIns="91425" anchor="t" anchorCtr="0">
-            <a:noAutofit/>
-          </a:bodyPr>
-          <a:lstStyle/>
-          <a:p>
-            <a:pPr marL="0" lvl="0" indent="0" algn="l" rtl="0">
-              <a:spcBef>
-                <a:spcPts val="0"/>
-              </a:spcBef>
-              <a:spcAft>
-                <a:spcPts val="0"/>
-              </a:spcAft>
-              <a:buNone/>
-            </a:pPr>
-            <a:r>
-              <a:rPr lang="zh-CN"/>
-              <a:t>Use Case #2</a:t>
-            </a:r>
-            <a:endParaRPr/>
-          </a:p>
-        </p:txBody>
-      </p:sp>
-      <p:sp>
-        <p:nvSpPr>
-          <p:cNvPr id="172" name="Google Shape;172;p22"/>
-          <p:cNvSpPr txBox="1">
-            <a:spLocks noGrp="1"/>
-          </p:cNvSpPr>
-          <p:nvPr>
-            <p:ph type="body" idx="1"/>
-          </p:nvPr>
-        </p:nvSpPr>
-        <p:spPr>
-          <a:xfrm>
-            <a:off x="311700" y="1226625"/>
-            <a:ext cx="5069400" cy="3342300"/>
-          </a:xfrm>
-          <a:prstGeom prst="rect">
-            <a:avLst/>
-          </a:prstGeom>
-        </p:spPr>
-        <p:txBody>
-          <a:bodyPr spcFirstLastPara="1" wrap="square" lIns="91425" tIns="91425" rIns="91425" bIns="91425" anchor="t" anchorCtr="0">
-            <a:noAutofit/>
-          </a:bodyPr>
-          <a:lstStyle/>
-          <a:p>
-            <a:pPr marL="0" lvl="0" indent="0" algn="just" rtl="0">
-              <a:spcBef>
-                <a:spcPts val="0"/>
-              </a:spcBef>
-              <a:spcAft>
-                <a:spcPts val="0"/>
-              </a:spcAft>
-              <a:buClr>
-                <a:schemeClr val="dk1"/>
-              </a:buClr>
-              <a:buSzPts val="1100"/>
-              <a:buFont typeface="Arial"/>
-              <a:buNone/>
-            </a:pPr>
-            <a:r>
-              <a:rPr lang="zh-CN"/>
-              <a:t>Server collects all client trash data every 5s.</a:t>
-            </a:r>
-            <a:endParaRPr/>
-          </a:p>
-          <a:p>
-            <a:pPr marL="0" lvl="0" indent="0" algn="just" rtl="0">
-              <a:lnSpc>
-                <a:spcPct val="100000"/>
-              </a:lnSpc>
-              <a:spcBef>
-                <a:spcPts val="1600"/>
-              </a:spcBef>
-              <a:spcAft>
-                <a:spcPts val="0"/>
-              </a:spcAft>
-              <a:buClr>
-                <a:schemeClr val="dk1"/>
-              </a:buClr>
-              <a:buSzPts val="1100"/>
-              <a:buFont typeface="Arial"/>
-              <a:buNone/>
-            </a:pPr>
-            <a:r>
-              <a:rPr lang="zh-CN"/>
-              <a:t>Server uses Device Management Interface to send read operation to get data(volume/weight) on each client, and calculate the total trash volume and weight for the park. </a:t>
-            </a:r>
-            <a:endParaRPr/>
-          </a:p>
-          <a:p>
-            <a:pPr marL="0" lvl="0" indent="0" algn="l" rtl="0">
-              <a:lnSpc>
-                <a:spcPct val="100000"/>
-              </a:lnSpc>
-              <a:spcBef>
-                <a:spcPts val="1600"/>
-              </a:spcBef>
-              <a:spcAft>
-                <a:spcPts val="0"/>
-              </a:spcAft>
-              <a:buClr>
-                <a:schemeClr val="dk1"/>
-              </a:buClr>
-              <a:buSzPts val="1100"/>
-              <a:buFont typeface="Arial"/>
-              <a:buNone/>
-            </a:pPr>
-            <a:r>
-              <a:rPr lang="zh-CN"/>
-              <a:t>Resources used:</a:t>
-            </a:r>
-            <a:endParaRPr/>
-          </a:p>
-          <a:p>
-            <a:pPr marL="0" lvl="0" indent="0" algn="l" rtl="0">
-              <a:lnSpc>
-                <a:spcPct val="100000"/>
-              </a:lnSpc>
-              <a:spcBef>
-                <a:spcPts val="1600"/>
-              </a:spcBef>
-              <a:spcAft>
-                <a:spcPts val="0"/>
-              </a:spcAft>
-              <a:buClr>
-                <a:schemeClr val="dk1"/>
-              </a:buClr>
-              <a:buSzPts val="1100"/>
-              <a:buFont typeface="Arial"/>
-              <a:buNone/>
-            </a:pPr>
-            <a:r>
-              <a:rPr lang="zh-CN"/>
-              <a:t>server side: volume/weight ;  </a:t>
-            </a:r>
-            <a:endParaRPr/>
-          </a:p>
-          <a:p>
-            <a:pPr marL="0" lvl="0" indent="0" algn="l" rtl="0">
-              <a:lnSpc>
-                <a:spcPct val="100000"/>
-              </a:lnSpc>
-              <a:spcBef>
-                <a:spcPts val="1600"/>
-              </a:spcBef>
-              <a:spcAft>
-                <a:spcPts val="0"/>
-              </a:spcAft>
-              <a:buClr>
-                <a:schemeClr val="dk1"/>
-              </a:buClr>
-              <a:buSzPts val="1100"/>
-              <a:buFont typeface="Arial"/>
-              <a:buNone/>
-            </a:pPr>
-            <a:r>
-              <a:rPr lang="zh-CN"/>
-              <a:t>client side: volume/weight</a:t>
-            </a:r>
-            <a:endParaRPr/>
-          </a:p>
-          <a:p>
-            <a:pPr marL="0" lvl="0" indent="0" algn="l" rtl="0">
-              <a:lnSpc>
-                <a:spcPct val="100000"/>
-              </a:lnSpc>
-              <a:spcBef>
-                <a:spcPts val="1600"/>
-              </a:spcBef>
-              <a:spcAft>
-                <a:spcPts val="0"/>
-              </a:spcAft>
-              <a:buClr>
-                <a:schemeClr val="dk1"/>
-              </a:buClr>
-              <a:buSzPts val="1100"/>
-              <a:buFont typeface="Arial"/>
-              <a:buNone/>
-            </a:pPr>
-            <a:endParaRPr/>
-          </a:p>
-          <a:p>
-            <a:pPr marL="0" lvl="0" indent="0" algn="l" rtl="0">
-              <a:lnSpc>
-                <a:spcPct val="100000"/>
-              </a:lnSpc>
-              <a:spcBef>
-                <a:spcPts val="1600"/>
-              </a:spcBef>
-              <a:spcAft>
-                <a:spcPts val="1600"/>
-              </a:spcAft>
-              <a:buClr>
-                <a:schemeClr val="dk1"/>
-              </a:buClr>
-              <a:buSzPts val="1100"/>
-              <a:buFont typeface="Arial"/>
-              <a:buNone/>
-            </a:pPr>
-            <a:endParaRPr/>
-          </a:p>
-        </p:txBody>
-      </p:sp>
-      <p:pic>
-        <p:nvPicPr>
-          <p:cNvPr id="173" name="Google Shape;173;p22"/>
-          <p:cNvPicPr preferRelativeResize="0"/>
-          <p:nvPr/>
-        </p:nvPicPr>
-        <p:blipFill>
-          <a:blip r:embed="rId3">
-            <a:alphaModFix/>
-          </a:blip>
-          <a:stretch>
-            <a:fillRect/>
-          </a:stretch>
-        </p:blipFill>
-        <p:spPr>
-          <a:xfrm>
-            <a:off x="5478950" y="458400"/>
-            <a:ext cx="3665049" cy="2910025"/>
-          </a:xfrm>
-          <a:prstGeom prst="rect">
-            <a:avLst/>
-          </a:prstGeom>
-          <a:noFill/>
-          <a:ln>
-            <a:noFill/>
-          </a:ln>
-        </p:spPr>
-      </p:pic>
-    </p:spTree>
-  </p:cSld>
-  <p:clrMapOvr>
-    <a:masterClrMapping/>
-  </p:clrMapOvr>
-</p:sld>
-</file>
-
-<file path=ppt/slides/slide12.xml><?xml version="1.0" encoding="utf-8"?>
-<p:sld xmlns:a="http://schemas.openxmlformats.org/drawingml/2006/main" xmlns:r="http://schemas.openxmlformats.org/officeDocument/2006/relationships" xmlns:p="http://schemas.openxmlformats.org/presentationml/2006/main">
-  <p:cSld>
-    <p:spTree>
-      <p:nvGrpSpPr>
-        <p:cNvPr id="1" name="Shape 177"/>
-        <p:cNvGrpSpPr/>
-        <p:nvPr/>
-      </p:nvGrpSpPr>
-      <p:grpSpPr>
-        <a:xfrm>
-          <a:off x="0" y="0"/>
-          <a:ext cx="0" cy="0"/>
-          <a:chOff x="0" y="0"/>
-          <a:chExt cx="0" cy="0"/>
-        </a:xfrm>
-      </p:grpSpPr>
-      <p:sp>
-        <p:nvSpPr>
-          <p:cNvPr id="178" name="Google Shape;178;p23"/>
-          <p:cNvSpPr txBox="1">
-            <a:spLocks noGrp="1"/>
-          </p:cNvSpPr>
-          <p:nvPr>
-            <p:ph type="title"/>
-          </p:nvPr>
-        </p:nvSpPr>
-        <p:spPr>
-          <a:prstGeom prst="rect">
-            <a:avLst/>
-          </a:prstGeom>
-        </p:spPr>
-        <p:txBody>
-          <a:bodyPr spcFirstLastPara="1" wrap="square" lIns="91425" tIns="91425" rIns="91425" bIns="91425" anchor="t" anchorCtr="0">
-            <a:noAutofit/>
-          </a:bodyPr>
-          <a:lstStyle/>
-          <a:p>
-            <a:pPr marL="0" lvl="0" indent="0" algn="l" rtl="0">
-              <a:spcBef>
-                <a:spcPts val="0"/>
-              </a:spcBef>
-              <a:spcAft>
-                <a:spcPts val="0"/>
-              </a:spcAft>
-              <a:buNone/>
-            </a:pPr>
-            <a:r>
-              <a:rPr lang="zh-CN"/>
-              <a:t>Future Improvements</a:t>
-            </a:r>
-            <a:endParaRPr/>
-          </a:p>
-        </p:txBody>
-      </p:sp>
-      <p:sp>
-        <p:nvSpPr>
-          <p:cNvPr id="179" name="Google Shape;179;p23"/>
-          <p:cNvSpPr txBox="1">
-            <a:spLocks noGrp="1"/>
-          </p:cNvSpPr>
-          <p:nvPr>
-            <p:ph type="body" idx="1"/>
-          </p:nvPr>
-        </p:nvSpPr>
-        <p:spPr>
-          <a:prstGeom prst="rect">
-            <a:avLst/>
-          </a:prstGeom>
-        </p:spPr>
-        <p:txBody>
-          <a:bodyPr spcFirstLastPara="1" wrap="square" lIns="91425" tIns="91425" rIns="91425" bIns="91425" anchor="t" anchorCtr="0">
-            <a:noAutofit/>
-          </a:bodyPr>
-          <a:lstStyle/>
-          <a:p>
-            <a:pPr marL="0" lvl="0" indent="0" algn="l" rtl="0">
-              <a:spcBef>
-                <a:spcPts val="0"/>
-              </a:spcBef>
-              <a:spcAft>
-                <a:spcPts val="0"/>
-              </a:spcAft>
-              <a:buNone/>
-            </a:pPr>
-            <a:endParaRPr sz="500"/>
-          </a:p>
-          <a:p>
-            <a:pPr marL="719999" lvl="0" indent="-342900" algn="l" rtl="0">
-              <a:spcBef>
-                <a:spcPts val="1600"/>
-              </a:spcBef>
-              <a:spcAft>
-                <a:spcPts val="0"/>
-              </a:spcAft>
-              <a:buSzPts val="1800"/>
-              <a:buAutoNum type="arabicPeriod"/>
-            </a:pPr>
-            <a:r>
-              <a:rPr lang="zh-CN"/>
-              <a:t>Bio-Hazard Detection and Control</a:t>
-            </a:r>
-            <a:endParaRPr/>
-          </a:p>
-          <a:p>
-            <a:pPr marL="719999" lvl="0" indent="-342900" algn="l" rtl="0">
-              <a:spcBef>
-                <a:spcPts val="0"/>
-              </a:spcBef>
-              <a:spcAft>
-                <a:spcPts val="0"/>
-              </a:spcAft>
-              <a:buSzPts val="1800"/>
-              <a:buAutoNum type="arabicPeriod"/>
-            </a:pPr>
-            <a:r>
-              <a:rPr lang="zh-CN"/>
-              <a:t>Odor Sensor and Control</a:t>
-            </a:r>
-            <a:endParaRPr/>
-          </a:p>
-          <a:p>
-            <a:pPr marL="719999" lvl="0" indent="-342900" algn="l" rtl="0">
-              <a:spcBef>
-                <a:spcPts val="0"/>
-              </a:spcBef>
-              <a:spcAft>
-                <a:spcPts val="0"/>
-              </a:spcAft>
-              <a:buSzPts val="1800"/>
-              <a:buAutoNum type="arabicPeriod"/>
-            </a:pPr>
-            <a:r>
-              <a:rPr lang="zh-CN"/>
-              <a:t>Fire Detection and Extinguishing</a:t>
-            </a:r>
-            <a:endParaRPr/>
-          </a:p>
-        </p:txBody>
-      </p:sp>
-    </p:spTree>
-  </p:cSld>
-  <p:clrMapOvr>
-    <a:masterClrMapping/>
-  </p:clrMapOvr>
-</p:sld>
-</file>
-
-<file path=ppt/slides/slide13.xml><?xml version="1.0" encoding="utf-8"?>
-<p:sld xmlns:a="http://schemas.openxmlformats.org/drawingml/2006/main" xmlns:r="http://schemas.openxmlformats.org/officeDocument/2006/relationships" xmlns:p="http://schemas.openxmlformats.org/presentationml/2006/main">
-  <p:cSld>
-    <p:spTree>
-      <p:nvGrpSpPr>
-        <p:cNvPr id="1" name="Shape 183"/>
-        <p:cNvGrpSpPr/>
-        <p:nvPr/>
-      </p:nvGrpSpPr>
-      <p:grpSpPr>
-        <a:xfrm>
-          <a:off x="0" y="0"/>
-          <a:ext cx="0" cy="0"/>
-          <a:chOff x="0" y="0"/>
-          <a:chExt cx="0" cy="0"/>
-        </a:xfrm>
-      </p:grpSpPr>
-      <p:sp>
-        <p:nvSpPr>
-          <p:cNvPr id="184" name="Google Shape;184;p24"/>
-          <p:cNvSpPr txBox="1">
-            <a:spLocks noGrp="1"/>
-          </p:cNvSpPr>
-          <p:nvPr>
-            <p:ph type="title"/>
-          </p:nvPr>
-        </p:nvSpPr>
-        <p:spPr>
-          <a:xfrm>
-            <a:off x="311700" y="2204575"/>
-            <a:ext cx="8520600" cy="607800"/>
-          </a:xfrm>
-          <a:prstGeom prst="rect">
-            <a:avLst/>
-          </a:prstGeom>
-        </p:spPr>
-        <p:txBody>
-          <a:bodyPr spcFirstLastPara="1" wrap="square" lIns="91425" tIns="91425" rIns="91425" bIns="91425" anchor="t" anchorCtr="0">
-            <a:noAutofit/>
-          </a:bodyPr>
-          <a:lstStyle/>
-          <a:p>
-            <a:pPr marL="0" lvl="0" indent="0" algn="ctr" rtl="0">
-              <a:spcBef>
-                <a:spcPts val="0"/>
-              </a:spcBef>
-              <a:spcAft>
-                <a:spcPts val="0"/>
-              </a:spcAft>
-              <a:buNone/>
-            </a:pPr>
-            <a:r>
-              <a:rPr lang="zh-CN"/>
-              <a:t>DEMO</a:t>
-            </a:r>
-            <a:endParaRPr/>
-          </a:p>
-        </p:txBody>
-      </p:sp>
-    </p:spTree>
-  </p:cSld>
-  <p:clrMapOvr>
-    <a:masterClrMapping/>
-  </p:clrMapOvr>
+  <p:timing>
+    <p:tnLst>
+      <p:par>
+        <p:cTn id="1" dur="indefinite" restart="never" nodeType="tmRoot"/>
+      </p:par>
+    </p:tnLst>
+  </p:timing>
 </p:sld>
 </file>
 
@@ -7328,7 +6036,7 @@
         </p:nvSpPr>
         <p:spPr>
           <a:xfrm>
-            <a:off x="311700" y="373130"/>
+            <a:off x="697142" y="229733"/>
             <a:ext cx="8520600" cy="607800"/>
           </a:xfrm>
           <a:prstGeom prst="rect">
@@ -7370,8 +6078,8 @@
         </p:nvSpPr>
         <p:spPr>
           <a:xfrm>
-            <a:off x="595285" y="3378631"/>
-            <a:ext cx="7897785" cy="1441343"/>
+            <a:off x="683774" y="3540859"/>
+            <a:ext cx="7700684" cy="1441343"/>
           </a:xfrm>
           <a:prstGeom prst="rect">
             <a:avLst/>
@@ -7398,58 +6106,54 @@
               <a:buNone/>
             </a:pPr>
             <a:r>
-              <a:rPr lang="zh-CN" sz="1800" dirty="0"/>
+              <a:rPr lang="zh-CN" sz="1600" dirty="0"/>
               <a:t>   </a:t>
             </a:r>
             <a:r>
-              <a:rPr lang="en-US" altLang="zh-CN" sz="1800" dirty="0" smtClean="0"/>
+              <a:rPr lang="en-US" altLang="zh-CN" sz="1600" dirty="0" smtClean="0"/>
               <a:t>It is a </a:t>
             </a:r>
             <a:r>
-              <a:rPr lang="en-US" altLang="zh-CN" sz="1800" dirty="0" err="1" smtClean="0"/>
+              <a:rPr lang="en-US" altLang="zh-CN" sz="1600" dirty="0" err="1" smtClean="0"/>
               <a:t>challlenging</a:t>
             </a:r>
             <a:r>
-              <a:rPr lang="en-US" altLang="zh-CN" sz="1800" dirty="0" smtClean="0"/>
-              <a:t> task to find out how many spots, how large the trash can is needed, and how often </a:t>
-            </a:r>
-            <a:r>
-              <a:rPr lang="en-US" altLang="zh-CN" sz="1800" dirty="0" smtClean="0"/>
-              <a:t>trash needs to be collected, </a:t>
-            </a:r>
-            <a:r>
-              <a:rPr lang="en-US" altLang="zh-CN" sz="1800" dirty="0" smtClean="0"/>
-              <a:t>to keep a clean environment in a cost effective way. Our </a:t>
-            </a:r>
-            <a:r>
-              <a:rPr lang="en-US" altLang="zh-CN" sz="1800" dirty="0" err="1" smtClean="0"/>
+              <a:rPr lang="en-US" altLang="zh-CN" sz="1600" dirty="0" smtClean="0"/>
+              <a:t> task to find out how many spots, how large the trash can is needed, and how often trash needs to be collected, to keep a clean environment in a cost effective way. Our </a:t>
+            </a:r>
+            <a:r>
+              <a:rPr lang="en-US" altLang="zh-CN" sz="1600" dirty="0" err="1" smtClean="0"/>
               <a:t>Iot</a:t>
             </a:r>
             <a:r>
-              <a:rPr lang="en-US" altLang="zh-CN" sz="1800" dirty="0" smtClean="0"/>
+              <a:rPr lang="en-US" altLang="zh-CN" sz="1600" dirty="0" smtClean="0"/>
               <a:t> project is</a:t>
             </a:r>
             <a:r>
-              <a:rPr lang="zh-CN" sz="1800" dirty="0" smtClean="0"/>
+              <a:rPr lang="zh-CN" sz="1600" dirty="0" smtClean="0"/>
               <a:t> </a:t>
             </a:r>
             <a:r>
-              <a:rPr lang="zh-CN" sz="1800" dirty="0"/>
+              <a:rPr lang="zh-CN" sz="1600" dirty="0"/>
               <a:t>to provide a real time trash data </a:t>
             </a:r>
             <a:r>
-              <a:rPr lang="en-US" altLang="zh-CN" sz="1800" dirty="0" smtClean="0"/>
-              <a:t>monitoring and notification system for a environment like campus</a:t>
-            </a:r>
-            <a:r>
-              <a:rPr lang="zh-CN" sz="1800" dirty="0" smtClean="0"/>
+              <a:rPr lang="en-US" altLang="zh-CN" sz="1600" dirty="0" smtClean="0"/>
+              <a:t>monitoring, analysis </a:t>
+            </a:r>
+            <a:r>
+              <a:rPr lang="en-US" altLang="zh-CN" sz="1600" dirty="0" smtClean="0"/>
+              <a:t>and notification system for a environment like campus</a:t>
+            </a:r>
+            <a:r>
+              <a:rPr lang="zh-CN" sz="1600" dirty="0" smtClean="0"/>
               <a:t>, </a:t>
             </a:r>
             <a:r>
-              <a:rPr lang="en-US" altLang="zh-CN" sz="1800" dirty="0" smtClean="0"/>
+              <a:rPr lang="en-US" altLang="zh-CN" sz="1600" dirty="0" smtClean="0"/>
               <a:t>park, shopping mall, etc. </a:t>
             </a:r>
-            <a:endParaRPr sz="1800" dirty="0"/>
+            <a:endParaRPr sz="1600" dirty="0"/>
           </a:p>
         </p:txBody>
       </p:sp>
@@ -7749,8 +6453,8 @@
         </p:blipFill>
         <p:spPr bwMode="auto">
           <a:xfrm>
-            <a:off x="1069976" y="1190974"/>
-            <a:ext cx="2835598" cy="2126699"/>
+            <a:off x="770039" y="980768"/>
+            <a:ext cx="3212025" cy="2409020"/>
           </a:xfrm>
           <a:prstGeom prst="rect">
             <a:avLst/>
@@ -7801,8 +6505,8 @@
         </p:blipFill>
         <p:spPr bwMode="auto">
           <a:xfrm>
-            <a:off x="4401517" y="351483"/>
-            <a:ext cx="3742841" cy="3120137"/>
+            <a:off x="4387645" y="376649"/>
+            <a:ext cx="3741965" cy="3119407"/>
           </a:xfrm>
           <a:prstGeom prst="rect">
             <a:avLst/>
@@ -7824,6 +6528,13 @@
   <p:clrMapOvr>
     <a:masterClrMapping/>
   </p:clrMapOvr>
+  <p:timing>
+    <p:tnLst>
+      <p:par>
+        <p:cTn id="1" dur="indefinite" restart="never" nodeType="tmRoot"/>
+      </p:par>
+    </p:tnLst>
+  </p:timing>
 </p:sld>
 </file>
 
@@ -7844,905 +6555,1139 @@
           <a:chExt cx="0" cy="0"/>
         </a:xfrm>
       </p:grpSpPr>
-      <p:grpSp>
-        <p:nvGrpSpPr>
-          <p:cNvPr id="101" name="Google Shape;101;p15"/>
-          <p:cNvGrpSpPr/>
+      <p:sp>
+        <p:nvSpPr>
+          <p:cNvPr id="102" name="Google Shape;102;p15"/>
+          <p:cNvSpPr/>
           <p:nvPr/>
-        </p:nvGrpSpPr>
-        <p:grpSpPr>
-          <a:xfrm>
-            <a:off x="377402" y="1076247"/>
-            <a:ext cx="5018136" cy="3576082"/>
-            <a:chOff x="3033002" y="2487897"/>
-            <a:chExt cx="5018136" cy="3576082"/>
-          </a:xfrm>
-        </p:grpSpPr>
-        <p:sp>
-          <p:nvSpPr>
-            <p:cNvPr id="102" name="Google Shape;102;p15"/>
-            <p:cNvSpPr/>
-            <p:nvPr/>
-          </p:nvSpPr>
-          <p:spPr>
-            <a:xfrm>
-              <a:off x="4950917" y="3585239"/>
-              <a:ext cx="1182300" cy="546900"/>
-            </a:xfrm>
-            <a:prstGeom prst="roundRect">
-              <a:avLst>
-                <a:gd name="adj" fmla="val 16667"/>
-              </a:avLst>
-            </a:prstGeom>
+        </p:nvSpPr>
+        <p:spPr>
+          <a:xfrm>
+            <a:off x="4123850" y="1887802"/>
+            <a:ext cx="844693" cy="666510"/>
+          </a:xfrm>
+          <a:prstGeom prst="roundRect">
+            <a:avLst>
+              <a:gd name="adj" fmla="val 16667"/>
+            </a:avLst>
+          </a:prstGeom>
+          <a:solidFill>
+            <a:srgbClr val="FFC000"/>
+          </a:solidFill>
+          <a:ln w="9525" cap="flat" cmpd="sng">
             <a:solidFill>
-              <a:srgbClr val="CFE2F3"/>
+              <a:srgbClr val="000000"/>
             </a:solidFill>
-            <a:ln w="9525" cap="flat" cmpd="sng">
-              <a:solidFill>
-                <a:srgbClr val="000000"/>
-              </a:solidFill>
-              <a:prstDash val="solid"/>
-              <a:round/>
-              <a:headEnd type="none" w="sm" len="sm"/>
-              <a:tailEnd type="none" w="sm" len="sm"/>
-            </a:ln>
-          </p:spPr>
-          <p:txBody>
-            <a:bodyPr spcFirstLastPara="1" wrap="square" lIns="91425" tIns="91425" rIns="91425" bIns="91425" anchor="ctr" anchorCtr="0">
-              <a:noAutofit/>
-            </a:bodyPr>
-            <a:lstStyle/>
-            <a:p>
-              <a:pPr marL="0" lvl="0" indent="0" algn="ctr" rtl="0">
-                <a:spcBef>
-                  <a:spcPts val="0"/>
-                </a:spcBef>
-                <a:spcAft>
-                  <a:spcPts val="0"/>
-                </a:spcAft>
-                <a:buNone/>
-              </a:pPr>
-              <a:r>
-                <a:rPr lang="zh-CN"/>
-                <a:t>Server</a:t>
-              </a:r>
-              <a:endParaRPr/>
-            </a:p>
-          </p:txBody>
-        </p:sp>
-        <p:sp>
-          <p:nvSpPr>
-            <p:cNvPr id="103" name="Google Shape;103;p15"/>
-            <p:cNvSpPr/>
-            <p:nvPr/>
-          </p:nvSpPr>
-          <p:spPr>
-            <a:xfrm>
-              <a:off x="4950913" y="5517078"/>
-              <a:ext cx="1182300" cy="546900"/>
-            </a:xfrm>
-            <a:prstGeom prst="roundRect">
-              <a:avLst>
-                <a:gd name="adj" fmla="val 16667"/>
-              </a:avLst>
-            </a:prstGeom>
+            <a:prstDash val="solid"/>
+            <a:round/>
+            <a:headEnd type="none" w="sm" len="sm"/>
+            <a:tailEnd type="none" w="sm" len="sm"/>
+          </a:ln>
+        </p:spPr>
+        <p:txBody>
+          <a:bodyPr spcFirstLastPara="1" wrap="square" lIns="91425" tIns="91425" rIns="91425" bIns="91425" anchor="ctr" anchorCtr="0">
+            <a:noAutofit/>
+          </a:bodyPr>
+          <a:lstStyle/>
+          <a:p>
+            <a:pPr marL="0" lvl="0" indent="0" algn="ctr" rtl="0">
+              <a:spcBef>
+                <a:spcPts val="0"/>
+              </a:spcBef>
+              <a:spcAft>
+                <a:spcPts val="0"/>
+              </a:spcAft>
+              <a:buNone/>
+            </a:pPr>
+            <a:r>
+              <a:rPr lang="zh-CN" dirty="0"/>
+              <a:t>Server</a:t>
+            </a:r>
+            <a:endParaRPr dirty="0"/>
+          </a:p>
+        </p:txBody>
+      </p:sp>
+      <p:sp>
+        <p:nvSpPr>
+          <p:cNvPr id="104" name="Google Shape;104;p15"/>
+          <p:cNvSpPr/>
+          <p:nvPr/>
+        </p:nvSpPr>
+        <p:spPr>
+          <a:xfrm>
+            <a:off x="7222462" y="1870075"/>
+            <a:ext cx="1117752" cy="791061"/>
+          </a:xfrm>
+          <a:prstGeom prst="roundRect">
+            <a:avLst>
+              <a:gd name="adj" fmla="val 16667"/>
+            </a:avLst>
+          </a:prstGeom>
+          <a:solidFill>
+            <a:srgbClr val="92D050"/>
+          </a:solidFill>
+          <a:ln w="9525" cap="flat" cmpd="sng">
             <a:solidFill>
-              <a:srgbClr val="CFE2F3"/>
+              <a:srgbClr val="000000"/>
             </a:solidFill>
-            <a:ln w="9525" cap="flat" cmpd="sng">
-              <a:solidFill>
-                <a:srgbClr val="000000"/>
-              </a:solidFill>
-              <a:prstDash val="solid"/>
-              <a:round/>
-              <a:headEnd type="none" w="sm" len="sm"/>
-              <a:tailEnd type="none" w="sm" len="sm"/>
-            </a:ln>
-          </p:spPr>
-          <p:txBody>
-            <a:bodyPr spcFirstLastPara="1" wrap="square" lIns="91425" tIns="91425" rIns="91425" bIns="91425" anchor="ctr" anchorCtr="0">
-              <a:noAutofit/>
-            </a:bodyPr>
-            <a:lstStyle/>
-            <a:p>
-              <a:pPr marL="0" lvl="0" indent="0" algn="ctr" rtl="0">
-                <a:spcBef>
-                  <a:spcPts val="0"/>
-                </a:spcBef>
-                <a:spcAft>
-                  <a:spcPts val="0"/>
-                </a:spcAft>
-                <a:buNone/>
-              </a:pPr>
-              <a:r>
-                <a:rPr lang="zh-CN"/>
-                <a:t>Client</a:t>
-              </a:r>
-              <a:endParaRPr/>
-            </a:p>
-          </p:txBody>
-        </p:sp>
-        <p:sp>
-          <p:nvSpPr>
-            <p:cNvPr id="104" name="Google Shape;104;p15"/>
-            <p:cNvSpPr/>
-            <p:nvPr/>
-          </p:nvSpPr>
-          <p:spPr>
-            <a:xfrm>
-              <a:off x="6868838" y="5517079"/>
-              <a:ext cx="1182300" cy="546900"/>
-            </a:xfrm>
-            <a:prstGeom prst="roundRect">
-              <a:avLst>
-                <a:gd name="adj" fmla="val 16667"/>
-              </a:avLst>
-            </a:prstGeom>
+            <a:prstDash val="solid"/>
+            <a:round/>
+            <a:headEnd type="none" w="sm" len="sm"/>
+            <a:tailEnd type="none" w="sm" len="sm"/>
+          </a:ln>
+        </p:spPr>
+        <p:txBody>
+          <a:bodyPr spcFirstLastPara="1" wrap="square" lIns="91425" tIns="91425" rIns="91425" bIns="91425" anchor="ctr" anchorCtr="0">
+            <a:noAutofit/>
+          </a:bodyPr>
+          <a:lstStyle/>
+          <a:p>
+            <a:pPr lvl="0" algn="ctr"/>
+            <a:r>
+              <a:rPr lang="en-US" altLang="zh-CN" sz="1300" dirty="0"/>
+              <a:t>Multiple Distributed </a:t>
+            </a:r>
+            <a:endParaRPr lang="en-US" altLang="zh-CN" sz="1300" dirty="0" smtClean="0"/>
+          </a:p>
+          <a:p>
+            <a:pPr lvl="0" algn="ctr"/>
+            <a:r>
+              <a:rPr lang="en-US" altLang="zh-CN" sz="1300" dirty="0" err="1" smtClean="0"/>
+              <a:t>TrashCan</a:t>
+            </a:r>
+            <a:endParaRPr sz="1300" dirty="0"/>
+          </a:p>
+        </p:txBody>
+      </p:sp>
+      <p:cxnSp>
+        <p:nvCxnSpPr>
+          <p:cNvPr id="106" name="Google Shape;106;p15"/>
+          <p:cNvCxnSpPr/>
+          <p:nvPr/>
+        </p:nvCxnSpPr>
+        <p:spPr>
+          <a:xfrm>
+            <a:off x="4959334" y="2343473"/>
+            <a:ext cx="2263127" cy="6495"/>
+          </a:xfrm>
+          <a:prstGeom prst="straightConnector1">
+            <a:avLst/>
+          </a:prstGeom>
+          <a:noFill/>
+          <a:ln w="12700" cap="flat" cmpd="sng">
             <a:solidFill>
-              <a:srgbClr val="CFE2F3"/>
+              <a:srgbClr val="000000"/>
             </a:solidFill>
-            <a:ln w="9525" cap="flat" cmpd="sng">
-              <a:solidFill>
-                <a:srgbClr val="000000"/>
-              </a:solidFill>
-              <a:prstDash val="solid"/>
-              <a:round/>
-              <a:headEnd type="none" w="sm" len="sm"/>
-              <a:tailEnd type="none" w="sm" len="sm"/>
-            </a:ln>
-          </p:spPr>
-          <p:txBody>
-            <a:bodyPr spcFirstLastPara="1" wrap="square" lIns="91425" tIns="91425" rIns="91425" bIns="91425" anchor="ctr" anchorCtr="0">
-              <a:noAutofit/>
-            </a:bodyPr>
-            <a:lstStyle/>
-            <a:p>
-              <a:pPr marL="0" lvl="0" indent="0" algn="ctr" rtl="0">
-                <a:spcBef>
-                  <a:spcPts val="0"/>
-                </a:spcBef>
-                <a:spcAft>
-                  <a:spcPts val="0"/>
-                </a:spcAft>
-                <a:buNone/>
-              </a:pPr>
-              <a:r>
-                <a:rPr lang="zh-CN"/>
-                <a:t>Client</a:t>
-              </a:r>
-              <a:endParaRPr/>
-            </a:p>
-          </p:txBody>
-        </p:sp>
-        <p:sp>
-          <p:nvSpPr>
-            <p:cNvPr id="105" name="Google Shape;105;p15"/>
-            <p:cNvSpPr/>
-            <p:nvPr/>
-          </p:nvSpPr>
-          <p:spPr>
-            <a:xfrm>
-              <a:off x="3033002" y="5517080"/>
-              <a:ext cx="1182300" cy="546900"/>
-            </a:xfrm>
-            <a:prstGeom prst="roundRect">
-              <a:avLst>
-                <a:gd name="adj" fmla="val 16667"/>
-              </a:avLst>
-            </a:prstGeom>
+            <a:prstDash val="solid"/>
+            <a:round/>
+            <a:headEnd type="none" w="med" len="med"/>
+            <a:tailEnd type="triangle" w="med" len="med"/>
+          </a:ln>
+        </p:spPr>
+      </p:cxnSp>
+      <p:cxnSp>
+        <p:nvCxnSpPr>
+          <p:cNvPr id="107" name="Google Shape;107;p15"/>
+          <p:cNvCxnSpPr/>
+          <p:nvPr/>
+        </p:nvCxnSpPr>
+        <p:spPr>
+          <a:xfrm>
+            <a:off x="2014441" y="2328725"/>
+            <a:ext cx="2106226" cy="0"/>
+          </a:xfrm>
+          <a:prstGeom prst="straightConnector1">
+            <a:avLst/>
+          </a:prstGeom>
+          <a:noFill/>
+          <a:ln w="12700" cap="flat" cmpd="sng">
             <a:solidFill>
-              <a:srgbClr val="CFE2F3"/>
+              <a:srgbClr val="000000"/>
             </a:solidFill>
-            <a:ln w="9525" cap="flat" cmpd="sng">
-              <a:solidFill>
-                <a:srgbClr val="000000"/>
-              </a:solidFill>
-              <a:prstDash val="solid"/>
-              <a:round/>
-              <a:headEnd type="none" w="sm" len="sm"/>
-              <a:tailEnd type="none" w="sm" len="sm"/>
-            </a:ln>
-          </p:spPr>
-          <p:txBody>
-            <a:bodyPr spcFirstLastPara="1" wrap="square" lIns="91425" tIns="91425" rIns="91425" bIns="91425" anchor="ctr" anchorCtr="0">
-              <a:noAutofit/>
-            </a:bodyPr>
-            <a:lstStyle/>
-            <a:p>
-              <a:pPr marL="0" lvl="0" indent="0" algn="ctr" rtl="0">
-                <a:spcBef>
-                  <a:spcPts val="0"/>
-                </a:spcBef>
-                <a:spcAft>
-                  <a:spcPts val="0"/>
-                </a:spcAft>
-                <a:buNone/>
-              </a:pPr>
-              <a:r>
-                <a:rPr lang="zh-CN"/>
-                <a:t>Client</a:t>
-              </a:r>
-              <a:endParaRPr/>
-            </a:p>
-          </p:txBody>
-        </p:sp>
-        <p:cxnSp>
-          <p:nvCxnSpPr>
-            <p:cNvPr id="106" name="Google Shape;106;p15"/>
-            <p:cNvCxnSpPr/>
-            <p:nvPr/>
-          </p:nvCxnSpPr>
-          <p:spPr>
-            <a:xfrm flipH="1">
-              <a:off x="3297248" y="4131139"/>
-              <a:ext cx="1720200" cy="1386000"/>
-            </a:xfrm>
-            <a:prstGeom prst="straightConnector1">
-              <a:avLst/>
-            </a:prstGeom>
-            <a:noFill/>
-            <a:ln w="9525" cap="flat" cmpd="sng">
-              <a:solidFill>
-                <a:srgbClr val="000000"/>
-              </a:solidFill>
-              <a:prstDash val="solid"/>
-              <a:round/>
-              <a:headEnd type="none" w="med" len="med"/>
-              <a:tailEnd type="triangle" w="med" len="med"/>
-            </a:ln>
-          </p:spPr>
-        </p:cxnSp>
-        <p:cxnSp>
-          <p:nvCxnSpPr>
-            <p:cNvPr id="107" name="Google Shape;107;p15"/>
-            <p:cNvCxnSpPr/>
-            <p:nvPr/>
-          </p:nvCxnSpPr>
-          <p:spPr>
-            <a:xfrm>
-              <a:off x="5426844" y="4135343"/>
-              <a:ext cx="0" cy="1384800"/>
-            </a:xfrm>
-            <a:prstGeom prst="straightConnector1">
-              <a:avLst/>
-            </a:prstGeom>
-            <a:noFill/>
-            <a:ln w="9525" cap="flat" cmpd="sng">
-              <a:solidFill>
-                <a:srgbClr val="000000"/>
-              </a:solidFill>
-              <a:prstDash val="solid"/>
-              <a:round/>
-              <a:headEnd type="none" w="med" len="med"/>
-              <a:tailEnd type="triangle" w="med" len="med"/>
-            </a:ln>
-          </p:spPr>
-        </p:cxnSp>
-        <p:cxnSp>
-          <p:nvCxnSpPr>
-            <p:cNvPr id="108" name="Google Shape;108;p15"/>
-            <p:cNvCxnSpPr/>
-            <p:nvPr/>
-          </p:nvCxnSpPr>
-          <p:spPr>
-            <a:xfrm>
-              <a:off x="6101062" y="4110457"/>
-              <a:ext cx="1728300" cy="1406700"/>
-            </a:xfrm>
-            <a:prstGeom prst="straightConnector1">
-              <a:avLst/>
-            </a:prstGeom>
-            <a:noFill/>
-            <a:ln w="9525" cap="flat" cmpd="sng">
-              <a:solidFill>
-                <a:srgbClr val="000000"/>
-              </a:solidFill>
-              <a:prstDash val="solid"/>
-              <a:round/>
-              <a:headEnd type="none" w="med" len="med"/>
-              <a:tailEnd type="triangle" w="med" len="med"/>
-            </a:ln>
-          </p:spPr>
-        </p:cxnSp>
-        <p:sp>
-          <p:nvSpPr>
-            <p:cNvPr id="109" name="Google Shape;109;p15"/>
-            <p:cNvSpPr txBox="1"/>
-            <p:nvPr/>
-          </p:nvSpPr>
-          <p:spPr>
-            <a:xfrm rot="-2318886">
-              <a:off x="3931151" y="4597233"/>
-              <a:ext cx="458261" cy="173490"/>
-            </a:xfrm>
-            <a:prstGeom prst="rect">
-              <a:avLst/>
-            </a:prstGeom>
-            <a:noFill/>
-            <a:ln>
-              <a:noFill/>
-            </a:ln>
-          </p:spPr>
-          <p:txBody>
-            <a:bodyPr spcFirstLastPara="1" wrap="square" lIns="91425" tIns="91425" rIns="91425" bIns="91425" anchor="t" anchorCtr="0">
-              <a:noAutofit/>
-            </a:bodyPr>
-            <a:lstStyle/>
-            <a:p>
-              <a:pPr marL="0" lvl="0" indent="0" algn="ctr" rtl="0">
-                <a:spcBef>
-                  <a:spcPts val="0"/>
-                </a:spcBef>
-                <a:spcAft>
-                  <a:spcPts val="0"/>
-                </a:spcAft>
-                <a:buNone/>
-              </a:pPr>
-              <a:r>
-                <a:rPr lang="zh-CN" sz="1000"/>
-                <a:t>Read</a:t>
-              </a:r>
-              <a:endParaRPr sz="1000"/>
-            </a:p>
-          </p:txBody>
-        </p:sp>
-        <p:sp>
-          <p:nvSpPr>
-            <p:cNvPr id="110" name="Google Shape;110;p15"/>
-            <p:cNvSpPr txBox="1"/>
-            <p:nvPr/>
-          </p:nvSpPr>
-          <p:spPr>
-            <a:xfrm rot="-5402463">
-              <a:off x="5142846" y="4730886"/>
-              <a:ext cx="418800" cy="187500"/>
-            </a:xfrm>
-            <a:prstGeom prst="rect">
-              <a:avLst/>
-            </a:prstGeom>
-            <a:noFill/>
-            <a:ln>
-              <a:noFill/>
-            </a:ln>
-          </p:spPr>
-          <p:txBody>
-            <a:bodyPr spcFirstLastPara="1" wrap="square" lIns="91425" tIns="91425" rIns="91425" bIns="91425" anchor="t" anchorCtr="0">
-              <a:noAutofit/>
-            </a:bodyPr>
-            <a:lstStyle/>
-            <a:p>
-              <a:pPr marL="0" lvl="0" indent="0" algn="ctr" rtl="0">
-                <a:spcBef>
-                  <a:spcPts val="0"/>
-                </a:spcBef>
-                <a:spcAft>
-                  <a:spcPts val="0"/>
-                </a:spcAft>
-                <a:buNone/>
-              </a:pPr>
-              <a:r>
-                <a:rPr lang="zh-CN" sz="1000"/>
-                <a:t>Read</a:t>
-              </a:r>
-              <a:endParaRPr sz="1000"/>
-            </a:p>
-          </p:txBody>
-        </p:sp>
-        <p:sp>
-          <p:nvSpPr>
-            <p:cNvPr id="111" name="Google Shape;111;p15"/>
-            <p:cNvSpPr txBox="1"/>
-            <p:nvPr/>
-          </p:nvSpPr>
-          <p:spPr>
-            <a:xfrm rot="2329789">
-              <a:off x="6730074" y="4597083"/>
-              <a:ext cx="457888" cy="173731"/>
-            </a:xfrm>
-            <a:prstGeom prst="rect">
-              <a:avLst/>
-            </a:prstGeom>
-            <a:noFill/>
-            <a:ln>
-              <a:noFill/>
-            </a:ln>
-          </p:spPr>
-          <p:txBody>
-            <a:bodyPr spcFirstLastPara="1" wrap="square" lIns="91425" tIns="91425" rIns="91425" bIns="91425" anchor="t" anchorCtr="0">
-              <a:noAutofit/>
-            </a:bodyPr>
-            <a:lstStyle/>
-            <a:p>
-              <a:pPr marL="0" lvl="0" indent="0" algn="ctr" rtl="0">
-                <a:spcBef>
-                  <a:spcPts val="0"/>
-                </a:spcBef>
-                <a:spcAft>
-                  <a:spcPts val="0"/>
-                </a:spcAft>
-                <a:buNone/>
-              </a:pPr>
-              <a:r>
-                <a:rPr lang="zh-CN" sz="1000"/>
-                <a:t>Read</a:t>
-              </a:r>
-              <a:endParaRPr sz="1000"/>
-            </a:p>
-          </p:txBody>
-        </p:sp>
-        <p:cxnSp>
-          <p:nvCxnSpPr>
-            <p:cNvPr id="112" name="Google Shape;112;p15"/>
-            <p:cNvCxnSpPr>
-              <a:stCxn id="105" idx="0"/>
-            </p:cNvCxnSpPr>
-            <p:nvPr/>
-          </p:nvCxnSpPr>
-          <p:spPr>
-            <a:xfrm rot="10800000" flipH="1">
-              <a:off x="3624152" y="4133480"/>
-              <a:ext cx="1689900" cy="1383600"/>
-            </a:xfrm>
-            <a:prstGeom prst="straightConnector1">
-              <a:avLst/>
-            </a:prstGeom>
-            <a:noFill/>
-            <a:ln w="9525" cap="flat" cmpd="sng">
-              <a:solidFill>
-                <a:srgbClr val="000000"/>
-              </a:solidFill>
-              <a:prstDash val="solid"/>
-              <a:round/>
-              <a:headEnd type="none" w="med" len="med"/>
-              <a:tailEnd type="triangle" w="med" len="med"/>
-            </a:ln>
-          </p:spPr>
-        </p:cxnSp>
-        <p:cxnSp>
-          <p:nvCxnSpPr>
-            <p:cNvPr id="113" name="Google Shape;113;p15"/>
-            <p:cNvCxnSpPr/>
-            <p:nvPr/>
-          </p:nvCxnSpPr>
-          <p:spPr>
-            <a:xfrm rot="10800000">
-              <a:off x="5681237" y="4132278"/>
-              <a:ext cx="0" cy="1384800"/>
-            </a:xfrm>
-            <a:prstGeom prst="straightConnector1">
-              <a:avLst/>
-            </a:prstGeom>
-            <a:noFill/>
-            <a:ln w="9525" cap="flat" cmpd="sng">
-              <a:solidFill>
-                <a:srgbClr val="000000"/>
-              </a:solidFill>
-              <a:prstDash val="solid"/>
-              <a:round/>
-              <a:headEnd type="none" w="med" len="med"/>
-              <a:tailEnd type="triangle" w="med" len="med"/>
-            </a:ln>
-          </p:spPr>
-        </p:cxnSp>
-        <p:cxnSp>
-          <p:nvCxnSpPr>
-            <p:cNvPr id="114" name="Google Shape;114;p15"/>
-            <p:cNvCxnSpPr>
-              <a:stCxn id="104" idx="0"/>
-            </p:cNvCxnSpPr>
-            <p:nvPr/>
-          </p:nvCxnSpPr>
-          <p:spPr>
-            <a:xfrm rot="10800000">
-              <a:off x="5828588" y="4133479"/>
-              <a:ext cx="1631400" cy="1383600"/>
-            </a:xfrm>
-            <a:prstGeom prst="straightConnector1">
-              <a:avLst/>
-            </a:prstGeom>
-            <a:noFill/>
-            <a:ln w="9525" cap="flat" cmpd="sng">
-              <a:solidFill>
-                <a:srgbClr val="000000"/>
-              </a:solidFill>
-              <a:prstDash val="solid"/>
-              <a:round/>
-              <a:headEnd type="none" w="med" len="med"/>
-              <a:tailEnd type="triangle" w="med" len="med"/>
-            </a:ln>
-          </p:spPr>
-        </p:cxnSp>
-        <p:sp>
-          <p:nvSpPr>
-            <p:cNvPr id="115" name="Google Shape;115;p15"/>
-            <p:cNvSpPr txBox="1"/>
-            <p:nvPr/>
-          </p:nvSpPr>
-          <p:spPr>
-            <a:xfrm rot="-2430259">
-              <a:off x="4276715" y="4818133"/>
-              <a:ext cx="557501" cy="186810"/>
-            </a:xfrm>
-            <a:prstGeom prst="rect">
-              <a:avLst/>
-            </a:prstGeom>
-            <a:noFill/>
-            <a:ln>
-              <a:noFill/>
-            </a:ln>
-          </p:spPr>
-          <p:txBody>
-            <a:bodyPr spcFirstLastPara="1" wrap="square" lIns="91425" tIns="91425" rIns="91425" bIns="91425" anchor="ctr" anchorCtr="0">
-              <a:noAutofit/>
-            </a:bodyPr>
-            <a:lstStyle/>
-            <a:p>
-              <a:pPr marL="0" lvl="0" indent="0" algn="ctr" rtl="0">
-                <a:spcBef>
-                  <a:spcPts val="0"/>
-                </a:spcBef>
-                <a:spcAft>
-                  <a:spcPts val="0"/>
-                </a:spcAft>
-                <a:buNone/>
-              </a:pPr>
-              <a:r>
-                <a:rPr lang="zh-CN" sz="1000"/>
-                <a:t>Response</a:t>
-              </a:r>
-              <a:endParaRPr sz="1000"/>
-            </a:p>
-          </p:txBody>
-        </p:sp>
-        <p:sp>
-          <p:nvSpPr>
-            <p:cNvPr id="116" name="Google Shape;116;p15"/>
-            <p:cNvSpPr txBox="1"/>
-            <p:nvPr/>
-          </p:nvSpPr>
-          <p:spPr>
-            <a:xfrm rot="-5400000">
-              <a:off x="5517748" y="4724199"/>
-              <a:ext cx="511800" cy="201000"/>
-            </a:xfrm>
-            <a:prstGeom prst="rect">
-              <a:avLst/>
-            </a:prstGeom>
-            <a:noFill/>
-            <a:ln>
-              <a:noFill/>
-            </a:ln>
-          </p:spPr>
-          <p:txBody>
-            <a:bodyPr spcFirstLastPara="1" wrap="square" lIns="91425" tIns="91425" rIns="91425" bIns="91425" anchor="ctr" anchorCtr="0">
-              <a:noAutofit/>
-            </a:bodyPr>
-            <a:lstStyle/>
-            <a:p>
-              <a:pPr marL="0" lvl="0" indent="0" algn="ctr" rtl="0">
-                <a:spcBef>
-                  <a:spcPts val="0"/>
-                </a:spcBef>
-                <a:spcAft>
-                  <a:spcPts val="0"/>
-                </a:spcAft>
-                <a:buNone/>
-              </a:pPr>
-              <a:r>
-                <a:rPr lang="zh-CN" sz="1000"/>
-                <a:t>Response</a:t>
-              </a:r>
-              <a:endParaRPr sz="1000"/>
-            </a:p>
-          </p:txBody>
-        </p:sp>
-        <p:sp>
-          <p:nvSpPr>
-            <p:cNvPr id="117" name="Google Shape;117;p15"/>
-            <p:cNvSpPr txBox="1"/>
-            <p:nvPr/>
-          </p:nvSpPr>
-          <p:spPr>
-            <a:xfrm rot="2412010">
-              <a:off x="6306274" y="4818042"/>
-              <a:ext cx="557742" cy="186973"/>
-            </a:xfrm>
-            <a:prstGeom prst="rect">
-              <a:avLst/>
-            </a:prstGeom>
-            <a:noFill/>
-            <a:ln>
-              <a:noFill/>
-            </a:ln>
-          </p:spPr>
-          <p:txBody>
-            <a:bodyPr spcFirstLastPara="1" wrap="square" lIns="91425" tIns="91425" rIns="91425" bIns="91425" anchor="ctr" anchorCtr="0">
-              <a:noAutofit/>
-            </a:bodyPr>
-            <a:lstStyle/>
-            <a:p>
-              <a:pPr marL="0" lvl="0" indent="0" algn="ctr" rtl="0">
-                <a:spcBef>
-                  <a:spcPts val="0"/>
-                </a:spcBef>
-                <a:spcAft>
-                  <a:spcPts val="0"/>
-                </a:spcAft>
-                <a:buNone/>
-              </a:pPr>
-              <a:r>
-                <a:rPr lang="zh-CN" sz="1000"/>
-                <a:t>Response</a:t>
-              </a:r>
-              <a:endParaRPr sz="1000"/>
-            </a:p>
-          </p:txBody>
-        </p:sp>
-        <p:sp>
-          <p:nvSpPr>
-            <p:cNvPr id="118" name="Google Shape;118;p15"/>
-            <p:cNvSpPr/>
-            <p:nvPr/>
-          </p:nvSpPr>
-          <p:spPr>
-            <a:xfrm>
-              <a:off x="3877977" y="2487897"/>
-              <a:ext cx="1182300" cy="546900"/>
-            </a:xfrm>
-            <a:prstGeom prst="roundRect">
-              <a:avLst>
-                <a:gd name="adj" fmla="val 16667"/>
-              </a:avLst>
-            </a:prstGeom>
+            <a:prstDash val="solid"/>
+            <a:round/>
+            <a:headEnd type="none" w="med" len="med"/>
+            <a:tailEnd type="triangle" w="med" len="med"/>
+          </a:ln>
+        </p:spPr>
+      </p:cxnSp>
+      <p:cxnSp>
+        <p:nvCxnSpPr>
+          <p:cNvPr id="113" name="Google Shape;113;p15"/>
+          <p:cNvCxnSpPr/>
+          <p:nvPr/>
+        </p:nvCxnSpPr>
+        <p:spPr>
+          <a:xfrm flipH="1">
+            <a:off x="2021694" y="2100866"/>
+            <a:ext cx="2098973" cy="0"/>
+          </a:xfrm>
+          <a:prstGeom prst="straightConnector1">
+            <a:avLst/>
+          </a:prstGeom>
+          <a:noFill/>
+          <a:ln w="12700" cap="flat" cmpd="sng">
             <a:solidFill>
-              <a:srgbClr val="CFE2F3"/>
+              <a:srgbClr val="000000"/>
             </a:solidFill>
-            <a:ln w="9525" cap="flat" cmpd="sng">
-              <a:solidFill>
-                <a:srgbClr val="000000"/>
-              </a:solidFill>
-              <a:prstDash val="solid"/>
-              <a:round/>
-              <a:headEnd type="none" w="sm" len="sm"/>
-              <a:tailEnd type="none" w="sm" len="sm"/>
-            </a:ln>
-          </p:spPr>
-          <p:txBody>
-            <a:bodyPr spcFirstLastPara="1" wrap="square" lIns="91425" tIns="91425" rIns="91425" bIns="91425" anchor="ctr" anchorCtr="0">
-              <a:noAutofit/>
-            </a:bodyPr>
-            <a:lstStyle/>
-            <a:p>
-              <a:pPr marL="0" lvl="0" indent="0" algn="ctr" rtl="0">
-                <a:spcBef>
-                  <a:spcPts val="0"/>
-                </a:spcBef>
-                <a:spcAft>
-                  <a:spcPts val="0"/>
-                </a:spcAft>
-                <a:buNone/>
-              </a:pPr>
-              <a:r>
-                <a:rPr lang="zh-CN"/>
-                <a:t>Front End UI</a:t>
-              </a:r>
-              <a:endParaRPr/>
-            </a:p>
-          </p:txBody>
-        </p:sp>
-        <p:sp>
-          <p:nvSpPr>
-            <p:cNvPr id="119" name="Google Shape;119;p15"/>
-            <p:cNvSpPr/>
-            <p:nvPr/>
-          </p:nvSpPr>
-          <p:spPr>
-            <a:xfrm>
-              <a:off x="6053174" y="2487897"/>
-              <a:ext cx="1182300" cy="546900"/>
-            </a:xfrm>
-            <a:prstGeom prst="roundRect">
-              <a:avLst>
-                <a:gd name="adj" fmla="val 16667"/>
-              </a:avLst>
-            </a:prstGeom>
+            <a:prstDash val="solid"/>
+            <a:round/>
+            <a:headEnd type="none" w="med" len="med"/>
+            <a:tailEnd type="triangle" w="med" len="med"/>
+          </a:ln>
+        </p:spPr>
+      </p:cxnSp>
+      <p:cxnSp>
+        <p:nvCxnSpPr>
+          <p:cNvPr id="114" name="Google Shape;114;p15"/>
+          <p:cNvCxnSpPr/>
+          <p:nvPr/>
+        </p:nvCxnSpPr>
+        <p:spPr>
+          <a:xfrm flipH="1" flipV="1">
+            <a:off x="4959334" y="2109976"/>
+            <a:ext cx="2263128" cy="4435"/>
+          </a:xfrm>
+          <a:prstGeom prst="straightConnector1">
+            <a:avLst/>
+          </a:prstGeom>
+          <a:noFill/>
+          <a:ln w="12700" cap="flat" cmpd="sng">
             <a:solidFill>
-              <a:srgbClr val="CFE2F3"/>
+              <a:srgbClr val="000000"/>
             </a:solidFill>
-            <a:ln w="9525" cap="flat" cmpd="sng">
-              <a:solidFill>
-                <a:srgbClr val="000000"/>
-              </a:solidFill>
-              <a:prstDash val="solid"/>
-              <a:round/>
-              <a:headEnd type="none" w="sm" len="sm"/>
-              <a:tailEnd type="none" w="sm" len="sm"/>
-            </a:ln>
-          </p:spPr>
-          <p:txBody>
-            <a:bodyPr spcFirstLastPara="1" wrap="square" lIns="91425" tIns="91425" rIns="91425" bIns="91425" anchor="ctr" anchorCtr="0">
-              <a:noAutofit/>
-            </a:bodyPr>
-            <a:lstStyle/>
-            <a:p>
-              <a:pPr marL="0" lvl="0" indent="0" algn="ctr" rtl="0">
-                <a:spcBef>
-                  <a:spcPts val="0"/>
-                </a:spcBef>
-                <a:spcAft>
-                  <a:spcPts val="0"/>
-                </a:spcAft>
-                <a:buNone/>
-              </a:pPr>
-              <a:r>
-                <a:rPr lang="zh-CN"/>
-                <a:t>Front End UI</a:t>
-              </a:r>
-              <a:endParaRPr/>
-            </a:p>
-          </p:txBody>
-        </p:sp>
-        <p:cxnSp>
-          <p:nvCxnSpPr>
-            <p:cNvPr id="120" name="Google Shape;120;p15"/>
-            <p:cNvCxnSpPr>
-              <a:endCxn id="102" idx="0"/>
-            </p:cNvCxnSpPr>
-            <p:nvPr/>
-          </p:nvCxnSpPr>
-          <p:spPr>
-            <a:xfrm>
-              <a:off x="4403267" y="3035039"/>
-              <a:ext cx="1138800" cy="550200"/>
-            </a:xfrm>
-            <a:prstGeom prst="straightConnector1">
-              <a:avLst/>
-            </a:prstGeom>
-            <a:noFill/>
-            <a:ln w="9525" cap="flat" cmpd="sng">
-              <a:solidFill>
-                <a:srgbClr val="000000"/>
-              </a:solidFill>
-              <a:prstDash val="solid"/>
-              <a:round/>
-              <a:headEnd type="none" w="med" len="med"/>
-              <a:tailEnd type="none" w="med" len="med"/>
-            </a:ln>
-          </p:spPr>
-        </p:cxnSp>
-        <p:cxnSp>
-          <p:nvCxnSpPr>
-            <p:cNvPr id="121" name="Google Shape;121;p15"/>
-            <p:cNvCxnSpPr>
-              <a:stCxn id="119" idx="2"/>
-              <a:endCxn id="102" idx="0"/>
-            </p:cNvCxnSpPr>
-            <p:nvPr/>
-          </p:nvCxnSpPr>
-          <p:spPr>
-            <a:xfrm flipH="1">
-              <a:off x="5542124" y="3034797"/>
-              <a:ext cx="1102200" cy="550500"/>
-            </a:xfrm>
-            <a:prstGeom prst="straightConnector1">
-              <a:avLst/>
-            </a:prstGeom>
-            <a:noFill/>
-            <a:ln w="9525" cap="flat" cmpd="sng">
-              <a:solidFill>
-                <a:srgbClr val="000000"/>
-              </a:solidFill>
-              <a:prstDash val="solid"/>
-              <a:round/>
-              <a:headEnd type="none" w="med" len="med"/>
-              <a:tailEnd type="none" w="med" len="med"/>
-            </a:ln>
-          </p:spPr>
-        </p:cxnSp>
-      </p:grpSp>
+            <a:prstDash val="solid"/>
+            <a:round/>
+            <a:headEnd type="none" w="med" len="med"/>
+            <a:tailEnd type="triangle" w="med" len="med"/>
+          </a:ln>
+        </p:spPr>
+      </p:cxnSp>
+      <p:sp>
+        <p:nvSpPr>
+          <p:cNvPr id="118" name="Google Shape;118;p15"/>
+          <p:cNvSpPr/>
+          <p:nvPr/>
+        </p:nvSpPr>
+        <p:spPr>
+          <a:xfrm>
+            <a:off x="834071" y="1902551"/>
+            <a:ext cx="1182300" cy="620044"/>
+          </a:xfrm>
+          <a:prstGeom prst="roundRect">
+            <a:avLst>
+              <a:gd name="adj" fmla="val 16667"/>
+            </a:avLst>
+          </a:prstGeom>
+          <a:solidFill>
+            <a:srgbClr val="65D7FF"/>
+          </a:solidFill>
+          <a:ln w="9525" cap="flat" cmpd="sng">
+            <a:solidFill>
+              <a:srgbClr val="000000"/>
+            </a:solidFill>
+            <a:prstDash val="solid"/>
+            <a:round/>
+            <a:headEnd type="none" w="sm" len="sm"/>
+            <a:tailEnd type="none" w="sm" len="sm"/>
+          </a:ln>
+        </p:spPr>
+        <p:txBody>
+          <a:bodyPr spcFirstLastPara="1" wrap="square" lIns="91425" tIns="91425" rIns="91425" bIns="91425" anchor="ctr" anchorCtr="0">
+            <a:noAutofit/>
+          </a:bodyPr>
+          <a:lstStyle/>
+          <a:p>
+            <a:pPr marL="0" lvl="0" indent="0" algn="ctr" rtl="0">
+              <a:spcBef>
+                <a:spcPts val="0"/>
+              </a:spcBef>
+              <a:spcAft>
+                <a:spcPts val="0"/>
+              </a:spcAft>
+              <a:buNone/>
+            </a:pPr>
+            <a:r>
+              <a:rPr lang="zh-CN" sz="1300" dirty="0"/>
+              <a:t>Front </a:t>
+            </a:r>
+            <a:r>
+              <a:rPr lang="zh-CN" sz="1300" dirty="0" smtClean="0"/>
+              <a:t>End</a:t>
+            </a:r>
+            <a:r>
+              <a:rPr lang="en-US" altLang="zh-CN" sz="1300" dirty="0" smtClean="0"/>
+              <a:t/>
+            </a:r>
+            <a:br>
+              <a:rPr lang="en-US" altLang="zh-CN" sz="1300" dirty="0" smtClean="0"/>
+            </a:br>
+            <a:r>
+              <a:rPr lang="en-US" altLang="zh-CN" sz="1300" dirty="0" smtClean="0"/>
+              <a:t>/Browser</a:t>
+            </a:r>
+            <a:endParaRPr sz="1300" dirty="0"/>
+          </a:p>
+        </p:txBody>
+      </p:sp>
+      <p:sp>
+        <p:nvSpPr>
+          <p:cNvPr id="8" name="TextBox 7"/>
+          <p:cNvSpPr txBox="1"/>
+          <p:nvPr/>
+        </p:nvSpPr>
+        <p:spPr>
+          <a:xfrm>
+            <a:off x="5665741" y="1472812"/>
+            <a:ext cx="1483098" cy="646331"/>
+          </a:xfrm>
+          <a:prstGeom prst="rect">
+            <a:avLst/>
+          </a:prstGeom>
+          <a:noFill/>
+        </p:spPr>
+        <p:txBody>
+          <a:bodyPr wrap="none" rtlCol="0">
+            <a:spAutoFit/>
+          </a:bodyPr>
+          <a:lstStyle/>
+          <a:p>
+            <a:r>
+              <a:rPr lang="en-US" altLang="zh-CN" sz="1200" dirty="0">
+                <a:sym typeface="Wingdings"/>
+              </a:rPr>
+              <a:t> </a:t>
+            </a:r>
+            <a:r>
+              <a:rPr lang="en-US" altLang="zh-CN" sz="1200" dirty="0" err="1" smtClean="0"/>
+              <a:t>Init</a:t>
+            </a:r>
+            <a:r>
+              <a:rPr lang="en-US" altLang="zh-CN" sz="1200" dirty="0" smtClean="0"/>
+              <a:t> device</a:t>
+            </a:r>
+            <a:endParaRPr lang="en-US" altLang="zh-CN" sz="1200" dirty="0"/>
+          </a:p>
+          <a:p>
+            <a:r>
+              <a:rPr lang="en-US" altLang="zh-CN" sz="1200" dirty="0">
+                <a:sym typeface="Wingdings"/>
+              </a:rPr>
+              <a:t> </a:t>
+            </a:r>
+            <a:r>
+              <a:rPr lang="en-US" altLang="zh-CN" sz="1200" dirty="0" err="1" smtClean="0"/>
+              <a:t>Receive_data</a:t>
+            </a:r>
+            <a:endParaRPr lang="en-US" altLang="zh-CN" sz="1200" dirty="0" smtClean="0"/>
+          </a:p>
+          <a:p>
+            <a:r>
+              <a:rPr lang="en-US" altLang="zh-CN" sz="1200" dirty="0">
+                <a:sym typeface="Wingdings"/>
+              </a:rPr>
+              <a:t> </a:t>
+            </a:r>
+            <a:r>
+              <a:rPr lang="en-US" altLang="zh-CN" sz="1200" dirty="0" err="1" smtClean="0"/>
+              <a:t>Auto_report_data</a:t>
+            </a:r>
+            <a:endParaRPr lang="zh-CN" altLang="en-US" sz="1200" dirty="0"/>
+          </a:p>
+        </p:txBody>
+      </p:sp>
+      <p:sp>
+        <p:nvSpPr>
+          <p:cNvPr id="34" name="TextBox 33"/>
+          <p:cNvSpPr txBox="1"/>
+          <p:nvPr/>
+        </p:nvSpPr>
+        <p:spPr>
+          <a:xfrm>
+            <a:off x="5652490" y="2327846"/>
+            <a:ext cx="1467068" cy="461665"/>
+          </a:xfrm>
+          <a:prstGeom prst="rect">
+            <a:avLst/>
+          </a:prstGeom>
+          <a:noFill/>
+        </p:spPr>
+        <p:txBody>
+          <a:bodyPr wrap="none" rtlCol="0">
+            <a:spAutoFit/>
+          </a:bodyPr>
+          <a:lstStyle/>
+          <a:p>
+            <a:r>
+              <a:rPr lang="en-US" altLang="zh-CN" sz="1200" dirty="0">
+                <a:sym typeface="Wingdings"/>
+              </a:rPr>
+              <a:t> </a:t>
+            </a:r>
+            <a:r>
+              <a:rPr lang="en-US" altLang="zh-CN" sz="1200" dirty="0" smtClean="0"/>
+              <a:t>Assign </a:t>
+            </a:r>
+            <a:r>
+              <a:rPr lang="en-US" altLang="zh-CN" sz="1200" dirty="0" smtClean="0"/>
+              <a:t>Device ID</a:t>
+            </a:r>
+            <a:endParaRPr lang="en-US" altLang="zh-CN" sz="1200" dirty="0"/>
+          </a:p>
+          <a:p>
+            <a:r>
+              <a:rPr lang="en-US" altLang="zh-CN" sz="1200" dirty="0">
+                <a:sym typeface="Wingdings"/>
+              </a:rPr>
+              <a:t> </a:t>
+            </a:r>
+            <a:r>
+              <a:rPr lang="en-US" altLang="zh-CN" sz="1200" dirty="0" err="1" smtClean="0"/>
+              <a:t>R</a:t>
+            </a:r>
+            <a:r>
+              <a:rPr lang="en-US" altLang="zh-CN" sz="1200" dirty="0" err="1" smtClean="0"/>
+              <a:t>equest_data</a:t>
+            </a:r>
+            <a:endParaRPr lang="zh-CN" altLang="en-US" sz="1200" dirty="0"/>
+          </a:p>
+        </p:txBody>
+      </p:sp>
+      <p:sp>
+        <p:nvSpPr>
+          <p:cNvPr id="44" name="TextBox 43"/>
+          <p:cNvSpPr txBox="1"/>
+          <p:nvPr/>
+        </p:nvSpPr>
+        <p:spPr>
+          <a:xfrm>
+            <a:off x="2065938" y="1641778"/>
+            <a:ext cx="1779654" cy="461665"/>
+          </a:xfrm>
+          <a:prstGeom prst="rect">
+            <a:avLst/>
+          </a:prstGeom>
+          <a:noFill/>
+        </p:spPr>
+        <p:txBody>
+          <a:bodyPr wrap="none" rtlCol="0">
+            <a:spAutoFit/>
+          </a:bodyPr>
+          <a:lstStyle/>
+          <a:p>
+            <a:r>
+              <a:rPr lang="en-US" altLang="zh-CN" sz="1200" dirty="0" smtClean="0">
+                <a:sym typeface="Wingdings"/>
+              </a:rPr>
+              <a:t> </a:t>
+            </a:r>
+            <a:r>
+              <a:rPr lang="en-US" altLang="zh-CN" sz="1200" dirty="0" err="1" smtClean="0">
+                <a:sym typeface="Wingdings"/>
+              </a:rPr>
+              <a:t>Receive_</a:t>
+            </a:r>
+            <a:r>
+              <a:rPr lang="en-US" altLang="zh-CN" sz="1200" dirty="0" err="1" smtClean="0"/>
+              <a:t>report</a:t>
+            </a:r>
+            <a:r>
+              <a:rPr lang="en-US" altLang="zh-CN" sz="1200" dirty="0" err="1" smtClean="0"/>
+              <a:t>_data</a:t>
+            </a:r>
+            <a:endParaRPr lang="en-US" altLang="zh-CN" sz="1200" dirty="0" smtClean="0"/>
+          </a:p>
+          <a:p>
+            <a:r>
+              <a:rPr lang="en-US" altLang="zh-CN" sz="1200" dirty="0" smtClean="0">
+                <a:sym typeface="Wingdings"/>
+              </a:rPr>
+              <a:t> </a:t>
+            </a:r>
+            <a:r>
+              <a:rPr lang="en-US" altLang="zh-CN" sz="1200" dirty="0" err="1" smtClean="0"/>
+              <a:t>Recieve</a:t>
+            </a:r>
+            <a:r>
+              <a:rPr lang="en-US" altLang="zh-CN" sz="1200" dirty="0" err="1" smtClean="0"/>
+              <a:t>_query_result</a:t>
+            </a:r>
+            <a:endParaRPr lang="en-US" altLang="zh-CN" sz="1200" dirty="0"/>
+          </a:p>
+        </p:txBody>
+      </p:sp>
+      <p:sp>
+        <p:nvSpPr>
+          <p:cNvPr id="45" name="TextBox 44"/>
+          <p:cNvSpPr txBox="1"/>
+          <p:nvPr/>
+        </p:nvSpPr>
+        <p:spPr>
+          <a:xfrm>
+            <a:off x="2101935" y="2324108"/>
+            <a:ext cx="1584088" cy="830997"/>
+          </a:xfrm>
+          <a:prstGeom prst="rect">
+            <a:avLst/>
+          </a:prstGeom>
+          <a:noFill/>
+        </p:spPr>
+        <p:txBody>
+          <a:bodyPr wrap="none" rtlCol="0">
+            <a:spAutoFit/>
+          </a:bodyPr>
+          <a:lstStyle/>
+          <a:p>
+            <a:r>
+              <a:rPr lang="en-US" altLang="zh-CN" sz="1200" dirty="0" smtClean="0">
+                <a:sym typeface="Wingdings"/>
+              </a:rPr>
+              <a:t> </a:t>
+            </a:r>
+            <a:r>
+              <a:rPr lang="en-US" altLang="zh-CN" sz="1200" dirty="0" smtClean="0"/>
+              <a:t>Register Viewer</a:t>
+            </a:r>
+            <a:endParaRPr lang="en-US" altLang="zh-CN" sz="1200" dirty="0" smtClean="0"/>
+          </a:p>
+          <a:p>
+            <a:r>
+              <a:rPr lang="en-US" altLang="zh-CN" sz="1200" dirty="0">
+                <a:sym typeface="Wingdings"/>
+              </a:rPr>
+              <a:t> </a:t>
+            </a:r>
+            <a:r>
+              <a:rPr lang="en-US" altLang="zh-CN" sz="1200" dirty="0" err="1" smtClean="0"/>
+              <a:t>Request</a:t>
+            </a:r>
+            <a:r>
+              <a:rPr lang="en-US" altLang="zh-CN" sz="1200" dirty="0" err="1" smtClean="0"/>
+              <a:t>_data</a:t>
+            </a:r>
+            <a:endParaRPr lang="en-US" altLang="zh-CN" sz="1200" dirty="0" smtClean="0"/>
+          </a:p>
+          <a:p>
+            <a:r>
+              <a:rPr lang="en-US" altLang="zh-CN" sz="1200" dirty="0" smtClean="0">
+                <a:sym typeface="Wingdings"/>
+              </a:rPr>
+              <a:t> </a:t>
+            </a:r>
+            <a:r>
+              <a:rPr lang="en-US" altLang="zh-CN" sz="1200" dirty="0" err="1" smtClean="0"/>
+              <a:t>query_history</a:t>
+            </a:r>
+            <a:endParaRPr lang="en-US" altLang="zh-CN" sz="1200" dirty="0" smtClean="0"/>
+          </a:p>
+          <a:p>
+            <a:r>
+              <a:rPr lang="en-US" altLang="zh-CN" sz="1200" dirty="0">
+                <a:sym typeface="Wingdings"/>
+              </a:rPr>
+              <a:t> </a:t>
+            </a:r>
+            <a:r>
+              <a:rPr lang="en-US" altLang="zh-CN" sz="1200" dirty="0" err="1" smtClean="0">
+                <a:sym typeface="Wingdings"/>
+              </a:rPr>
+              <a:t>User_</a:t>
+            </a:r>
+            <a:r>
+              <a:rPr lang="en-US" altLang="zh-CN" sz="1200" dirty="0" err="1" smtClean="0"/>
+              <a:t>register</a:t>
+            </a:r>
+            <a:r>
+              <a:rPr lang="en-US" altLang="zh-CN" sz="1200" dirty="0" smtClean="0"/>
+              <a:t>/login</a:t>
+            </a:r>
+            <a:endParaRPr lang="en-US" altLang="zh-CN" sz="1200" dirty="0"/>
+          </a:p>
+        </p:txBody>
+      </p:sp>
+      <p:sp>
+        <p:nvSpPr>
+          <p:cNvPr id="17" name="Google Shape;92;p14"/>
+          <p:cNvSpPr txBox="1">
+            <a:spLocks noGrp="1"/>
+          </p:cNvSpPr>
+          <p:nvPr>
+            <p:ph type="title"/>
+          </p:nvPr>
+        </p:nvSpPr>
+        <p:spPr>
+          <a:xfrm>
+            <a:off x="687774" y="373130"/>
+            <a:ext cx="8520600" cy="607800"/>
+          </a:xfrm>
+          <a:prstGeom prst="rect">
+            <a:avLst/>
+          </a:prstGeom>
+        </p:spPr>
+        <p:txBody>
+          <a:bodyPr spcFirstLastPara="1" wrap="square" lIns="91425" tIns="91425" rIns="91425" bIns="91425" anchor="t" anchorCtr="0">
+            <a:noAutofit/>
+          </a:bodyPr>
+          <a:lstStyle/>
+          <a:p>
+            <a:pPr marL="0" lvl="0" indent="0" algn="l" rtl="0">
+              <a:spcBef>
+                <a:spcPts val="0"/>
+              </a:spcBef>
+              <a:spcAft>
+                <a:spcPts val="0"/>
+              </a:spcAft>
+              <a:buNone/>
+            </a:pPr>
+            <a:r>
+              <a:rPr lang="en-US" altLang="zh-CN" sz="2800" dirty="0" smtClean="0"/>
+              <a:t>Architecture</a:t>
+            </a:r>
+            <a:endParaRPr sz="4800" dirty="0"/>
+          </a:p>
+        </p:txBody>
+      </p:sp>
+      <p:sp>
+        <p:nvSpPr>
+          <p:cNvPr id="26" name="Google Shape;105;p15"/>
+          <p:cNvSpPr/>
+          <p:nvPr/>
+        </p:nvSpPr>
+        <p:spPr>
+          <a:xfrm>
+            <a:off x="3819591" y="3709219"/>
+            <a:ext cx="1548825" cy="870155"/>
+          </a:xfrm>
+          <a:prstGeom prst="roundRect">
+            <a:avLst>
+              <a:gd name="adj" fmla="val 16667"/>
+            </a:avLst>
+          </a:prstGeom>
+          <a:solidFill>
+            <a:srgbClr val="ED5555"/>
+          </a:solidFill>
+          <a:ln w="9525" cap="flat" cmpd="sng">
+            <a:solidFill>
+              <a:srgbClr val="000000"/>
+            </a:solidFill>
+            <a:prstDash val="solid"/>
+            <a:round/>
+            <a:headEnd type="none" w="sm" len="sm"/>
+            <a:tailEnd type="none" w="sm" len="sm"/>
+          </a:ln>
+        </p:spPr>
+        <p:txBody>
+          <a:bodyPr spcFirstLastPara="1" wrap="square" lIns="91425" tIns="91425" rIns="91425" bIns="91425" anchor="ctr" anchorCtr="0">
+            <a:noAutofit/>
+          </a:bodyPr>
+          <a:lstStyle/>
+          <a:p>
+            <a:pPr marL="0" lvl="0" indent="0" algn="ctr" rtl="0">
+              <a:spcBef>
+                <a:spcPts val="0"/>
+              </a:spcBef>
+              <a:spcAft>
+                <a:spcPts val="0"/>
+              </a:spcAft>
+              <a:buNone/>
+            </a:pPr>
+            <a:r>
+              <a:rPr lang="en-US" sz="1300" dirty="0" smtClean="0"/>
+              <a:t>Distributed Database</a:t>
+            </a:r>
+            <a:br>
+              <a:rPr lang="en-US" sz="1300" dirty="0" smtClean="0"/>
+            </a:br>
+            <a:r>
+              <a:rPr lang="en-US" sz="1300" dirty="0" smtClean="0"/>
+              <a:t>(MongoDB)</a:t>
+            </a:r>
+            <a:br>
+              <a:rPr lang="en-US" sz="1300" dirty="0" smtClean="0"/>
+            </a:br>
+            <a:r>
+              <a:rPr lang="en-US" sz="1300" dirty="0" smtClean="0"/>
+              <a:t>on Cloud(AWS)</a:t>
+            </a:r>
+            <a:endParaRPr sz="1300" dirty="0"/>
+          </a:p>
+        </p:txBody>
+      </p:sp>
+      <p:sp>
+        <p:nvSpPr>
+          <p:cNvPr id="30" name="TextBox 29"/>
+          <p:cNvSpPr txBox="1"/>
+          <p:nvPr/>
+        </p:nvSpPr>
+        <p:spPr>
+          <a:xfrm>
+            <a:off x="2761119" y="3343941"/>
+            <a:ext cx="1686680" cy="276999"/>
+          </a:xfrm>
+          <a:prstGeom prst="rect">
+            <a:avLst/>
+          </a:prstGeom>
+          <a:noFill/>
+        </p:spPr>
+        <p:txBody>
+          <a:bodyPr wrap="none" rtlCol="0">
+            <a:spAutoFit/>
+          </a:bodyPr>
+          <a:lstStyle/>
+          <a:p>
+            <a:r>
+              <a:rPr lang="en-US" altLang="zh-CN" sz="1200" dirty="0" smtClean="0">
+                <a:sym typeface="Wingdings"/>
+              </a:rPr>
+              <a:t> </a:t>
+            </a:r>
+            <a:r>
+              <a:rPr lang="en-US" altLang="zh-CN" sz="1200" dirty="0" err="1" smtClean="0">
+                <a:sym typeface="Wingdings"/>
+              </a:rPr>
+              <a:t>Return_</a:t>
+            </a:r>
+            <a:r>
+              <a:rPr lang="en-US" altLang="zh-CN" sz="1200" dirty="0" err="1" smtClean="0"/>
+              <a:t>query_result</a:t>
+            </a:r>
+            <a:endParaRPr lang="en-US" altLang="zh-CN" sz="1200" dirty="0"/>
+          </a:p>
+        </p:txBody>
+      </p:sp>
+      <p:cxnSp>
+        <p:nvCxnSpPr>
+          <p:cNvPr id="31" name="Google Shape;107;p15"/>
+          <p:cNvCxnSpPr/>
+          <p:nvPr/>
+        </p:nvCxnSpPr>
+        <p:spPr>
+          <a:xfrm>
+            <a:off x="4675745" y="2554312"/>
+            <a:ext cx="1" cy="1147533"/>
+          </a:xfrm>
+          <a:prstGeom prst="straightConnector1">
+            <a:avLst/>
+          </a:prstGeom>
+          <a:noFill/>
+          <a:ln w="12700" cap="flat" cmpd="sng">
+            <a:solidFill>
+              <a:srgbClr val="000000"/>
+            </a:solidFill>
+            <a:prstDash val="solid"/>
+            <a:round/>
+            <a:headEnd type="none" w="med" len="med"/>
+            <a:tailEnd type="triangle" w="med" len="med"/>
+          </a:ln>
+        </p:spPr>
+      </p:cxnSp>
+      <p:cxnSp>
+        <p:nvCxnSpPr>
+          <p:cNvPr id="35" name="Google Shape;107;p15"/>
+          <p:cNvCxnSpPr/>
+          <p:nvPr/>
+        </p:nvCxnSpPr>
+        <p:spPr>
+          <a:xfrm flipV="1">
+            <a:off x="4425030" y="2554312"/>
+            <a:ext cx="0" cy="1132786"/>
+          </a:xfrm>
+          <a:prstGeom prst="straightConnector1">
+            <a:avLst/>
+          </a:prstGeom>
+          <a:noFill/>
+          <a:ln w="12700" cap="flat" cmpd="sng">
+            <a:solidFill>
+              <a:srgbClr val="000000"/>
+            </a:solidFill>
+            <a:prstDash val="solid"/>
+            <a:round/>
+            <a:headEnd type="none" w="med" len="med"/>
+            <a:tailEnd type="triangle" w="med" len="med"/>
+          </a:ln>
+        </p:spPr>
+      </p:cxnSp>
+      <p:sp>
+        <p:nvSpPr>
+          <p:cNvPr id="40" name="TextBox 39"/>
+          <p:cNvSpPr txBox="1"/>
+          <p:nvPr/>
+        </p:nvSpPr>
+        <p:spPr>
+          <a:xfrm>
+            <a:off x="4648926" y="3202238"/>
+            <a:ext cx="1915909" cy="461665"/>
+          </a:xfrm>
+          <a:prstGeom prst="rect">
+            <a:avLst/>
+          </a:prstGeom>
+          <a:noFill/>
+        </p:spPr>
+        <p:txBody>
+          <a:bodyPr wrap="none" rtlCol="0">
+            <a:spAutoFit/>
+          </a:bodyPr>
+          <a:lstStyle/>
+          <a:p>
+            <a:r>
+              <a:rPr lang="en-US" altLang="zh-CN" sz="1200" dirty="0" smtClean="0">
+                <a:sym typeface="Wingdings"/>
+              </a:rPr>
+              <a:t> </a:t>
+            </a:r>
+            <a:r>
+              <a:rPr lang="en-US" altLang="zh-CN" sz="1200" dirty="0" err="1" smtClean="0">
+                <a:sym typeface="Wingdings"/>
+              </a:rPr>
+              <a:t>Receive_</a:t>
+            </a:r>
+            <a:r>
+              <a:rPr lang="en-US" altLang="zh-CN" sz="1200" dirty="0" err="1" smtClean="0"/>
+              <a:t>query_re</a:t>
+            </a:r>
+            <a:r>
+              <a:rPr lang="en-US" altLang="zh-CN" sz="1200" dirty="0" err="1" smtClean="0">
+                <a:sym typeface="Wingdings"/>
+              </a:rPr>
+              <a:t>quest</a:t>
+            </a:r>
+            <a:endParaRPr lang="en-US" altLang="zh-CN" sz="1200" dirty="0" smtClean="0">
+              <a:sym typeface="Wingdings"/>
+            </a:endParaRPr>
+          </a:p>
+          <a:p>
+            <a:r>
+              <a:rPr lang="en-US" altLang="zh-CN" sz="1200" dirty="0">
+                <a:sym typeface="Wingdings"/>
+              </a:rPr>
+              <a:t> </a:t>
+            </a:r>
+            <a:r>
+              <a:rPr lang="en-US" altLang="zh-CN" sz="1200" dirty="0" err="1" smtClean="0">
+                <a:sym typeface="Wingdings"/>
+              </a:rPr>
+              <a:t>Receive_</a:t>
+            </a:r>
+            <a:r>
+              <a:rPr lang="en-US" altLang="zh-CN" sz="1200" dirty="0" err="1" smtClean="0"/>
+              <a:t>data_to_store</a:t>
+            </a:r>
+            <a:endParaRPr lang="en-US" altLang="zh-CN" sz="1200" dirty="0">
+              <a:sym typeface="Wingdings"/>
+            </a:endParaRPr>
+          </a:p>
+        </p:txBody>
+      </p:sp>
+      <p:sp>
+        <p:nvSpPr>
+          <p:cNvPr id="46" name="Google Shape;105;p15"/>
+          <p:cNvSpPr/>
+          <p:nvPr/>
+        </p:nvSpPr>
+        <p:spPr>
+          <a:xfrm>
+            <a:off x="4024439" y="471949"/>
+            <a:ext cx="1043514" cy="617410"/>
+          </a:xfrm>
+          <a:prstGeom prst="roundRect">
+            <a:avLst>
+              <a:gd name="adj" fmla="val 16667"/>
+            </a:avLst>
+          </a:prstGeom>
+          <a:solidFill>
+            <a:srgbClr val="ED5555"/>
+          </a:solidFill>
+          <a:ln w="9525" cap="flat" cmpd="sng">
+            <a:solidFill>
+              <a:srgbClr val="000000"/>
+            </a:solidFill>
+            <a:prstDash val="solid"/>
+            <a:round/>
+            <a:headEnd type="none" w="sm" len="sm"/>
+            <a:tailEnd type="none" w="sm" len="sm"/>
+          </a:ln>
+        </p:spPr>
+        <p:txBody>
+          <a:bodyPr spcFirstLastPara="1" wrap="square" lIns="91425" tIns="91425" rIns="91425" bIns="91425" anchor="ctr" anchorCtr="0">
+            <a:noAutofit/>
+          </a:bodyPr>
+          <a:lstStyle/>
+          <a:p>
+            <a:pPr marL="0" lvl="0" indent="0" algn="ctr" rtl="0">
+              <a:spcBef>
+                <a:spcPts val="0"/>
+              </a:spcBef>
+              <a:spcAft>
+                <a:spcPts val="0"/>
+              </a:spcAft>
+              <a:buNone/>
+            </a:pPr>
+            <a:r>
+              <a:rPr lang="en-US" sz="1300" dirty="0" smtClean="0"/>
+              <a:t>Database</a:t>
+            </a:r>
+            <a:br>
+              <a:rPr lang="en-US" sz="1300" dirty="0" smtClean="0"/>
+            </a:br>
+            <a:r>
+              <a:rPr lang="en-US" sz="1300" dirty="0" smtClean="0"/>
+              <a:t>(</a:t>
+            </a:r>
+            <a:r>
+              <a:rPr lang="en-US" sz="1300" dirty="0" smtClean="0"/>
+              <a:t>My</a:t>
+            </a:r>
+            <a:r>
+              <a:rPr lang="en-US" altLang="zh-CN" sz="1300" dirty="0" smtClean="0"/>
+              <a:t>SQL</a:t>
+            </a:r>
+            <a:r>
+              <a:rPr lang="en-US" sz="1300" dirty="0" smtClean="0"/>
+              <a:t>)</a:t>
+            </a:r>
+            <a:endParaRPr sz="1300" dirty="0"/>
+          </a:p>
+        </p:txBody>
+      </p:sp>
+      <p:cxnSp>
+        <p:nvCxnSpPr>
+          <p:cNvPr id="47" name="Google Shape;107;p15"/>
+          <p:cNvCxnSpPr/>
+          <p:nvPr/>
+        </p:nvCxnSpPr>
+        <p:spPr>
+          <a:xfrm flipV="1">
+            <a:off x="4415712" y="1106061"/>
+            <a:ext cx="0" cy="766549"/>
+          </a:xfrm>
+          <a:prstGeom prst="straightConnector1">
+            <a:avLst/>
+          </a:prstGeom>
+          <a:noFill/>
+          <a:ln w="12700" cap="flat" cmpd="sng">
+            <a:solidFill>
+              <a:srgbClr val="000000"/>
+            </a:solidFill>
+            <a:prstDash val="solid"/>
+            <a:round/>
+            <a:headEnd type="none" w="med" len="med"/>
+            <a:tailEnd type="triangle" w="med" len="med"/>
+          </a:ln>
+        </p:spPr>
+      </p:cxnSp>
+      <p:cxnSp>
+        <p:nvCxnSpPr>
+          <p:cNvPr id="48" name="Google Shape;107;p15"/>
+          <p:cNvCxnSpPr/>
+          <p:nvPr/>
+        </p:nvCxnSpPr>
+        <p:spPr>
+          <a:xfrm>
+            <a:off x="4666857" y="1089359"/>
+            <a:ext cx="0" cy="798443"/>
+          </a:xfrm>
+          <a:prstGeom prst="straightConnector1">
+            <a:avLst/>
+          </a:prstGeom>
+          <a:noFill/>
+          <a:ln w="12700" cap="flat" cmpd="sng">
+            <a:solidFill>
+              <a:srgbClr val="000000"/>
+            </a:solidFill>
+            <a:prstDash val="solid"/>
+            <a:round/>
+            <a:headEnd type="none" w="med" len="med"/>
+            <a:tailEnd type="triangle" w="med" len="med"/>
+          </a:ln>
+        </p:spPr>
+      </p:cxnSp>
+      <p:sp>
+        <p:nvSpPr>
+          <p:cNvPr id="43" name="矩形 42"/>
+          <p:cNvSpPr/>
+          <p:nvPr/>
+        </p:nvSpPr>
+        <p:spPr>
+          <a:xfrm>
+            <a:off x="4594003" y="1089461"/>
+            <a:ext cx="2103461" cy="276999"/>
+          </a:xfrm>
+          <a:prstGeom prst="rect">
+            <a:avLst/>
+          </a:prstGeom>
+        </p:spPr>
+        <p:txBody>
+          <a:bodyPr wrap="none">
+            <a:spAutoFit/>
+          </a:bodyPr>
+          <a:lstStyle/>
+          <a:p>
+            <a:r>
+              <a:rPr lang="en-US" altLang="zh-CN" sz="1200" dirty="0">
+                <a:sym typeface="Wingdings"/>
+              </a:rPr>
+              <a:t> </a:t>
+            </a:r>
+            <a:r>
+              <a:rPr lang="en-US" altLang="zh-CN" sz="1200" dirty="0" smtClean="0"/>
+              <a:t>Register/</a:t>
+            </a:r>
+            <a:r>
+              <a:rPr lang="en-US" altLang="zh-CN" sz="1200" dirty="0" err="1" smtClean="0"/>
+              <a:t>Login_verification</a:t>
+            </a:r>
+            <a:endParaRPr lang="en-US" altLang="zh-CN" sz="1200" dirty="0"/>
+          </a:p>
+        </p:txBody>
+      </p:sp>
+      <p:sp>
+        <p:nvSpPr>
+          <p:cNvPr id="59" name="矩形 58"/>
+          <p:cNvSpPr/>
+          <p:nvPr/>
+        </p:nvSpPr>
+        <p:spPr>
+          <a:xfrm>
+            <a:off x="2992615" y="1086934"/>
+            <a:ext cx="1431802" cy="276999"/>
+          </a:xfrm>
+          <a:prstGeom prst="rect">
+            <a:avLst/>
+          </a:prstGeom>
+        </p:spPr>
+        <p:txBody>
+          <a:bodyPr wrap="none">
+            <a:spAutoFit/>
+          </a:bodyPr>
+          <a:lstStyle/>
+          <a:p>
+            <a:r>
+              <a:rPr lang="en-US" altLang="zh-CN" sz="1200" dirty="0">
+                <a:sym typeface="Wingdings"/>
+              </a:rPr>
+              <a:t> </a:t>
+            </a:r>
+            <a:r>
+              <a:rPr lang="en-US" altLang="zh-CN" sz="1200" dirty="0" err="1" smtClean="0">
+                <a:sym typeface="Wingdings"/>
+              </a:rPr>
+              <a:t>Store_</a:t>
+            </a:r>
+            <a:r>
+              <a:rPr lang="en-US" altLang="zh-CN" sz="1200" dirty="0" err="1" smtClean="0"/>
+              <a:t>user</a:t>
+            </a:r>
+            <a:r>
+              <a:rPr lang="en-US" altLang="zh-CN" sz="1200" dirty="0" err="1"/>
+              <a:t>_</a:t>
+            </a:r>
+            <a:r>
+              <a:rPr lang="en-US" altLang="zh-CN" sz="1200" dirty="0" err="1" smtClean="0"/>
+              <a:t>data</a:t>
+            </a:r>
+            <a:endParaRPr lang="en-US" altLang="zh-CN" sz="1200" dirty="0"/>
+          </a:p>
+        </p:txBody>
+      </p:sp>
       <p:pic>
         <p:nvPicPr>
-          <p:cNvPr id="122" name="Google Shape;122;p15"/>
-          <p:cNvPicPr preferRelativeResize="0"/>
+          <p:cNvPr id="1028" name="Picture 4" descr="Image result for mysql"/>
+          <p:cNvPicPr>
+            <a:picLocks noChangeAspect="1" noChangeArrowheads="1"/>
+          </p:cNvPicPr>
           <p:nvPr/>
         </p:nvPicPr>
         <p:blipFill>
           <a:blip r:embed="rId3">
-            <a:alphaModFix/>
+            <a:extLst>
+              <a:ext uri="{28A0092B-C50C-407E-A947-70E740481C1C}">
+                <a14:useLocalDpi xmlns:a14="http://schemas.microsoft.com/office/drawing/2010/main" val="0"/>
+              </a:ext>
+            </a:extLst>
           </a:blip>
+          <a:srcRect/>
           <a:stretch>
             <a:fillRect/>
           </a:stretch>
         </p:blipFill>
-        <p:spPr>
-          <a:xfrm>
-            <a:off x="5226875" y="305000"/>
-            <a:ext cx="1736625" cy="3443025"/>
+        <p:spPr bwMode="auto">
+          <a:xfrm>
+            <a:off x="5134932" y="475474"/>
+            <a:ext cx="720283" cy="371546"/>
           </a:xfrm>
           <a:prstGeom prst="rect">
             <a:avLst/>
           </a:prstGeom>
           <a:noFill/>
-          <a:ln>
-            <a:noFill/>
-          </a:ln>
+          <a:extLst>
+            <a:ext uri="{909E8E84-426E-40DD-AFC4-6F175D3DCCD1}">
+              <a14:hiddenFill xmlns:a14="http://schemas.microsoft.com/office/drawing/2010/main">
+                <a:solidFill>
+                  <a:srgbClr val="FFFFFF"/>
+                </a:solidFill>
+              </a14:hiddenFill>
+            </a:ext>
+          </a:extLst>
         </p:spPr>
       </p:pic>
       <p:pic>
         <p:nvPicPr>
-          <p:cNvPr id="123" name="Google Shape;123;p15"/>
-          <p:cNvPicPr preferRelativeResize="0"/>
+          <p:cNvPr id="1031" name="Picture 7" descr="Image result for mongodb"/>
+          <p:cNvPicPr>
+            <a:picLocks noChangeAspect="1" noChangeArrowheads="1"/>
+          </p:cNvPicPr>
           <p:nvPr/>
         </p:nvPicPr>
         <p:blipFill>
           <a:blip r:embed="rId4">
-            <a:alphaModFix/>
+            <a:extLst>
+              <a:ext uri="{28A0092B-C50C-407E-A947-70E740481C1C}">
+                <a14:useLocalDpi xmlns:a14="http://schemas.microsoft.com/office/drawing/2010/main" val="0"/>
+              </a:ext>
+            </a:extLst>
           </a:blip>
+          <a:srcRect/>
           <a:stretch>
             <a:fillRect/>
           </a:stretch>
         </p:blipFill>
-        <p:spPr>
-          <a:xfrm>
-            <a:off x="7290450" y="305000"/>
-            <a:ext cx="1541845" cy="3443025"/>
+        <p:spPr bwMode="auto">
+          <a:xfrm>
+            <a:off x="5368416" y="3829748"/>
+            <a:ext cx="736907" cy="863591"/>
           </a:xfrm>
           <a:prstGeom prst="rect">
             <a:avLst/>
           </a:prstGeom>
           <a:noFill/>
-          <a:ln>
-            <a:noFill/>
-          </a:ln>
+          <a:extLst>
+            <a:ext uri="{909E8E84-426E-40DD-AFC4-6F175D3DCCD1}">
+              <a14:hiddenFill xmlns:a14="http://schemas.microsoft.com/office/drawing/2010/main">
+                <a:solidFill>
+                  <a:srgbClr val="FFFFFF"/>
+                </a:solidFill>
+              </a14:hiddenFill>
+            </a:ext>
+          </a:extLst>
         </p:spPr>
       </p:pic>
-      <p:sp>
-        <p:nvSpPr>
-          <p:cNvPr id="28" name="Google Shape;92;p14"/>
-          <p:cNvSpPr txBox="1">
-            <a:spLocks noGrp="1"/>
-          </p:cNvSpPr>
-          <p:nvPr>
-            <p:ph type="title"/>
-          </p:nvPr>
-        </p:nvSpPr>
-        <p:spPr>
-          <a:xfrm>
-            <a:off x="311700" y="373130"/>
-            <a:ext cx="8520600" cy="607800"/>
-          </a:xfrm>
-          <a:prstGeom prst="rect">
-            <a:avLst/>
-          </a:prstGeom>
-        </p:spPr>
-        <p:txBody>
-          <a:bodyPr spcFirstLastPara="1" wrap="square" lIns="91425" tIns="91425" rIns="91425" bIns="91425" anchor="t" anchorCtr="0">
-            <a:noAutofit/>
-          </a:bodyPr>
-          <a:lstStyle/>
-          <a:p>
-            <a:pPr marL="0" lvl="0" indent="0" algn="l" rtl="0">
-              <a:spcBef>
-                <a:spcPts val="0"/>
-              </a:spcBef>
-              <a:spcAft>
-                <a:spcPts val="0"/>
-              </a:spcAft>
-              <a:buNone/>
-            </a:pPr>
-            <a:r>
-              <a:rPr lang="en-US" altLang="zh-CN" sz="2800" dirty="0" smtClean="0"/>
-              <a:t>Architecture</a:t>
-            </a:r>
-            <a:endParaRPr sz="4800" dirty="0"/>
-          </a:p>
-        </p:txBody>
-      </p:sp>
     </p:spTree>
+    <p:extLst>
+      <p:ext uri="{BB962C8B-B14F-4D97-AF65-F5344CB8AC3E}">
+        <p14:creationId xmlns:p14="http://schemas.microsoft.com/office/powerpoint/2010/main" val="1180052163"/>
+      </p:ext>
+    </p:extLst>
   </p:cSld>
   <p:clrMapOvr>
     <a:masterClrMapping/>
   </p:clrMapOvr>
+  <p:timing>
+    <p:tnLst>
+      <p:par>
+        <p:cTn id="1" dur="indefinite" restart="never" nodeType="tmRoot"/>
+      </p:par>
+    </p:tnLst>
+  </p:timing>
 </p:sld>
 </file>
 
@@ -8765,40 +7710,30 @@
       </p:grpSpPr>
       <p:sp>
         <p:nvSpPr>
-          <p:cNvPr id="102" name="Google Shape;102;p15"/>
-          <p:cNvSpPr/>
-          <p:nvPr/>
+          <p:cNvPr id="28" name="Google Shape;92;p14"/>
+          <p:cNvSpPr txBox="1">
+            <a:spLocks noGrp="1"/>
+          </p:cNvSpPr>
+          <p:nvPr>
+            <p:ph type="title"/>
+          </p:nvPr>
         </p:nvSpPr>
         <p:spPr>
           <a:xfrm>
-            <a:off x="3598711" y="2339242"/>
-            <a:ext cx="1182300" cy="546900"/>
-          </a:xfrm>
-          <a:prstGeom prst="roundRect">
-            <a:avLst>
-              <a:gd name="adj" fmla="val 16667"/>
-            </a:avLst>
+            <a:off x="687774" y="292016"/>
+            <a:ext cx="8520600" cy="607800"/>
+          </a:xfrm>
+          <a:prstGeom prst="rect">
+            <a:avLst/>
           </a:prstGeom>
-          <a:solidFill>
-            <a:srgbClr val="CFE2F3"/>
-          </a:solidFill>
-          <a:ln w="9525" cap="flat" cmpd="sng">
-            <a:solidFill>
-              <a:srgbClr val="000000"/>
-            </a:solidFill>
-            <a:prstDash val="solid"/>
-            <a:round/>
-            <a:headEnd type="none" w="sm" len="sm"/>
-            <a:tailEnd type="none" w="sm" len="sm"/>
-          </a:ln>
-        </p:spPr>
-        <p:txBody>
-          <a:bodyPr spcFirstLastPara="1" wrap="square" lIns="91425" tIns="91425" rIns="91425" bIns="91425" anchor="ctr" anchorCtr="0">
+        </p:spPr>
+        <p:txBody>
+          <a:bodyPr spcFirstLastPara="1" wrap="square" lIns="91425" tIns="91425" rIns="91425" bIns="91425" anchor="t" anchorCtr="0">
             <a:noAutofit/>
           </a:bodyPr>
           <a:lstStyle/>
           <a:p>
-            <a:pPr marL="0" lvl="0" indent="0" algn="ctr" rtl="0">
+            <a:pPr marL="0" lvl="0" indent="0" algn="l" rtl="0">
               <a:spcBef>
                 <a:spcPts val="0"/>
               </a:spcBef>
@@ -8808,574 +7743,147 @@
               <a:buNone/>
             </a:pPr>
             <a:r>
-              <a:rPr lang="zh-CN" dirty="0"/>
-              <a:t>Server</a:t>
-            </a:r>
-            <a:endParaRPr dirty="0"/>
-          </a:p>
-        </p:txBody>
-      </p:sp>
-      <p:sp>
-        <p:nvSpPr>
-          <p:cNvPr id="103" name="Google Shape;103;p15"/>
-          <p:cNvSpPr/>
-          <p:nvPr/>
+              <a:rPr lang="en-US" sz="2800" dirty="0" smtClean="0"/>
+              <a:t>Device</a:t>
+            </a:r>
+            <a:endParaRPr sz="4800" dirty="0"/>
+          </a:p>
+        </p:txBody>
+      </p:sp>
+      <p:sp>
+        <p:nvSpPr>
+          <p:cNvPr id="27" name="Google Shape;165;p21"/>
+          <p:cNvSpPr txBox="1">
+            <a:spLocks noGrp="1"/>
+          </p:cNvSpPr>
+          <p:nvPr>
+            <p:ph type="body" idx="1"/>
+          </p:nvPr>
         </p:nvSpPr>
         <p:spPr>
           <a:xfrm>
-            <a:off x="7436307" y="1147153"/>
-            <a:ext cx="1182300" cy="546900"/>
-          </a:xfrm>
-          <a:prstGeom prst="roundRect">
-            <a:avLst>
-              <a:gd name="adj" fmla="val 16667"/>
-            </a:avLst>
+            <a:off x="768888" y="1226625"/>
+            <a:ext cx="5572500" cy="3342300"/>
+          </a:xfrm>
+          <a:prstGeom prst="rect">
+            <a:avLst/>
           </a:prstGeom>
-          <a:solidFill>
-            <a:srgbClr val="CFE2F3"/>
-          </a:solidFill>
-          <a:ln w="9525" cap="flat" cmpd="sng">
-            <a:solidFill>
-              <a:srgbClr val="000000"/>
-            </a:solidFill>
-            <a:prstDash val="solid"/>
-            <a:round/>
-            <a:headEnd type="none" w="sm" len="sm"/>
-            <a:tailEnd type="none" w="sm" len="sm"/>
-          </a:ln>
-        </p:spPr>
-        <p:txBody>
-          <a:bodyPr spcFirstLastPara="1" wrap="square" lIns="91425" tIns="91425" rIns="91425" bIns="91425" anchor="ctr" anchorCtr="0">
+        </p:spPr>
+        <p:txBody>
+          <a:bodyPr spcFirstLastPara="1" wrap="square" lIns="91425" tIns="91425" rIns="91425" bIns="91425" anchor="t" anchorCtr="0">
             <a:noAutofit/>
           </a:bodyPr>
           <a:lstStyle/>
           <a:p>
-            <a:pPr lvl="0" algn="ctr"/>
-            <a:r>
-              <a:rPr lang="en-US" altLang="zh-CN" dirty="0" err="1"/>
-              <a:t>TrashCan</a:t>
-            </a:r>
-            <a:endParaRPr dirty="0"/>
-          </a:p>
-        </p:txBody>
-      </p:sp>
-      <p:sp>
-        <p:nvSpPr>
-          <p:cNvPr id="104" name="Google Shape;104;p15"/>
-          <p:cNvSpPr/>
-          <p:nvPr/>
-        </p:nvSpPr>
-        <p:spPr>
-          <a:xfrm>
-            <a:off x="7436307" y="2329647"/>
-            <a:ext cx="1182300" cy="546900"/>
-          </a:xfrm>
-          <a:prstGeom prst="roundRect">
-            <a:avLst>
-              <a:gd name="adj" fmla="val 16667"/>
-            </a:avLst>
-          </a:prstGeom>
-          <a:solidFill>
-            <a:srgbClr val="CFE2F3"/>
-          </a:solidFill>
-          <a:ln w="9525" cap="flat" cmpd="sng">
-            <a:solidFill>
-              <a:srgbClr val="000000"/>
-            </a:solidFill>
-            <a:prstDash val="solid"/>
-            <a:round/>
-            <a:headEnd type="none" w="sm" len="sm"/>
-            <a:tailEnd type="none" w="sm" len="sm"/>
-          </a:ln>
-        </p:spPr>
-        <p:txBody>
-          <a:bodyPr spcFirstLastPara="1" wrap="square" lIns="91425" tIns="91425" rIns="91425" bIns="91425" anchor="ctr" anchorCtr="0">
-            <a:noAutofit/>
-          </a:bodyPr>
-          <a:lstStyle/>
-          <a:p>
-            <a:pPr lvl="0" algn="ctr"/>
-            <a:r>
-              <a:rPr lang="en-US" altLang="zh-CN" dirty="0" err="1"/>
-              <a:t>TrashCan</a:t>
-            </a:r>
-            <a:endParaRPr dirty="0"/>
-          </a:p>
-        </p:txBody>
-      </p:sp>
-      <p:sp>
-        <p:nvSpPr>
-          <p:cNvPr id="105" name="Google Shape;105;p15"/>
-          <p:cNvSpPr/>
-          <p:nvPr/>
-        </p:nvSpPr>
-        <p:spPr>
-          <a:xfrm>
-            <a:off x="6621298" y="3514331"/>
-            <a:ext cx="1182300" cy="546900"/>
-          </a:xfrm>
-          <a:prstGeom prst="roundRect">
-            <a:avLst>
-              <a:gd name="adj" fmla="val 16667"/>
-            </a:avLst>
-          </a:prstGeom>
-          <a:solidFill>
-            <a:srgbClr val="CFE2F3"/>
-          </a:solidFill>
-          <a:ln w="9525" cap="flat" cmpd="sng">
-            <a:solidFill>
-              <a:srgbClr val="000000"/>
-            </a:solidFill>
-            <a:prstDash val="solid"/>
-            <a:round/>
-            <a:headEnd type="none" w="sm" len="sm"/>
-            <a:tailEnd type="none" w="sm" len="sm"/>
-          </a:ln>
-        </p:spPr>
-        <p:txBody>
-          <a:bodyPr spcFirstLastPara="1" wrap="square" lIns="91425" tIns="91425" rIns="91425" bIns="91425" anchor="ctr" anchorCtr="0">
-            <a:noAutofit/>
-          </a:bodyPr>
-          <a:lstStyle/>
-          <a:p>
-            <a:pPr marL="0" lvl="0" indent="0" algn="ctr" rtl="0">
+            <a:pPr marL="0" lvl="0" indent="0">
+              <a:buClr>
+                <a:schemeClr val="dk1"/>
+              </a:buClr>
+              <a:buSzPts val="1100"/>
+              <a:buNone/>
+            </a:pPr>
+            <a:r>
+              <a:rPr lang="en-US" altLang="zh-CN" sz="2000" b="1" dirty="0"/>
+              <a:t>Trash Can </a:t>
+            </a:r>
+            <a:r>
+              <a:rPr lang="en-US" altLang="zh-CN" sz="2000" b="1" dirty="0" err="1" smtClean="0"/>
+              <a:t>equiped</a:t>
+            </a:r>
+            <a:r>
+              <a:rPr lang="en-US" altLang="zh-CN" sz="2000" b="1" dirty="0" smtClean="0"/>
+              <a:t> with Sensors:</a:t>
+            </a:r>
+            <a:endParaRPr lang="en-US" sz="2000" b="1" dirty="0" smtClean="0">
+              <a:sym typeface="Wingdings"/>
+            </a:endParaRPr>
+          </a:p>
+          <a:p>
+            <a:pPr marL="0" lvl="0" indent="0" algn="l" rtl="0">
+              <a:lnSpc>
+                <a:spcPct val="100000"/>
+              </a:lnSpc>
               <a:spcBef>
                 <a:spcPts val="0"/>
               </a:spcBef>
               <a:spcAft>
                 <a:spcPts val="0"/>
               </a:spcAft>
+              <a:buClr>
+                <a:schemeClr val="dk1"/>
+              </a:buClr>
+              <a:buSzPts val="1100"/>
+              <a:buFont typeface="Arial"/>
               <a:buNone/>
             </a:pPr>
             <a:r>
-              <a:rPr lang="en-US" dirty="0" err="1" smtClean="0"/>
-              <a:t>TrashCan</a:t>
-            </a:r>
-            <a:endParaRPr dirty="0"/>
-          </a:p>
-        </p:txBody>
-      </p:sp>
-      <p:cxnSp>
-        <p:nvCxnSpPr>
-          <p:cNvPr id="106" name="Google Shape;106;p15"/>
-          <p:cNvCxnSpPr/>
-          <p:nvPr/>
-        </p:nvCxnSpPr>
-        <p:spPr>
-          <a:xfrm>
-            <a:off x="4754507" y="2740042"/>
-            <a:ext cx="2679963" cy="0"/>
-          </a:xfrm>
-          <a:prstGeom prst="straightConnector1">
-            <a:avLst/>
-          </a:prstGeom>
-          <a:noFill/>
-          <a:ln w="9525" cap="flat" cmpd="sng">
-            <a:solidFill>
-              <a:srgbClr val="000000"/>
-            </a:solidFill>
-            <a:prstDash val="solid"/>
-            <a:round/>
-            <a:headEnd type="none" w="med" len="med"/>
-            <a:tailEnd type="triangle" w="med" len="med"/>
-          </a:ln>
-        </p:spPr>
-      </p:cxnSp>
-      <p:cxnSp>
-        <p:nvCxnSpPr>
-          <p:cNvPr id="107" name="Google Shape;107;p15"/>
-          <p:cNvCxnSpPr/>
-          <p:nvPr/>
-        </p:nvCxnSpPr>
-        <p:spPr>
-          <a:xfrm>
-            <a:off x="1844839" y="2726921"/>
-            <a:ext cx="1727368" cy="0"/>
-          </a:xfrm>
-          <a:prstGeom prst="straightConnector1">
-            <a:avLst/>
-          </a:prstGeom>
-          <a:noFill/>
-          <a:ln w="9525" cap="flat" cmpd="sng">
-            <a:solidFill>
-              <a:srgbClr val="000000"/>
-            </a:solidFill>
-            <a:prstDash val="solid"/>
-            <a:round/>
-            <a:headEnd type="none" w="med" len="med"/>
-            <a:tailEnd type="triangle" w="med" len="med"/>
-          </a:ln>
-        </p:spPr>
-      </p:cxnSp>
-      <p:cxnSp>
-        <p:nvCxnSpPr>
-          <p:cNvPr id="113" name="Google Shape;113;p15"/>
-          <p:cNvCxnSpPr/>
-          <p:nvPr/>
-        </p:nvCxnSpPr>
-        <p:spPr>
-          <a:xfrm flipH="1">
-            <a:off x="1828800" y="2493424"/>
-            <a:ext cx="1736783" cy="2126"/>
-          </a:xfrm>
-          <a:prstGeom prst="straightConnector1">
-            <a:avLst/>
-          </a:prstGeom>
-          <a:noFill/>
-          <a:ln w="9525" cap="flat" cmpd="sng">
-            <a:solidFill>
-              <a:srgbClr val="000000"/>
-            </a:solidFill>
-            <a:prstDash val="solid"/>
-            <a:round/>
-            <a:headEnd type="none" w="med" len="med"/>
-            <a:tailEnd type="triangle" w="med" len="med"/>
-          </a:ln>
-        </p:spPr>
-      </p:cxnSp>
-      <p:cxnSp>
-        <p:nvCxnSpPr>
-          <p:cNvPr id="114" name="Google Shape;114;p15"/>
-          <p:cNvCxnSpPr/>
-          <p:nvPr/>
-        </p:nvCxnSpPr>
-        <p:spPr>
-          <a:xfrm flipH="1">
-            <a:off x="4754508" y="2480172"/>
-            <a:ext cx="2679962" cy="0"/>
-          </a:xfrm>
-          <a:prstGeom prst="straightConnector1">
-            <a:avLst/>
-          </a:prstGeom>
-          <a:noFill/>
-          <a:ln w="9525" cap="flat" cmpd="sng">
-            <a:solidFill>
-              <a:srgbClr val="000000"/>
-            </a:solidFill>
-            <a:prstDash val="solid"/>
-            <a:round/>
-            <a:headEnd type="none" w="med" len="med"/>
-            <a:tailEnd type="triangle" w="med" len="med"/>
-          </a:ln>
-        </p:spPr>
-      </p:cxnSp>
-      <p:sp>
-        <p:nvSpPr>
-          <p:cNvPr id="118" name="Google Shape;118;p15"/>
-          <p:cNvSpPr/>
-          <p:nvPr/>
-        </p:nvSpPr>
-        <p:spPr>
-          <a:xfrm>
-            <a:off x="654373" y="2329647"/>
-            <a:ext cx="1182300" cy="546900"/>
-          </a:xfrm>
-          <a:prstGeom prst="roundRect">
-            <a:avLst>
-              <a:gd name="adj" fmla="val 16667"/>
-            </a:avLst>
-          </a:prstGeom>
-          <a:solidFill>
-            <a:srgbClr val="CFE2F3"/>
-          </a:solidFill>
-          <a:ln w="9525" cap="flat" cmpd="sng">
-            <a:solidFill>
-              <a:srgbClr val="000000"/>
-            </a:solidFill>
-            <a:prstDash val="solid"/>
-            <a:round/>
-            <a:headEnd type="none" w="sm" len="sm"/>
-            <a:tailEnd type="none" w="sm" len="sm"/>
-          </a:ln>
-        </p:spPr>
-        <p:txBody>
-          <a:bodyPr spcFirstLastPara="1" wrap="square" lIns="91425" tIns="91425" rIns="91425" bIns="91425" anchor="ctr" anchorCtr="0">
-            <a:noAutofit/>
-          </a:bodyPr>
-          <a:lstStyle/>
-          <a:p>
-            <a:pPr marL="0" lvl="0" indent="0" algn="ctr" rtl="0">
-              <a:spcBef>
-                <a:spcPts val="0"/>
-              </a:spcBef>
-              <a:spcAft>
-                <a:spcPts val="0"/>
-              </a:spcAft>
+              <a:rPr lang="en-US" sz="1600" dirty="0" smtClean="0">
+                <a:sym typeface="Wingdings"/>
+              </a:rPr>
+              <a:t> </a:t>
+            </a:r>
+            <a:r>
+              <a:rPr lang="en-US" sz="1600" dirty="0" smtClean="0"/>
+              <a:t>GPS Sensor</a:t>
+            </a:r>
+          </a:p>
+          <a:p>
+            <a:pPr marL="0" lvl="0" indent="0">
+              <a:buClr>
+                <a:schemeClr val="dk1"/>
+              </a:buClr>
+              <a:buSzPts val="1100"/>
               <a:buNone/>
             </a:pPr>
             <a:r>
-              <a:rPr lang="zh-CN" dirty="0"/>
-              <a:t>Front </a:t>
-            </a:r>
-            <a:r>
-              <a:rPr lang="zh-CN" dirty="0" smtClean="0"/>
-              <a:t>End</a:t>
-            </a:r>
-            <a:endParaRPr dirty="0"/>
-          </a:p>
-        </p:txBody>
-      </p:sp>
-      <p:sp>
-        <p:nvSpPr>
-          <p:cNvPr id="119" name="Google Shape;119;p15"/>
-          <p:cNvSpPr/>
-          <p:nvPr/>
-        </p:nvSpPr>
-        <p:spPr>
-          <a:xfrm>
-            <a:off x="654373" y="4038521"/>
-            <a:ext cx="1182300" cy="546900"/>
-          </a:xfrm>
-          <a:prstGeom prst="roundRect">
-            <a:avLst>
-              <a:gd name="adj" fmla="val 16667"/>
-            </a:avLst>
-          </a:prstGeom>
-          <a:solidFill>
-            <a:srgbClr val="CFE2F3"/>
-          </a:solidFill>
-          <a:ln w="9525" cap="flat" cmpd="sng">
-            <a:solidFill>
-              <a:srgbClr val="000000"/>
-            </a:solidFill>
-            <a:prstDash val="solid"/>
-            <a:round/>
-            <a:headEnd type="none" w="sm" len="sm"/>
-            <a:tailEnd type="none" w="sm" len="sm"/>
-          </a:ln>
-        </p:spPr>
-        <p:txBody>
-          <a:bodyPr spcFirstLastPara="1" wrap="square" lIns="91425" tIns="91425" rIns="91425" bIns="91425" anchor="ctr" anchorCtr="0">
-            <a:noAutofit/>
-          </a:bodyPr>
-          <a:lstStyle/>
-          <a:p>
-            <a:pPr marL="0" lvl="0" indent="0" algn="ctr" rtl="0">
-              <a:spcBef>
-                <a:spcPts val="0"/>
-              </a:spcBef>
-              <a:spcAft>
-                <a:spcPts val="0"/>
-              </a:spcAft>
+              <a:rPr lang="en-US" altLang="zh-CN" sz="1600" dirty="0">
+                <a:sym typeface="Wingdings"/>
+              </a:rPr>
+              <a:t> </a:t>
+            </a:r>
+            <a:r>
+              <a:rPr lang="en-US" sz="1600" dirty="0" smtClean="0"/>
+              <a:t>Weight </a:t>
+            </a:r>
+            <a:r>
+              <a:rPr lang="en-US" altLang="zh-CN" sz="1600" dirty="0" smtClean="0"/>
+              <a:t>Sensor</a:t>
+            </a:r>
+          </a:p>
+          <a:p>
+            <a:pPr marL="0" lvl="0" indent="0">
+              <a:buClr>
+                <a:schemeClr val="dk1"/>
+              </a:buClr>
+              <a:buSzPts val="1100"/>
               <a:buNone/>
             </a:pPr>
             <a:r>
-              <a:rPr lang="zh-CN" dirty="0"/>
-              <a:t>Front </a:t>
-            </a:r>
-            <a:r>
-              <a:rPr lang="zh-CN" dirty="0" smtClean="0"/>
-              <a:t>End</a:t>
-            </a:r>
-            <a:endParaRPr dirty="0"/>
-          </a:p>
-        </p:txBody>
-      </p:sp>
-      <p:sp>
-        <p:nvSpPr>
-          <p:cNvPr id="5" name="标题 4"/>
-          <p:cNvSpPr>
-            <a:spLocks noGrp="1"/>
-          </p:cNvSpPr>
-          <p:nvPr>
-            <p:ph type="title"/>
-          </p:nvPr>
-        </p:nvSpPr>
-        <p:spPr>
-          <a:xfrm>
-            <a:off x="152674" y="303982"/>
-            <a:ext cx="8520600" cy="607800"/>
-          </a:xfrm>
-        </p:spPr>
-        <p:txBody>
-          <a:bodyPr>
-            <a:normAutofit fontScale="90000"/>
-          </a:bodyPr>
-          <a:lstStyle/>
-          <a:p>
-            <a:endParaRPr lang="zh-CN" altLang="en-US" dirty="0"/>
-          </a:p>
-        </p:txBody>
-      </p:sp>
-      <p:sp>
-        <p:nvSpPr>
-          <p:cNvPr id="8" name="TextBox 7"/>
-          <p:cNvSpPr txBox="1"/>
-          <p:nvPr/>
-        </p:nvSpPr>
-        <p:spPr>
-          <a:xfrm>
-            <a:off x="4972585" y="1716154"/>
-            <a:ext cx="2262158" cy="738664"/>
-          </a:xfrm>
-          <a:prstGeom prst="rect">
-            <a:avLst/>
-          </a:prstGeom>
-          <a:noFill/>
-        </p:spPr>
-        <p:txBody>
-          <a:bodyPr wrap="none" rtlCol="0">
-            <a:spAutoFit/>
-          </a:bodyPr>
-          <a:lstStyle/>
-          <a:p>
-            <a:r>
-              <a:rPr lang="en-US" altLang="zh-CN" dirty="0" err="1" smtClean="0"/>
-              <a:t>Init</a:t>
-            </a:r>
-            <a:r>
-              <a:rPr lang="en-US" altLang="zh-CN" dirty="0" smtClean="0"/>
-              <a:t> device on connection</a:t>
-            </a:r>
-            <a:endParaRPr lang="en-US" altLang="zh-CN" dirty="0"/>
-          </a:p>
-          <a:p>
-            <a:r>
-              <a:rPr lang="en-US" altLang="zh-CN" dirty="0" err="1" smtClean="0"/>
-              <a:t>Return_reading_to_server</a:t>
-            </a:r>
-            <a:endParaRPr lang="en-US" altLang="zh-CN" dirty="0" smtClean="0"/>
-          </a:p>
-          <a:p>
-            <a:r>
-              <a:rPr lang="en-US" altLang="zh-CN" dirty="0" err="1"/>
-              <a:t>Auto_report_data</a:t>
-            </a:r>
-            <a:endParaRPr lang="zh-CN" altLang="en-US" dirty="0"/>
-          </a:p>
-        </p:txBody>
-      </p:sp>
-      <p:sp>
-        <p:nvSpPr>
-          <p:cNvPr id="34" name="TextBox 33"/>
-          <p:cNvSpPr txBox="1"/>
-          <p:nvPr/>
-        </p:nvSpPr>
-        <p:spPr>
-          <a:xfrm>
-            <a:off x="4959334" y="2733416"/>
-            <a:ext cx="1550424" cy="523220"/>
-          </a:xfrm>
-          <a:prstGeom prst="rect">
-            <a:avLst/>
-          </a:prstGeom>
-          <a:noFill/>
-        </p:spPr>
-        <p:txBody>
-          <a:bodyPr wrap="none" rtlCol="0">
-            <a:spAutoFit/>
-          </a:bodyPr>
-          <a:lstStyle/>
-          <a:p>
-            <a:r>
-              <a:rPr lang="en-US" altLang="zh-CN" dirty="0" smtClean="0"/>
-              <a:t>Assign Device ID</a:t>
-            </a:r>
-            <a:endParaRPr lang="en-US" altLang="zh-CN" dirty="0"/>
-          </a:p>
-          <a:p>
-            <a:r>
-              <a:rPr lang="en-US" altLang="zh-CN" dirty="0" err="1" smtClean="0"/>
-              <a:t>Get_cur_reading</a:t>
-            </a:r>
-            <a:endParaRPr lang="zh-CN" altLang="en-US" dirty="0"/>
-          </a:p>
-        </p:txBody>
-      </p:sp>
-      <p:sp>
-        <p:nvSpPr>
-          <p:cNvPr id="44" name="TextBox 43"/>
-          <p:cNvSpPr txBox="1"/>
-          <p:nvPr/>
-        </p:nvSpPr>
-        <p:spPr>
-          <a:xfrm>
-            <a:off x="1675116" y="1789258"/>
-            <a:ext cx="2044149" cy="523220"/>
-          </a:xfrm>
-          <a:prstGeom prst="rect">
-            <a:avLst/>
-          </a:prstGeom>
-          <a:noFill/>
-        </p:spPr>
-        <p:txBody>
-          <a:bodyPr wrap="none" rtlCol="0">
-            <a:spAutoFit/>
-          </a:bodyPr>
-          <a:lstStyle/>
-          <a:p>
-            <a:r>
-              <a:rPr lang="en-US" altLang="zh-CN" dirty="0" err="1" smtClean="0"/>
-              <a:t>send_data_to_frontEnd</a:t>
-            </a:r>
-            <a:endParaRPr lang="en-US" altLang="zh-CN" dirty="0" smtClean="0"/>
-          </a:p>
-          <a:p>
-            <a:r>
-              <a:rPr lang="en-US" altLang="zh-CN"/>
-              <a:t>get_query_result</a:t>
-            </a:r>
-            <a:endParaRPr lang="en-US" altLang="zh-CN" dirty="0"/>
-          </a:p>
-        </p:txBody>
-      </p:sp>
-      <p:sp>
-        <p:nvSpPr>
-          <p:cNvPr id="45" name="TextBox 44"/>
-          <p:cNvSpPr txBox="1"/>
-          <p:nvPr/>
-        </p:nvSpPr>
-        <p:spPr>
-          <a:xfrm>
-            <a:off x="1684541" y="2886142"/>
-            <a:ext cx="2569934" cy="738664"/>
-          </a:xfrm>
-          <a:prstGeom prst="rect">
-            <a:avLst/>
-          </a:prstGeom>
-          <a:noFill/>
-        </p:spPr>
-        <p:txBody>
-          <a:bodyPr wrap="none" rtlCol="0">
-            <a:spAutoFit/>
-          </a:bodyPr>
-          <a:lstStyle/>
-          <a:p>
-            <a:r>
-              <a:rPr lang="en-US" altLang="zh-CN" dirty="0" err="1" smtClean="0"/>
-              <a:t>Init</a:t>
-            </a:r>
-            <a:r>
-              <a:rPr lang="en-US" altLang="zh-CN" dirty="0" smtClean="0"/>
-              <a:t> Viewer on Connection</a:t>
-            </a:r>
-          </a:p>
-          <a:p>
-            <a:r>
-              <a:rPr lang="en-US" altLang="zh-CN" dirty="0" err="1" smtClean="0"/>
-              <a:t>Get_cur_reading_from_server</a:t>
-            </a:r>
-            <a:endParaRPr lang="en-US" altLang="zh-CN" dirty="0" smtClean="0"/>
-          </a:p>
-          <a:p>
-            <a:r>
-              <a:rPr lang="en-US" altLang="zh-CN" dirty="0" err="1"/>
-              <a:t>query_data_on_server</a:t>
-            </a:r>
-            <a:endParaRPr lang="en-US" altLang="zh-CN" dirty="0"/>
+              <a:rPr lang="en-US" altLang="zh-CN" sz="1600" dirty="0">
+                <a:sym typeface="Wingdings"/>
+              </a:rPr>
+              <a:t> </a:t>
+            </a:r>
+            <a:r>
+              <a:rPr lang="en-US" sz="1600" dirty="0" smtClean="0"/>
+              <a:t>Distance(Volume) Sensor</a:t>
+            </a:r>
+            <a:endParaRPr sz="1600" dirty="0"/>
           </a:p>
         </p:txBody>
       </p:sp>
     </p:spTree>
-    <p:extLst>
-      <p:ext uri="{BB962C8B-B14F-4D97-AF65-F5344CB8AC3E}">
-        <p14:creationId xmlns:p14="http://schemas.microsoft.com/office/powerpoint/2010/main" val="1180052163"/>
-      </p:ext>
-    </p:extLst>
   </p:cSld>
   <p:clrMapOvr>
     <a:masterClrMapping/>
   </p:clrMapOvr>
+  <p:timing>
+    <p:tnLst>
+      <p:par>
+        <p:cTn id="1" dur="indefinite" restart="never" nodeType="tmRoot"/>
+      </p:par>
+    </p:tnLst>
+  </p:timing>
 </p:sld>
 </file>
 
@@ -9384,7 +7892,7 @@
   <p:cSld>
     <p:spTree>
       <p:nvGrpSpPr>
-        <p:cNvPr id="1" name="Shape 127"/>
+        <p:cNvPr id="1" name="Shape 99"/>
         <p:cNvGrpSpPr/>
         <p:nvPr/>
       </p:nvGrpSpPr>
@@ -9398,7 +7906,7 @@
       </p:grpSpPr>
       <p:sp>
         <p:nvSpPr>
-          <p:cNvPr id="128" name="Google Shape;128;p16"/>
+          <p:cNvPr id="28" name="Google Shape;92;p14"/>
           <p:cNvSpPr txBox="1">
             <a:spLocks noGrp="1"/>
           </p:cNvSpPr>
@@ -9407,6 +7915,10 @@
           </p:nvPr>
         </p:nvSpPr>
         <p:spPr>
+          <a:xfrm>
+            <a:off x="687774" y="247772"/>
+            <a:ext cx="8520600" cy="607800"/>
+          </a:xfrm>
           <a:prstGeom prst="rect">
             <a:avLst/>
           </a:prstGeom>
@@ -9427,16 +7939,16 @@
               <a:buNone/>
             </a:pPr>
             <a:r>
-              <a:rPr lang="zh-CN"/>
-              <a:t>Database Schema</a:t>
-            </a:r>
-            <a:endParaRPr/>
-          </a:p>
-        </p:txBody>
-      </p:sp>
-      <p:sp>
-        <p:nvSpPr>
-          <p:cNvPr id="129" name="Google Shape;129;p16"/>
+              <a:rPr lang="en-US" sz="2800" dirty="0" smtClean="0"/>
+              <a:t>Use Case 1 - Monitoring</a:t>
+            </a:r>
+            <a:endParaRPr sz="4800" dirty="0"/>
+          </a:p>
+        </p:txBody>
+      </p:sp>
+      <p:sp>
+        <p:nvSpPr>
+          <p:cNvPr id="27" name="Google Shape;165;p21"/>
           <p:cNvSpPr txBox="1">
             <a:spLocks noGrp="1"/>
           </p:cNvSpPr>
@@ -9446,8 +7958,8 @@
         </p:nvSpPr>
         <p:spPr>
           <a:xfrm>
-            <a:off x="311700" y="1130700"/>
-            <a:ext cx="8520600" cy="3339000"/>
+            <a:off x="709896" y="3421629"/>
+            <a:ext cx="7674564" cy="1044060"/>
           </a:xfrm>
           <a:prstGeom prst="rect">
             <a:avLst/>
@@ -9459,41 +7971,105 @@
           </a:bodyPr>
           <a:lstStyle/>
           <a:p>
-            <a:pPr marL="0" lvl="0" indent="0" algn="l" rtl="0">
-              <a:spcBef>
-                <a:spcPts val="0"/>
-              </a:spcBef>
-              <a:spcAft>
-                <a:spcPts val="1600"/>
-              </a:spcAft>
+            <a:pPr marL="0" lvl="0" indent="0">
+              <a:buClr>
+                <a:schemeClr val="dk1"/>
+              </a:buClr>
+              <a:buSzPts val="1100"/>
               <a:buNone/>
             </a:pPr>
             <a:r>
-              <a:rPr lang="zh-CN"/>
-              <a:t>Server Side: MongoDB						</a:t>
-            </a:r>
-            <a:endParaRPr/>
+              <a:rPr lang="en-US" altLang="zh-CN" sz="1800" dirty="0" smtClean="0">
+                <a:sym typeface="Wingdings"/>
+              </a:rPr>
+              <a:t> </a:t>
+            </a:r>
+            <a:r>
+              <a:rPr lang="en-US" altLang="zh-CN" sz="1800" dirty="0" smtClean="0"/>
+              <a:t>Trash </a:t>
+            </a:r>
+            <a:r>
+              <a:rPr lang="en-US" altLang="zh-CN" sz="1800" dirty="0"/>
+              <a:t>cans report </a:t>
+            </a:r>
+            <a:r>
+              <a:rPr lang="en-US" altLang="zh-CN" sz="1800" dirty="0" smtClean="0"/>
+              <a:t>data to server in every 5s. </a:t>
+            </a:r>
+          </a:p>
+          <a:p>
+            <a:pPr marL="0" lvl="0" indent="0">
+              <a:buClr>
+                <a:schemeClr val="dk1"/>
+              </a:buClr>
+              <a:buSzPts val="1100"/>
+              <a:buNone/>
+            </a:pPr>
+            <a:r>
+              <a:rPr lang="en-US" altLang="zh-CN" sz="1800" dirty="0" smtClean="0">
+                <a:sym typeface="Wingdings"/>
+              </a:rPr>
+              <a:t> </a:t>
+            </a:r>
+            <a:r>
+              <a:rPr lang="en-US" altLang="zh-CN" sz="1800" dirty="0" smtClean="0"/>
+              <a:t>Server updates the real time data on user’s browser in a map view with colorful </a:t>
+            </a:r>
+            <a:br>
+              <a:rPr lang="en-US" altLang="zh-CN" sz="1800" dirty="0" smtClean="0"/>
+            </a:br>
+            <a:r>
+              <a:rPr lang="en-US" altLang="zh-CN" sz="1800" dirty="0" smtClean="0"/>
+              <a:t>    indicators(25%, 50%, 80%). </a:t>
+            </a:r>
+          </a:p>
+          <a:p>
+            <a:pPr marL="0" lvl="0" indent="0">
+              <a:buClr>
+                <a:schemeClr val="dk1"/>
+              </a:buClr>
+              <a:buSzPts val="1100"/>
+              <a:buNone/>
+            </a:pPr>
+            <a:r>
+              <a:rPr lang="en-US" altLang="zh-CN" sz="1800" dirty="0">
+                <a:sym typeface="Wingdings"/>
+              </a:rPr>
+              <a:t> </a:t>
+            </a:r>
+            <a:r>
+              <a:rPr lang="en-US" altLang="zh-CN" sz="1800" dirty="0" smtClean="0"/>
+              <a:t>Server sends the data to MongoDB for storage.</a:t>
+            </a:r>
+            <a:endParaRPr lang="en-US" altLang="zh-CN" sz="1800" dirty="0"/>
           </a:p>
         </p:txBody>
       </p:sp>
       <p:pic>
         <p:nvPicPr>
-          <p:cNvPr id="130" name="Google Shape;130;p16"/>
-          <p:cNvPicPr preferRelativeResize="0"/>
+          <p:cNvPr id="3076" name="Picture 4"/>
+          <p:cNvPicPr>
+            <a:picLocks noChangeAspect="1" noChangeArrowheads="1"/>
+          </p:cNvPicPr>
           <p:nvPr/>
         </p:nvPicPr>
         <p:blipFill>
           <a:blip r:embed="rId3">
-            <a:alphaModFix/>
+            <a:extLst>
+              <a:ext uri="{28A0092B-C50C-407E-A947-70E740481C1C}">
+                <a14:useLocalDpi xmlns:a14="http://schemas.microsoft.com/office/drawing/2010/main" val="0"/>
+              </a:ext>
+            </a:extLst>
           </a:blip>
+          <a:srcRect/>
           <a:stretch>
             <a:fillRect/>
           </a:stretch>
         </p:blipFill>
-        <p:spPr>
-          <a:xfrm>
-            <a:off x="4087875" y="1543975"/>
-            <a:ext cx="2609800" cy="2541300"/>
+        <p:spPr bwMode="auto">
+          <a:xfrm>
+            <a:off x="2015201" y="813614"/>
+            <a:ext cx="5155760" cy="2630134"/>
           </a:xfrm>
           <a:prstGeom prst="rect">
             <a:avLst/>
@@ -9502,68 +8078,44 @@
           <a:ln>
             <a:noFill/>
           </a:ln>
-        </p:spPr>
-      </p:pic>
-      <p:pic>
-        <p:nvPicPr>
-          <p:cNvPr id="131" name="Google Shape;131;p16"/>
-          <p:cNvPicPr preferRelativeResize="0"/>
-          <p:nvPr/>
-        </p:nvPicPr>
-        <p:blipFill rotWithShape="1">
-          <a:blip r:embed="rId4">
-            <a:alphaModFix/>
-          </a:blip>
-          <a:srcRect r="20527"/>
-          <a:stretch/>
-        </p:blipFill>
-        <p:spPr>
-          <a:xfrm>
-            <a:off x="6812838" y="1057200"/>
-            <a:ext cx="2237525" cy="2465800"/>
-          </a:xfrm>
-          <a:prstGeom prst="rect">
-            <a:avLst/>
-          </a:prstGeom>
-          <a:noFill/>
-          <a:ln>
-            <a:noFill/>
-          </a:ln>
-        </p:spPr>
-      </p:pic>
-      <p:pic>
-        <p:nvPicPr>
-          <p:cNvPr id="132" name="Google Shape;132;p16"/>
-          <p:cNvPicPr preferRelativeResize="0"/>
-          <p:nvPr/>
-        </p:nvPicPr>
-        <p:blipFill>
-          <a:blip r:embed="rId5">
-            <a:alphaModFix/>
-          </a:blip>
-          <a:stretch>
-            <a:fillRect/>
-          </a:stretch>
-        </p:blipFill>
-        <p:spPr>
-          <a:xfrm>
-            <a:off x="166100" y="1882813"/>
-            <a:ext cx="3921776" cy="2930412"/>
-          </a:xfrm>
-          <a:prstGeom prst="rect">
-            <a:avLst/>
-          </a:prstGeom>
-          <a:noFill/>
-          <a:ln>
-            <a:noFill/>
-          </a:ln>
+          <a:extLst>
+            <a:ext uri="{909E8E84-426E-40DD-AFC4-6F175D3DCCD1}">
+              <a14:hiddenFill xmlns:a14="http://schemas.microsoft.com/office/drawing/2010/main">
+                <a:solidFill>
+                  <a:schemeClr val="accent1"/>
+                </a:solidFill>
+              </a14:hiddenFill>
+            </a:ext>
+            <a:ext uri="{91240B29-F687-4F45-9708-019B960494DF}">
+              <a14:hiddenLine xmlns:a14="http://schemas.microsoft.com/office/drawing/2010/main" w="9525">
+                <a:solidFill>
+                  <a:schemeClr val="tx1"/>
+                </a:solidFill>
+                <a:miter lim="800000"/>
+                <a:headEnd/>
+                <a:tailEnd/>
+              </a14:hiddenLine>
+            </a:ext>
+          </a:extLst>
         </p:spPr>
       </p:pic>
     </p:spTree>
+    <p:extLst>
+      <p:ext uri="{BB962C8B-B14F-4D97-AF65-F5344CB8AC3E}">
+        <p14:creationId xmlns:p14="http://schemas.microsoft.com/office/powerpoint/2010/main" val="384001482"/>
+      </p:ext>
+    </p:extLst>
   </p:cSld>
   <p:clrMapOvr>
     <a:masterClrMapping/>
   </p:clrMapOvr>
+  <p:timing>
+    <p:tnLst>
+      <p:par>
+        <p:cTn id="1" dur="indefinite" restart="never" nodeType="tmRoot"/>
+      </p:par>
+    </p:tnLst>
+  </p:timing>
 </p:sld>
 </file>
 
@@ -9572,7 +8124,7 @@
   <p:cSld>
     <p:spTree>
       <p:nvGrpSpPr>
-        <p:cNvPr id="1" name="Shape 136"/>
+        <p:cNvPr id="1" name="Shape 99"/>
         <p:cNvGrpSpPr/>
         <p:nvPr/>
       </p:nvGrpSpPr>
@@ -9586,7 +8138,7 @@
       </p:grpSpPr>
       <p:sp>
         <p:nvSpPr>
-          <p:cNvPr id="137" name="Google Shape;137;p17"/>
+          <p:cNvPr id="28" name="Google Shape;92;p14"/>
           <p:cNvSpPr txBox="1">
             <a:spLocks noGrp="1"/>
           </p:cNvSpPr>
@@ -9595,6 +8147,10 @@
           </p:nvPr>
         </p:nvSpPr>
         <p:spPr>
+          <a:xfrm>
+            <a:off x="687774" y="247772"/>
+            <a:ext cx="8520600" cy="607800"/>
+          </a:xfrm>
           <a:prstGeom prst="rect">
             <a:avLst/>
           </a:prstGeom>
@@ -9615,16 +8171,20 @@
               <a:buNone/>
             </a:pPr>
             <a:r>
-              <a:rPr lang="zh-CN"/>
-              <a:t>Database Schema</a:t>
-            </a:r>
-            <a:endParaRPr/>
-          </a:p>
-        </p:txBody>
-      </p:sp>
-      <p:sp>
-        <p:nvSpPr>
-          <p:cNvPr id="138" name="Google Shape;138;p17"/>
+              <a:rPr lang="en-US" sz="2800" dirty="0" smtClean="0"/>
+              <a:t>Use Case 2 - </a:t>
+            </a:r>
+            <a:r>
+              <a:rPr lang="en-US" altLang="zh-CN" sz="2800" dirty="0" smtClean="0"/>
+              <a:t>Analysis</a:t>
+            </a:r>
+            <a:endParaRPr sz="4800" dirty="0"/>
+          </a:p>
+        </p:txBody>
+      </p:sp>
+      <p:sp>
+        <p:nvSpPr>
+          <p:cNvPr id="27" name="Google Shape;165;p21"/>
           <p:cNvSpPr txBox="1">
             <a:spLocks noGrp="1"/>
           </p:cNvSpPr>
@@ -9634,8 +8194,8 @@
         </p:nvSpPr>
         <p:spPr>
           <a:xfrm>
-            <a:off x="311700" y="1130700"/>
-            <a:ext cx="8520600" cy="3339000"/>
+            <a:off x="724644" y="3554361"/>
+            <a:ext cx="7674564" cy="1044060"/>
           </a:xfrm>
           <a:prstGeom prst="rect">
             <a:avLst/>
@@ -9647,57 +8207,97 @@
           </a:bodyPr>
           <a:lstStyle/>
           <a:p>
-            <a:pPr marL="0" lvl="0" indent="0" algn="l" rtl="0">
-              <a:spcBef>
-                <a:spcPts val="0"/>
-              </a:spcBef>
-              <a:spcAft>
-                <a:spcPts val="0"/>
-              </a:spcAft>
+            <a:pPr marL="0" lvl="0" indent="0">
+              <a:buClr>
+                <a:schemeClr val="dk1"/>
+              </a:buClr>
+              <a:buSzPts val="1100"/>
               <a:buNone/>
             </a:pPr>
             <a:r>
-              <a:rPr lang="zh-CN"/>
-              <a:t>Client Side: MySQL</a:t>
-            </a:r>
-            <a:endParaRPr/>
-          </a:p>
-          <a:p>
-            <a:pPr marL="0" lvl="0" indent="0" algn="l" rtl="0">
-              <a:spcBef>
-                <a:spcPts val="1600"/>
-              </a:spcBef>
-              <a:spcAft>
-                <a:spcPts val="1600"/>
-              </a:spcAft>
+              <a:rPr lang="en-US" altLang="zh-CN" sz="1600" dirty="0" smtClean="0">
+                <a:sym typeface="Wingdings"/>
+              </a:rPr>
+              <a:t> User is able to see history data about each trash </a:t>
+            </a:r>
+            <a:r>
+              <a:rPr lang="en-US" altLang="zh-CN" sz="1600" dirty="0" smtClean="0"/>
+              <a:t>can with reported timestamp.</a:t>
+            </a:r>
+          </a:p>
+          <a:p>
+            <a:pPr marL="0" lvl="0" indent="0">
+              <a:buClr>
+                <a:schemeClr val="dk1"/>
+              </a:buClr>
+              <a:buSzPts val="1100"/>
               <a:buNone/>
             </a:pPr>
             <a:r>
-              <a:rPr lang="zh-CN"/>
-              <a:t>3 sensor: GPS, Volume, Weight </a:t>
-            </a:r>
-            <a:endParaRPr/>
+              <a:rPr lang="en-US" altLang="zh-CN" sz="1600" dirty="0" smtClean="0">
+                <a:sym typeface="Wingdings"/>
+              </a:rPr>
+              <a:t> The most and least used trash can with its location can be found to improve trash can </a:t>
+            </a:r>
+            <a:br>
+              <a:rPr lang="en-US" altLang="zh-CN" sz="1600" dirty="0" smtClean="0">
+                <a:sym typeface="Wingdings"/>
+              </a:rPr>
+            </a:br>
+            <a:r>
+              <a:rPr lang="en-US" altLang="zh-CN" sz="1600" dirty="0" smtClean="0">
+                <a:sym typeface="Wingdings"/>
+              </a:rPr>
+              <a:t>   allocation plan .</a:t>
+            </a:r>
+          </a:p>
+          <a:p>
+            <a:pPr marL="0" lvl="0" indent="0">
+              <a:buClr>
+                <a:schemeClr val="dk1"/>
+              </a:buClr>
+              <a:buSzPts val="1100"/>
+              <a:buNone/>
+            </a:pPr>
+            <a:r>
+              <a:rPr lang="en-US" altLang="zh-CN" sz="1600" dirty="0">
+                <a:sym typeface="Wingdings"/>
+              </a:rPr>
+              <a:t> </a:t>
+            </a:r>
+            <a:r>
+              <a:rPr lang="en-US" altLang="zh-CN" sz="1600" dirty="0" smtClean="0">
+                <a:sym typeface="Wingdings"/>
+              </a:rPr>
+              <a:t>The total volume can be predicated and can be used to improve trash collection planning.</a:t>
+            </a:r>
+            <a:endParaRPr lang="en-US" altLang="zh-CN" sz="1600" dirty="0"/>
           </a:p>
         </p:txBody>
       </p:sp>
       <p:pic>
         <p:nvPicPr>
-          <p:cNvPr id="139" name="Google Shape;139;p17"/>
-          <p:cNvPicPr preferRelativeResize="0"/>
+          <p:cNvPr id="5" name="Picture 2"/>
+          <p:cNvPicPr>
+            <a:picLocks noChangeAspect="1" noChangeArrowheads="1"/>
+          </p:cNvPicPr>
           <p:nvPr/>
         </p:nvPicPr>
-        <p:blipFill>
+        <p:blipFill rotWithShape="1">
           <a:blip r:embed="rId3">
-            <a:alphaModFix/>
+            <a:extLst>
+              <a:ext uri="{28A0092B-C50C-407E-A947-70E740481C1C}">
+                <a14:useLocalDpi xmlns:a14="http://schemas.microsoft.com/office/drawing/2010/main" val="0"/>
+              </a:ext>
+            </a:extLst>
           </a:blip>
-          <a:stretch>
-            <a:fillRect/>
-          </a:stretch>
+          <a:srcRect l="19676" t="18673" r="3562" b="5721"/>
+          <a:stretch/>
         </p:blipFill>
-        <p:spPr>
-          <a:xfrm>
-            <a:off x="2606325" y="2210000"/>
-            <a:ext cx="3458375" cy="2259700"/>
+        <p:spPr bwMode="auto">
+          <a:xfrm>
+            <a:off x="1865308" y="781666"/>
+            <a:ext cx="5125427" cy="2839646"/>
           </a:xfrm>
           <a:prstGeom prst="rect">
             <a:avLst/>
@@ -9706,13 +8306,44 @@
           <a:ln>
             <a:noFill/>
           </a:ln>
+          <a:extLst>
+            <a:ext uri="{909E8E84-426E-40DD-AFC4-6F175D3DCCD1}">
+              <a14:hiddenFill xmlns:a14="http://schemas.microsoft.com/office/drawing/2010/main">
+                <a:solidFill>
+                  <a:schemeClr val="accent1"/>
+                </a:solidFill>
+              </a14:hiddenFill>
+            </a:ext>
+            <a:ext uri="{91240B29-F687-4F45-9708-019B960494DF}">
+              <a14:hiddenLine xmlns:a14="http://schemas.microsoft.com/office/drawing/2010/main" w="9525">
+                <a:solidFill>
+                  <a:schemeClr val="tx1"/>
+                </a:solidFill>
+                <a:miter lim="800000"/>
+                <a:headEnd/>
+                <a:tailEnd/>
+              </a14:hiddenLine>
+            </a:ext>
+          </a:extLst>
         </p:spPr>
       </p:pic>
     </p:spTree>
+    <p:extLst>
+      <p:ext uri="{BB962C8B-B14F-4D97-AF65-F5344CB8AC3E}">
+        <p14:creationId xmlns:p14="http://schemas.microsoft.com/office/powerpoint/2010/main" val="3592127529"/>
+      </p:ext>
+    </p:extLst>
   </p:cSld>
   <p:clrMapOvr>
     <a:masterClrMapping/>
   </p:clrMapOvr>
+  <p:timing>
+    <p:tnLst>
+      <p:par>
+        <p:cTn id="1" dur="indefinite" restart="never" nodeType="tmRoot"/>
+      </p:par>
+    </p:tnLst>
+  </p:timing>
 </p:sld>
 </file>
 
@@ -9721,7 +8352,7 @@
   <p:cSld>
     <p:spTree>
       <p:nvGrpSpPr>
-        <p:cNvPr id="1" name="Shape 143"/>
+        <p:cNvPr id="1" name="Shape 99"/>
         <p:cNvGrpSpPr/>
         <p:nvPr/>
       </p:nvGrpSpPr>
@@ -9735,7 +8366,7 @@
       </p:grpSpPr>
       <p:sp>
         <p:nvSpPr>
-          <p:cNvPr id="145" name="Google Shape;145;p18"/>
+          <p:cNvPr id="28" name="Google Shape;92;p14"/>
           <p:cNvSpPr txBox="1">
             <a:spLocks noGrp="1"/>
           </p:cNvSpPr>
@@ -9744,6 +8375,10 @@
           </p:nvPr>
         </p:nvSpPr>
         <p:spPr>
+          <a:xfrm>
+            <a:off x="687774" y="247772"/>
+            <a:ext cx="8520600" cy="607800"/>
+          </a:xfrm>
           <a:prstGeom prst="rect">
             <a:avLst/>
           </a:prstGeom>
@@ -9764,16 +8399,20 @@
               <a:buNone/>
             </a:pPr>
             <a:r>
-              <a:rPr lang="zh-CN"/>
-              <a:t>Garbage Can Trash Initiation</a:t>
-            </a:r>
-            <a:endParaRPr/>
-          </a:p>
-        </p:txBody>
-      </p:sp>
-      <p:sp>
-        <p:nvSpPr>
-          <p:cNvPr id="144" name="Google Shape;144;p18"/>
+              <a:rPr lang="en-US" sz="2800" dirty="0" smtClean="0"/>
+              <a:t>Use Case 3 - </a:t>
+            </a:r>
+            <a:r>
+              <a:rPr lang="en-US" altLang="zh-CN" sz="2800" dirty="0" smtClean="0"/>
+              <a:t>Notification</a:t>
+            </a:r>
+            <a:endParaRPr sz="4800" dirty="0"/>
+          </a:p>
+        </p:txBody>
+      </p:sp>
+      <p:sp>
+        <p:nvSpPr>
+          <p:cNvPr id="27" name="Google Shape;165;p21"/>
           <p:cNvSpPr txBox="1">
             <a:spLocks noGrp="1"/>
           </p:cNvSpPr>
@@ -9782,6 +8421,10 @@
           </p:nvPr>
         </p:nvSpPr>
         <p:spPr>
+          <a:xfrm>
+            <a:off x="724644" y="3554361"/>
+            <a:ext cx="7674564" cy="1044060"/>
+          </a:xfrm>
           <a:prstGeom prst="rect">
             <a:avLst/>
           </a:prstGeom>
@@ -9792,88 +8435,91 @@
           </a:bodyPr>
           <a:lstStyle/>
           <a:p>
-            <a:pPr marL="0" lvl="0" indent="0" algn="l" rtl="0">
-              <a:spcBef>
-                <a:spcPts val="0"/>
-              </a:spcBef>
-              <a:spcAft>
-                <a:spcPts val="0"/>
-              </a:spcAft>
+            <a:pPr marL="0" lvl="0" indent="0">
+              <a:buClr>
+                <a:schemeClr val="dk1"/>
+              </a:buClr>
+              <a:buSzPts val="1100"/>
               <a:buNone/>
             </a:pPr>
             <a:r>
-              <a:rPr lang="zh-CN"/>
-              <a:t>Factory Bootstrap</a:t>
-            </a:r>
-            <a:endParaRPr/>
-          </a:p>
-          <a:p>
-            <a:pPr marL="0" lvl="0" indent="0" algn="l" rtl="0">
-              <a:spcBef>
-                <a:spcPts val="1600"/>
-              </a:spcBef>
-              <a:spcAft>
-                <a:spcPts val="0"/>
-              </a:spcAft>
+              <a:rPr lang="en-US" altLang="zh-CN" sz="1600" dirty="0" smtClean="0">
+                <a:sym typeface="Wingdings"/>
+              </a:rPr>
+              <a:t> User is able to see history data about each trash </a:t>
+            </a:r>
+            <a:r>
+              <a:rPr lang="en-US" altLang="zh-CN" sz="1600" dirty="0" smtClean="0"/>
+              <a:t>can with reported timestamp.</a:t>
+            </a:r>
+          </a:p>
+          <a:p>
+            <a:pPr marL="0" lvl="0" indent="0">
+              <a:buClr>
+                <a:schemeClr val="dk1"/>
+              </a:buClr>
+              <a:buSzPts val="1100"/>
               <a:buNone/>
             </a:pPr>
             <a:r>
-              <a:rPr lang="zh-CN"/>
-              <a:t>Register to Server</a:t>
-            </a:r>
-            <a:endParaRPr/>
-          </a:p>
-          <a:p>
-            <a:pPr marL="0" lvl="0" indent="0" algn="l" rtl="0">
-              <a:spcBef>
-                <a:spcPts val="1600"/>
-              </a:spcBef>
-              <a:spcAft>
-                <a:spcPts val="1600"/>
-              </a:spcAft>
+              <a:rPr lang="en-US" altLang="zh-CN" sz="1600" dirty="0" smtClean="0">
+                <a:sym typeface="Wingdings"/>
+              </a:rPr>
+              <a:t> The most and least used trash can with its location can be found to improve trash can </a:t>
+            </a:r>
+            <a:br>
+              <a:rPr lang="en-US" altLang="zh-CN" sz="1600" dirty="0" smtClean="0">
+                <a:sym typeface="Wingdings"/>
+              </a:rPr>
+            </a:br>
+            <a:r>
+              <a:rPr lang="en-US" altLang="zh-CN" sz="1600" dirty="0" smtClean="0">
+                <a:sym typeface="Wingdings"/>
+              </a:rPr>
+              <a:t>   allocation plan .</a:t>
+            </a:r>
+          </a:p>
+          <a:p>
+            <a:pPr marL="0" lvl="0" indent="0">
+              <a:buClr>
+                <a:schemeClr val="dk1"/>
+              </a:buClr>
+              <a:buSzPts val="1100"/>
               <a:buNone/>
             </a:pPr>
             <a:r>
-              <a:rPr lang="zh-CN"/>
-              <a:t>Report Location</a:t>
-            </a:r>
-            <a:endParaRPr/>
-          </a:p>
-        </p:txBody>
-      </p:sp>
-      <p:pic>
-        <p:nvPicPr>
-          <p:cNvPr id="146" name="Google Shape;146;p18"/>
-          <p:cNvPicPr preferRelativeResize="0"/>
-          <p:nvPr/>
-        </p:nvPicPr>
-        <p:blipFill>
-          <a:blip r:embed="rId3">
-            <a:alphaModFix/>
-          </a:blip>
-          <a:stretch>
-            <a:fillRect/>
-          </a:stretch>
-        </p:blipFill>
-        <p:spPr>
-          <a:xfrm>
-            <a:off x="2512325" y="1275113"/>
-            <a:ext cx="5943600" cy="3019425"/>
-          </a:xfrm>
-          <a:prstGeom prst="rect">
-            <a:avLst/>
-          </a:prstGeom>
-          <a:noFill/>
-          <a:ln>
-            <a:noFill/>
-          </a:ln>
-        </p:spPr>
-      </p:pic>
+              <a:rPr lang="en-US" altLang="zh-CN" sz="1600" dirty="0">
+                <a:sym typeface="Wingdings"/>
+              </a:rPr>
+              <a:t> </a:t>
+            </a:r>
+            <a:r>
+              <a:rPr lang="en-US" altLang="zh-CN" sz="1600" dirty="0" smtClean="0">
+                <a:sym typeface="Wingdings"/>
+              </a:rPr>
+              <a:t>The total volume can be predicated and can be used to improve trash collection planning.</a:t>
+            </a:r>
+            <a:endParaRPr lang="en-US" altLang="zh-CN" sz="1600" dirty="0"/>
+          </a:p>
+        </p:txBody>
+      </p:sp>
     </p:spTree>
+    <p:extLst>
+      <p:ext uri="{BB962C8B-B14F-4D97-AF65-F5344CB8AC3E}">
+        <p14:creationId xmlns:p14="http://schemas.microsoft.com/office/powerpoint/2010/main" val="1097352535"/>
+      </p:ext>
+    </p:extLst>
   </p:cSld>
   <p:clrMapOvr>
     <a:masterClrMapping/>
   </p:clrMapOvr>
+  <p:timing>
+    <p:tnLst>
+      <p:par>
+        <p:cTn id="1" dur="indefinite" restart="never" nodeType="tmRoot"/>
+      </p:par>
+    </p:tnLst>
+  </p:timing>
 </p:sld>
 </file>
 
@@ -9882,7 +8528,7 @@
   <p:cSld>
     <p:spTree>
       <p:nvGrpSpPr>
-        <p:cNvPr id="1" name="Shape 150"/>
+        <p:cNvPr id="1" name="Shape 183"/>
         <p:cNvGrpSpPr/>
         <p:nvPr/>
       </p:nvGrpSpPr>
@@ -9896,7 +8542,7 @@
       </p:grpSpPr>
       <p:sp>
         <p:nvSpPr>
-          <p:cNvPr id="151" name="Google Shape;151;p19"/>
+          <p:cNvPr id="184" name="Google Shape;184;p24"/>
           <p:cNvSpPr txBox="1">
             <a:spLocks noGrp="1"/>
           </p:cNvSpPr>
@@ -9905,6 +8551,10 @@
           </p:nvPr>
         </p:nvSpPr>
         <p:spPr>
+          <a:xfrm>
+            <a:off x="311700" y="2204575"/>
+            <a:ext cx="8520600" cy="607800"/>
+          </a:xfrm>
           <a:prstGeom prst="rect">
             <a:avLst/>
           </a:prstGeom>
@@ -9915,7 +8565,7 @@
           </a:bodyPr>
           <a:lstStyle/>
           <a:p>
-            <a:pPr marL="0" lvl="0" indent="0" algn="l" rtl="0">
+            <a:pPr marL="0" lvl="0" indent="0" algn="ctr" rtl="0">
               <a:spcBef>
                 <a:spcPts val="0"/>
               </a:spcBef>
@@ -9926,169 +8576,12 @@
             </a:pPr>
             <a:r>
               <a:rPr lang="zh-CN"/>
-              <a:t>Trash Data Analytic for Permium Plan</a:t>
+              <a:t>DEMO</a:t>
             </a:r>
             <a:endParaRPr/>
           </a:p>
         </p:txBody>
       </p:sp>
-      <p:pic>
-        <p:nvPicPr>
-          <p:cNvPr id="152" name="Google Shape;152;p19"/>
-          <p:cNvPicPr preferRelativeResize="0"/>
-          <p:nvPr/>
-        </p:nvPicPr>
-        <p:blipFill>
-          <a:blip r:embed="rId3">
-            <a:alphaModFix/>
-          </a:blip>
-          <a:stretch>
-            <a:fillRect/>
-          </a:stretch>
-        </p:blipFill>
-        <p:spPr>
-          <a:xfrm>
-            <a:off x="1032950" y="1017800"/>
-            <a:ext cx="6801101" cy="3692425"/>
-          </a:xfrm>
-          <a:prstGeom prst="rect">
-            <a:avLst/>
-          </a:prstGeom>
-          <a:noFill/>
-          <a:ln>
-            <a:noFill/>
-          </a:ln>
-        </p:spPr>
-      </p:pic>
-    </p:spTree>
-  </p:cSld>
-  <p:clrMapOvr>
-    <a:masterClrMapping/>
-  </p:clrMapOvr>
-</p:sld>
-</file>
-
-<file path=ppt/slides/slide9.xml><?xml version="1.0" encoding="utf-8"?>
-<p:sld xmlns:a="http://schemas.openxmlformats.org/drawingml/2006/main" xmlns:r="http://schemas.openxmlformats.org/officeDocument/2006/relationships" xmlns:p="http://schemas.openxmlformats.org/presentationml/2006/main">
-  <p:cSld>
-    <p:spTree>
-      <p:nvGrpSpPr>
-        <p:cNvPr id="1" name="Shape 156"/>
-        <p:cNvGrpSpPr/>
-        <p:nvPr/>
-      </p:nvGrpSpPr>
-      <p:grpSpPr>
-        <a:xfrm>
-          <a:off x="0" y="0"/>
-          <a:ext cx="0" cy="0"/>
-          <a:chOff x="0" y="0"/>
-          <a:chExt cx="0" cy="0"/>
-        </a:xfrm>
-      </p:grpSpPr>
-      <p:sp>
-        <p:nvSpPr>
-          <p:cNvPr id="157" name="Google Shape;157;p20"/>
-          <p:cNvSpPr txBox="1">
-            <a:spLocks noGrp="1"/>
-          </p:cNvSpPr>
-          <p:nvPr>
-            <p:ph type="title"/>
-          </p:nvPr>
-        </p:nvSpPr>
-        <p:spPr>
-          <a:prstGeom prst="rect">
-            <a:avLst/>
-          </a:prstGeom>
-        </p:spPr>
-        <p:txBody>
-          <a:bodyPr spcFirstLastPara="1" wrap="square" lIns="91425" tIns="91425" rIns="91425" bIns="91425" anchor="t" anchorCtr="0">
-            <a:noAutofit/>
-          </a:bodyPr>
-          <a:lstStyle/>
-          <a:p>
-            <a:pPr marL="0" lvl="0" indent="0" algn="l" rtl="0">
-              <a:spcBef>
-                <a:spcPts val="0"/>
-              </a:spcBef>
-              <a:spcAft>
-                <a:spcPts val="0"/>
-              </a:spcAft>
-              <a:buNone/>
-            </a:pPr>
-            <a:r>
-              <a:rPr lang="zh-CN"/>
-              <a:t>Service Payment Tab</a:t>
-            </a:r>
-            <a:endParaRPr/>
-          </a:p>
-        </p:txBody>
-      </p:sp>
-      <p:sp>
-        <p:nvSpPr>
-          <p:cNvPr id="159" name="Google Shape;159;p20"/>
-          <p:cNvSpPr txBox="1">
-            <a:spLocks noGrp="1"/>
-          </p:cNvSpPr>
-          <p:nvPr>
-            <p:ph type="body" idx="1"/>
-          </p:nvPr>
-        </p:nvSpPr>
-        <p:spPr>
-          <a:prstGeom prst="rect">
-            <a:avLst/>
-          </a:prstGeom>
-        </p:spPr>
-        <p:txBody>
-          <a:bodyPr spcFirstLastPara="1" wrap="square" lIns="91425" tIns="91425" rIns="91425" bIns="91425" anchor="t" anchorCtr="0">
-            <a:noAutofit/>
-          </a:bodyPr>
-          <a:lstStyle/>
-          <a:p>
-            <a:pPr marL="0" lvl="0" indent="0" algn="l" rtl="0">
-              <a:spcBef>
-                <a:spcPts val="0"/>
-              </a:spcBef>
-              <a:spcAft>
-                <a:spcPts val="1600"/>
-              </a:spcAft>
-              <a:buNone/>
-            </a:pPr>
-            <a:r>
-              <a:rPr lang="zh-CN"/>
-              <a:t>Email bill to custermer</a:t>
-            </a:r>
-            <a:endParaRPr/>
-          </a:p>
-        </p:txBody>
-      </p:sp>
-      <p:pic>
-        <p:nvPicPr>
-          <p:cNvPr id="158" name="Google Shape;158;p20"/>
-          <p:cNvPicPr preferRelativeResize="0"/>
-          <p:nvPr/>
-        </p:nvPicPr>
-        <p:blipFill>
-          <a:blip r:embed="rId3">
-            <a:alphaModFix/>
-          </a:blip>
-          <a:stretch>
-            <a:fillRect/>
-          </a:stretch>
-        </p:blipFill>
-        <p:spPr>
-          <a:xfrm>
-            <a:off x="839950" y="1866075"/>
-            <a:ext cx="7999252" cy="2150276"/>
-          </a:xfrm>
-          <a:prstGeom prst="rect">
-            <a:avLst/>
-          </a:prstGeom>
-          <a:noFill/>
-          <a:ln>
-            <a:noFill/>
-          </a:ln>
-        </p:spPr>
-      </p:pic>
     </p:spTree>
   </p:cSld>
   <p:clrMapOvr>

--- a/297 Project Presentation.pptx
+++ b/297 Project Presentation.pptx
@@ -271,7 +271,7 @@
   </p:defaultTextStyle>
   <p:extLst>
     <p:ext uri="{EFAFB233-063F-42B5-8137-9DF3F51BA10A}">
-      <p15:sldGuideLst xmlns:p15="http://schemas.microsoft.com/office/powerpoint/2012/main" xmlns:p14="http://schemas.microsoft.com/office/powerpoint/2010/main" xmlns:com="http://schemas.openxmlformats.org/drawingml/2006/compatibility" xmlns:pvml="urn:schemas-microsoft-com:office:powerpoint" xmlns:v="urn:schemas-microsoft-com:vml" xmlns:o="urn:schemas-microsoft-com:office:office" xmlns:dgm="http://schemas.openxmlformats.org/drawingml/2006/diagram" xmlns:c="http://schemas.openxmlformats.org/drawingml/2006/chart" xmlns:mv="urn:schemas-microsoft-com:mac:vml" xmlns:mc="http://schemas.openxmlformats.org/markup-compatibility/2006" xmlns="">
+      <p15:sldGuideLst xmlns="" xmlns:mc="http://schemas.openxmlformats.org/markup-compatibility/2006" xmlns:mv="urn:schemas-microsoft-com:mac:vml" xmlns:c="http://schemas.openxmlformats.org/drawingml/2006/chart" xmlns:dgm="http://schemas.openxmlformats.org/drawingml/2006/diagram" xmlns:o="urn:schemas-microsoft-com:office:office" xmlns:v="urn:schemas-microsoft-com:vml" xmlns:pvml="urn:schemas-microsoft-com:office:powerpoint" xmlns:com="http://schemas.openxmlformats.org/drawingml/2006/compatibility" xmlns:p14="http://schemas.microsoft.com/office/powerpoint/2010/main" xmlns:p15="http://schemas.microsoft.com/office/powerpoint/2012/main">
         <p15:guide id="1" orient="horz" pos="1620">
           <p15:clr>
             <a:srgbClr val="A4A3A4"/>
@@ -5805,14 +5805,14 @@
               <a:buNone/>
             </a:pPr>
             <a:r>
-              <a:rPr lang="zh-CN" sz="1400" dirty="0" smtClean="0">
+              <a:rPr lang="zh-CN" sz="1600" dirty="0" smtClean="0">
                 <a:solidFill>
                   <a:schemeClr val="tx1"/>
                 </a:solidFill>
               </a:rPr>
               <a:t>Gaochao Wang</a:t>
             </a:r>
-            <a:endParaRPr lang="en-US" altLang="zh-CN" sz="1400" dirty="0" smtClean="0">
+            <a:endParaRPr lang="en-US" altLang="zh-CN" sz="1600" dirty="0" smtClean="0">
               <a:solidFill>
                 <a:schemeClr val="tx1"/>
               </a:solidFill>
@@ -5837,7 +5837,7 @@
               <a:buNone/>
             </a:pPr>
             <a:r>
-              <a:rPr lang="en-US" altLang="zh-CN" sz="1400" dirty="0" err="1" smtClean="0">
+              <a:rPr lang="en-US" altLang="zh-CN" sz="1600" dirty="0" err="1" smtClean="0">
                 <a:solidFill>
                   <a:schemeClr val="tx1"/>
                 </a:solidFill>
@@ -5845,7 +5845,7 @@
               <a:t>Ruizhe</a:t>
             </a:r>
             <a:r>
-              <a:rPr lang="en-US" altLang="zh-CN" sz="1400" dirty="0" smtClean="0">
+              <a:rPr lang="en-US" altLang="zh-CN" sz="1600" dirty="0" smtClean="0">
                 <a:solidFill>
                   <a:schemeClr val="tx1"/>
                 </a:solidFill>
@@ -5872,7 +5872,7 @@
               <a:buNone/>
             </a:pPr>
             <a:r>
-              <a:rPr lang="en-US" altLang="zh-CN" sz="1400" dirty="0" err="1" smtClean="0">
+              <a:rPr lang="en-US" altLang="zh-CN" sz="1600" dirty="0" err="1" smtClean="0">
                 <a:solidFill>
                   <a:schemeClr val="tx1"/>
                 </a:solidFill>
@@ -5880,14 +5880,14 @@
               <a:t>Zixin</a:t>
             </a:r>
             <a:r>
-              <a:rPr lang="en-US" altLang="zh-CN" sz="1400" dirty="0" smtClean="0">
+              <a:rPr lang="en-US" altLang="zh-CN" sz="1600" dirty="0" smtClean="0">
                 <a:solidFill>
                   <a:schemeClr val="tx1"/>
                 </a:solidFill>
               </a:rPr>
               <a:t> Li</a:t>
             </a:r>
-            <a:endParaRPr lang="zh-CN" sz="1400" dirty="0" smtClean="0">
+            <a:endParaRPr lang="zh-CN" sz="1600" dirty="0" smtClean="0">
               <a:solidFill>
                 <a:schemeClr val="tx1"/>
               </a:solidFill>
@@ -6119,15 +6119,23 @@
             </a:r>
             <a:r>
               <a:rPr lang="en-US" altLang="zh-CN" sz="1600" dirty="0" smtClean="0"/>
-              <a:t> task to find out how many spots, how large the trash can is needed, and how often trash needs to be collected, to keep a clean environment in a cost effective way. Our </a:t>
-            </a:r>
-            <a:r>
-              <a:rPr lang="en-US" altLang="zh-CN" sz="1600" dirty="0" err="1" smtClean="0"/>
-              <a:t>Iot</a:t>
+              <a:t> task to find out </a:t>
             </a:r>
             <a:r>
               <a:rPr lang="en-US" altLang="zh-CN" sz="1600" dirty="0" smtClean="0"/>
-              <a:t> project is</a:t>
+              <a:t>what/how many </a:t>
+            </a:r>
+            <a:r>
+              <a:rPr lang="en-US" altLang="zh-CN" sz="1600" dirty="0" smtClean="0"/>
+              <a:t>spots, how large the trash can is needed, and how often trash needs to be collected, to keep a clean environment in a cost effective way. Our </a:t>
+            </a:r>
+            <a:r>
+              <a:rPr lang="en-US" altLang="zh-CN" sz="1600" dirty="0" smtClean="0"/>
+              <a:t>IoT </a:t>
+            </a:r>
+            <a:r>
+              <a:rPr lang="en-US" altLang="zh-CN" sz="1600" dirty="0" smtClean="0"/>
+              <a:t>project is</a:t>
             </a:r>
             <a:r>
               <a:rPr lang="zh-CN" sz="1600" dirty="0" smtClean="0"/>
@@ -6139,11 +6147,7 @@
             </a:r>
             <a:r>
               <a:rPr lang="en-US" altLang="zh-CN" sz="1600" dirty="0" smtClean="0"/>
-              <a:t>monitoring, analysis </a:t>
-            </a:r>
-            <a:r>
-              <a:rPr lang="en-US" altLang="zh-CN" sz="1600" dirty="0" smtClean="0"/>
-              <a:t>and notification system for a environment like campus</a:t>
+              <a:t>monitoring, analysis and notification system for a environment like campus</a:t>
             </a:r>
             <a:r>
               <a:rPr lang="zh-CN" sz="1600" dirty="0" smtClean="0"/>
@@ -6863,8 +6867,12 @@
               <a:t>Init</a:t>
             </a:r>
             <a:r>
-              <a:rPr lang="en-US" altLang="zh-CN" sz="1200" dirty="0" smtClean="0"/>
-              <a:t> device</a:t>
+              <a:rPr lang="en-US" altLang="zh-CN" sz="1200" dirty="0" err="1"/>
+              <a:t>_</a:t>
+            </a:r>
+            <a:r>
+              <a:rPr lang="en-US" altLang="zh-CN" sz="1200" dirty="0" err="1" smtClean="0"/>
+              <a:t>device</a:t>
             </a:r>
             <a:endParaRPr lang="en-US" altLang="zh-CN" sz="1200" dirty="0"/>
           </a:p>
@@ -6905,7 +6913,7 @@
         <p:spPr>
           <a:xfrm>
             <a:off x="5652490" y="2327846"/>
-            <a:ext cx="1467068" cy="461665"/>
+            <a:ext cx="1508746" cy="461665"/>
           </a:xfrm>
           <a:prstGeom prst="rect">
             <a:avLst/>
@@ -6925,12 +6933,8 @@
               <a:t> </a:t>
             </a:r>
             <a:r>
-              <a:rPr lang="en-US" altLang="zh-CN" sz="1200" dirty="0" smtClean="0"/>
-              <a:t>Assign </a:t>
-            </a:r>
-            <a:r>
-              <a:rPr lang="en-US" altLang="zh-CN" sz="1200" dirty="0" smtClean="0"/>
-              <a:t>Device ID</a:t>
+              <a:rPr lang="en-US" altLang="zh-CN" sz="1200" dirty="0" err="1" smtClean="0"/>
+              <a:t>Assign_DeviceID</a:t>
             </a:r>
             <a:endParaRPr lang="en-US" altLang="zh-CN" sz="1200" dirty="0"/>
           </a:p>
@@ -6943,11 +6947,7 @@
             </a:r>
             <a:r>
               <a:rPr lang="en-US" altLang="zh-CN" sz="1200" dirty="0" err="1" smtClean="0"/>
-              <a:t>R</a:t>
-            </a:r>
-            <a:r>
-              <a:rPr lang="en-US" altLang="zh-CN" sz="1200" dirty="0" err="1" smtClean="0"/>
-              <a:t>equest_data</a:t>
+              <a:t>Request_data</a:t>
             </a:r>
             <a:endParaRPr lang="zh-CN" altLang="en-US" sz="1200" dirty="0"/>
           </a:p>
@@ -6989,11 +6989,7 @@
             </a:r>
             <a:r>
               <a:rPr lang="en-US" altLang="zh-CN" sz="1200" dirty="0" err="1" smtClean="0"/>
-              <a:t>report</a:t>
-            </a:r>
-            <a:r>
-              <a:rPr lang="en-US" altLang="zh-CN" sz="1200" dirty="0" err="1" smtClean="0"/>
-              <a:t>_data</a:t>
+              <a:t>report_data</a:t>
             </a:r>
             <a:endParaRPr lang="en-US" altLang="zh-CN" sz="1200" dirty="0" smtClean="0"/>
           </a:p>
@@ -7006,11 +7002,7 @@
             </a:r>
             <a:r>
               <a:rPr lang="en-US" altLang="zh-CN" sz="1200" dirty="0" err="1" smtClean="0"/>
-              <a:t>Recieve</a:t>
-            </a:r>
-            <a:r>
-              <a:rPr lang="en-US" altLang="zh-CN" sz="1200" dirty="0" err="1" smtClean="0"/>
-              <a:t>_query_result</a:t>
+              <a:t>Recieve_query_result</a:t>
             </a:r>
             <a:endParaRPr lang="en-US" altLang="zh-CN" sz="1200" dirty="0"/>
           </a:p>
@@ -7048,7 +7040,6 @@
               <a:rPr lang="en-US" altLang="zh-CN" sz="1200" dirty="0" smtClean="0"/>
               <a:t>Register Viewer</a:t>
             </a:r>
-            <a:endParaRPr lang="en-US" altLang="zh-CN" sz="1200" dirty="0" smtClean="0"/>
           </a:p>
           <a:p>
             <a:r>
@@ -7059,11 +7050,7 @@
             </a:r>
             <a:r>
               <a:rPr lang="en-US" altLang="zh-CN" sz="1200" dirty="0" err="1" smtClean="0"/>
-              <a:t>Request</a:t>
-            </a:r>
-            <a:r>
-              <a:rPr lang="en-US" altLang="zh-CN" sz="1200" dirty="0" err="1" smtClean="0"/>
-              <a:t>_data</a:t>
+              <a:t>Request_data</a:t>
             </a:r>
             <a:endParaRPr lang="en-US" altLang="zh-CN" sz="1200" dirty="0" smtClean="0"/>
           </a:p>
@@ -7431,11 +7418,7 @@
             </a:br>
             <a:r>
               <a:rPr lang="en-US" sz="1300" dirty="0" smtClean="0"/>
-              <a:t>(</a:t>
-            </a:r>
-            <a:r>
-              <a:rPr lang="en-US" sz="1300" dirty="0" smtClean="0"/>
-              <a:t>My</a:t>
+              <a:t>(My</a:t>
             </a:r>
             <a:r>
               <a:rPr lang="en-US" altLang="zh-CN" sz="1300" dirty="0" smtClean="0"/>

--- a/297 Project Presentation.pptx
+++ b/297 Project Presentation.pptx
@@ -271,7 +271,7 @@
   </p:defaultTextStyle>
   <p:extLst>
     <p:ext uri="{EFAFB233-063F-42B5-8137-9DF3F51BA10A}">
-      <p15:sldGuideLst xmlns="" xmlns:mc="http://schemas.openxmlformats.org/markup-compatibility/2006" xmlns:mv="urn:schemas-microsoft-com:mac:vml" xmlns:c="http://schemas.openxmlformats.org/drawingml/2006/chart" xmlns:dgm="http://schemas.openxmlformats.org/drawingml/2006/diagram" xmlns:o="urn:schemas-microsoft-com:office:office" xmlns:v="urn:schemas-microsoft-com:vml" xmlns:pvml="urn:schemas-microsoft-com:office:powerpoint" xmlns:com="http://schemas.openxmlformats.org/drawingml/2006/compatibility" xmlns:p14="http://schemas.microsoft.com/office/powerpoint/2010/main" xmlns:p15="http://schemas.microsoft.com/office/powerpoint/2012/main">
+      <p15:sldGuideLst xmlns:p15="http://schemas.microsoft.com/office/powerpoint/2012/main" xmlns:p14="http://schemas.microsoft.com/office/powerpoint/2010/main" xmlns:com="http://schemas.openxmlformats.org/drawingml/2006/compatibility" xmlns:pvml="urn:schemas-microsoft-com:office:powerpoint" xmlns:v="urn:schemas-microsoft-com:vml" xmlns:o="urn:schemas-microsoft-com:office:office" xmlns:dgm="http://schemas.openxmlformats.org/drawingml/2006/diagram" xmlns:c="http://schemas.openxmlformats.org/drawingml/2006/chart" xmlns:mv="urn:schemas-microsoft-com:mac:vml" xmlns:mc="http://schemas.openxmlformats.org/markup-compatibility/2006" xmlns="">
         <p15:guide id="1" orient="horz" pos="1620">
           <p15:clr>
             <a:srgbClr val="A4A3A4"/>
@@ -6119,23 +6119,7 @@
             </a:r>
             <a:r>
               <a:rPr lang="en-US" altLang="zh-CN" sz="1600" dirty="0" smtClean="0"/>
-              <a:t> task to find out </a:t>
-            </a:r>
-            <a:r>
-              <a:rPr lang="en-US" altLang="zh-CN" sz="1600" dirty="0" smtClean="0"/>
-              <a:t>what/how many </a:t>
-            </a:r>
-            <a:r>
-              <a:rPr lang="en-US" altLang="zh-CN" sz="1600" dirty="0" smtClean="0"/>
-              <a:t>spots, how large the trash can is needed, and how often trash needs to be collected, to keep a clean environment in a cost effective way. Our </a:t>
-            </a:r>
-            <a:r>
-              <a:rPr lang="en-US" altLang="zh-CN" sz="1600" dirty="0" smtClean="0"/>
-              <a:t>IoT </a:t>
-            </a:r>
-            <a:r>
-              <a:rPr lang="en-US" altLang="zh-CN" sz="1600" dirty="0" smtClean="0"/>
-              <a:t>project is</a:t>
+              <a:t> task to find out what/how many spots, how large the trash can is needed, and how often trash needs to be collected, to keep a clean environment in a cost effective way. Our IoT project is</a:t>
             </a:r>
             <a:r>
               <a:rPr lang="zh-CN" sz="1600" dirty="0" smtClean="0"/>
@@ -7758,6 +7742,22 @@
           </a:bodyPr>
           <a:lstStyle/>
           <a:p>
+            <a:pPr marL="0" indent="0">
+              <a:buClr>
+                <a:schemeClr val="dk1"/>
+              </a:buClr>
+              <a:buSzPts val="1100"/>
+              <a:buNone/>
+            </a:pPr>
+            <a:r>
+              <a:rPr lang="en-US" altLang="zh-CN" sz="2000" b="1" dirty="0" smtClean="0"/>
+              <a:t>Circuit:</a:t>
+            </a:r>
+            <a:endParaRPr lang="en-US" altLang="zh-CN" sz="2000" b="1" dirty="0">
+              <a:sym typeface="Wingdings"/>
+            </a:endParaRPr>
+          </a:p>
+          <a:p>
             <a:pPr marL="0" lvl="0" indent="0">
               <a:buClr>
                 <a:schemeClr val="dk1"/>
@@ -7765,17 +7765,73 @@
               <a:buSzPts val="1100"/>
               <a:buNone/>
             </a:pPr>
-            <a:r>
-              <a:rPr lang="en-US" altLang="zh-CN" sz="2000" b="1" dirty="0"/>
-              <a:t>Trash Can </a:t>
-            </a:r>
+            <a:endParaRPr lang="en-US" altLang="zh-CN" sz="2000" b="1" dirty="0" smtClean="0"/>
+          </a:p>
+          <a:p>
+            <a:pPr marL="0" lvl="0" indent="0">
+              <a:buClr>
+                <a:schemeClr val="dk1"/>
+              </a:buClr>
+              <a:buSzPts val="1100"/>
+              <a:buNone/>
+            </a:pPr>
+            <a:endParaRPr lang="en-US" altLang="zh-CN" sz="2000" b="1" dirty="0" smtClean="0"/>
+          </a:p>
+          <a:p>
+            <a:pPr marL="0" indent="0">
+              <a:buClr>
+                <a:schemeClr val="dk1"/>
+              </a:buClr>
+              <a:buSzPts val="1100"/>
+              <a:buNone/>
+            </a:pPr>
             <a:r>
               <a:rPr lang="en-US" altLang="zh-CN" sz="2000" b="1" dirty="0" err="1" smtClean="0"/>
-              <a:t>equiped</a:t>
+              <a:t>Swtich</a:t>
             </a:r>
             <a:r>
               <a:rPr lang="en-US" altLang="zh-CN" sz="2000" b="1" dirty="0" smtClean="0"/>
-              <a:t> with Sensors:</a:t>
+              <a:t>:</a:t>
+            </a:r>
+            <a:endParaRPr lang="en-US" altLang="zh-CN" sz="2000" b="1" dirty="0">
+              <a:sym typeface="Wingdings"/>
+            </a:endParaRPr>
+          </a:p>
+          <a:p>
+            <a:pPr marL="0" lvl="0" indent="0">
+              <a:buClr>
+                <a:schemeClr val="dk1"/>
+              </a:buClr>
+              <a:buSzPts val="1100"/>
+              <a:buNone/>
+            </a:pPr>
+            <a:endParaRPr lang="en-US" altLang="zh-CN" sz="2000" b="1" dirty="0" smtClean="0"/>
+          </a:p>
+          <a:p>
+            <a:pPr marL="0" lvl="0" indent="0">
+              <a:buClr>
+                <a:schemeClr val="dk1"/>
+              </a:buClr>
+              <a:buSzPts val="1100"/>
+              <a:buNone/>
+            </a:pPr>
+            <a:endParaRPr lang="en-US" altLang="zh-CN" sz="2000" b="1" dirty="0"/>
+          </a:p>
+          <a:p>
+            <a:pPr marL="0" lvl="0" indent="0">
+              <a:buClr>
+                <a:schemeClr val="dk1"/>
+              </a:buClr>
+              <a:buSzPts val="1100"/>
+              <a:buNone/>
+            </a:pPr>
+            <a:r>
+              <a:rPr lang="en-US" altLang="zh-CN" sz="2000" b="1" dirty="0" smtClean="0"/>
+              <a:t>Sensors</a:t>
+            </a:r>
+            <a:r>
+              <a:rPr lang="en-US" altLang="zh-CN" sz="2000" b="1" dirty="0" smtClean="0"/>
+              <a:t>:</a:t>
             </a:r>
             <a:endParaRPr lang="en-US" sz="2000" b="1" dirty="0" smtClean="0">
               <a:sym typeface="Wingdings"/>
@@ -7800,13 +7856,13 @@
               <a:buNone/>
             </a:pPr>
             <a:r>
-              <a:rPr lang="en-US" sz="1600" dirty="0" smtClean="0">
+              <a:rPr lang="en-US" sz="1400" dirty="0" smtClean="0">
                 <a:sym typeface="Wingdings"/>
               </a:rPr>
               <a:t> </a:t>
             </a:r>
             <a:r>
-              <a:rPr lang="en-US" sz="1600" dirty="0" smtClean="0"/>
+              <a:rPr lang="en-US" sz="1400" dirty="0" smtClean="0"/>
               <a:t>GPS Sensor</a:t>
             </a:r>
           </a:p>
@@ -7819,17 +7875,17 @@
               <a:buNone/>
             </a:pPr>
             <a:r>
-              <a:rPr lang="en-US" altLang="zh-CN" sz="1600" dirty="0">
+              <a:rPr lang="en-US" altLang="zh-CN" sz="1400" dirty="0">
                 <a:sym typeface="Wingdings"/>
               </a:rPr>
               <a:t> </a:t>
             </a:r>
             <a:r>
-              <a:rPr lang="en-US" sz="1600" dirty="0" smtClean="0"/>
+              <a:rPr lang="en-US" sz="1400" dirty="0" smtClean="0"/>
               <a:t>Weight </a:t>
             </a:r>
             <a:r>
-              <a:rPr lang="en-US" altLang="zh-CN" sz="1600" dirty="0" smtClean="0"/>
+              <a:rPr lang="en-US" altLang="zh-CN" sz="1400" dirty="0" smtClean="0"/>
               <a:t>Sensor</a:t>
             </a:r>
           </a:p>
@@ -7842,16 +7898,16 @@
               <a:buNone/>
             </a:pPr>
             <a:r>
-              <a:rPr lang="en-US" altLang="zh-CN" sz="1600" dirty="0">
+              <a:rPr lang="en-US" altLang="zh-CN" sz="1400" dirty="0">
                 <a:sym typeface="Wingdings"/>
               </a:rPr>
               <a:t> </a:t>
             </a:r>
             <a:r>
-              <a:rPr lang="en-US" sz="1600" dirty="0" smtClean="0"/>
+              <a:rPr lang="en-US" sz="1400" dirty="0" smtClean="0"/>
               <a:t>Distance(Volume) Sensor</a:t>
             </a:r>
-            <a:endParaRPr sz="1600" dirty="0"/>
+            <a:endParaRPr sz="1400" dirty="0"/>
           </a:p>
         </p:txBody>
       </p:sp>

--- a/297 Project Presentation.pptx
+++ b/297 Project Presentation.pptx
@@ -271,7 +271,7 @@
   </p:defaultTextStyle>
   <p:extLst>
     <p:ext uri="{EFAFB233-063F-42B5-8137-9DF3F51BA10A}">
-      <p15:sldGuideLst xmlns:p15="http://schemas.microsoft.com/office/powerpoint/2012/main" xmlns:p14="http://schemas.microsoft.com/office/powerpoint/2010/main" xmlns:com="http://schemas.openxmlformats.org/drawingml/2006/compatibility" xmlns:pvml="urn:schemas-microsoft-com:office:powerpoint" xmlns:v="urn:schemas-microsoft-com:vml" xmlns:o="urn:schemas-microsoft-com:office:office" xmlns:dgm="http://schemas.openxmlformats.org/drawingml/2006/diagram" xmlns:c="http://schemas.openxmlformats.org/drawingml/2006/chart" xmlns:mv="urn:schemas-microsoft-com:mac:vml" xmlns:mc="http://schemas.openxmlformats.org/markup-compatibility/2006" xmlns="">
+      <p15:sldGuideLst xmlns="" xmlns:mc="http://schemas.openxmlformats.org/markup-compatibility/2006" xmlns:mv="urn:schemas-microsoft-com:mac:vml" xmlns:c="http://schemas.openxmlformats.org/drawingml/2006/chart" xmlns:dgm="http://schemas.openxmlformats.org/drawingml/2006/diagram" xmlns:o="urn:schemas-microsoft-com:office:office" xmlns:v="urn:schemas-microsoft-com:vml" xmlns:pvml="urn:schemas-microsoft-com:office:powerpoint" xmlns:com="http://schemas.openxmlformats.org/drawingml/2006/compatibility" xmlns:p14="http://schemas.microsoft.com/office/powerpoint/2010/main" xmlns:p15="http://schemas.microsoft.com/office/powerpoint/2012/main">
         <p15:guide id="1" orient="horz" pos="1620">
           <p15:clr>
             <a:srgbClr val="A4A3A4"/>
@@ -7827,11 +7827,7 @@
             </a:pPr>
             <a:r>
               <a:rPr lang="en-US" altLang="zh-CN" sz="2000" b="1" dirty="0" smtClean="0"/>
-              <a:t>Sensors</a:t>
-            </a:r>
-            <a:r>
-              <a:rPr lang="en-US" altLang="zh-CN" sz="2000" b="1" dirty="0" smtClean="0"/>
-              <a:t>:</a:t>
+              <a:t>Sensors:</a:t>
             </a:r>
             <a:endParaRPr lang="en-US" sz="2000" b="1" dirty="0" smtClean="0">
               <a:sym typeface="Wingdings"/>
@@ -8461,7 +8457,7 @@
         </p:nvSpPr>
         <p:spPr>
           <a:xfrm>
-            <a:off x="724644" y="3554361"/>
+            <a:off x="724644" y="3538863"/>
             <a:ext cx="7674564" cy="1044060"/>
           </a:xfrm>
           <a:prstGeom prst="rect">
@@ -8485,63 +8481,88 @@
               <a:rPr lang="en-US" altLang="zh-CN" sz="1600" dirty="0" smtClean="0">
                 <a:sym typeface="Wingdings"/>
               </a:rPr>
-              <a:t> User is able to see history data about each trash </a:t>
-            </a:r>
-            <a:r>
-              <a:rPr lang="en-US" altLang="zh-CN" sz="1600" dirty="0" smtClean="0"/>
-              <a:t>can with reported timestamp.</a:t>
-            </a:r>
-          </a:p>
-          <a:p>
-            <a:pPr marL="0" lvl="0" indent="0">
-              <a:buClr>
-                <a:schemeClr val="dk1"/>
-              </a:buClr>
-              <a:buSzPts val="1100"/>
-              <a:buNone/>
-            </a:pPr>
+              <a:t> </a:t>
+            </a:r>
             <a:r>
               <a:rPr lang="en-US" altLang="zh-CN" sz="1600" dirty="0" smtClean="0">
                 <a:sym typeface="Wingdings"/>
               </a:rPr>
-              <a:t> The most and least used trash can with its location can be found to improve trash can </a:t>
-            </a:r>
-            <a:br>
+              <a:t>When a Trash Can is 80% full, </a:t>
+            </a:r>
+            <a:r>
+              <a:rPr lang="en-US" altLang="zh-CN" sz="1600" dirty="0">
+                <a:sym typeface="Wingdings"/>
+              </a:rPr>
+              <a:t>a </a:t>
+            </a:r>
+            <a:r>
               <a:rPr lang="en-US" altLang="zh-CN" sz="1600" dirty="0" smtClean="0">
                 <a:sym typeface="Wingdings"/>
               </a:rPr>
-            </a:br>
-            <a:r>
-              <a:rPr lang="en-US" altLang="zh-CN" sz="1600" dirty="0" smtClean="0">
+              <a:t>notification email is sent to </a:t>
+            </a:r>
+            <a:r>
+              <a:rPr lang="en-US" altLang="zh-CN" sz="1600" smtClean="0">
                 <a:sym typeface="Wingdings"/>
               </a:rPr>
-              <a:t>   allocation plan .</a:t>
-            </a:r>
-          </a:p>
-          <a:p>
-            <a:pPr marL="0" lvl="0" indent="0">
-              <a:buClr>
-                <a:schemeClr val="dk1"/>
-              </a:buClr>
-              <a:buSzPts val="1100"/>
-              <a:buNone/>
-            </a:pPr>
-            <a:r>
-              <a:rPr lang="en-US" altLang="zh-CN" sz="1600" dirty="0">
-                <a:sym typeface="Wingdings"/>
-              </a:rPr>
-              <a:t> </a:t>
-            </a:r>
-            <a:r>
-              <a:rPr lang="en-US" altLang="zh-CN" sz="1600" dirty="0" smtClean="0">
-                <a:sym typeface="Wingdings"/>
-              </a:rPr>
-              <a:t>The total volume can be predicated and can be used to improve trash collection planning.</a:t>
-            </a:r>
-            <a:endParaRPr lang="en-US" altLang="zh-CN" sz="1600" dirty="0"/>
-          </a:p>
-        </p:txBody>
-      </p:sp>
+              <a:t>notify user.</a:t>
+            </a:r>
+            <a:endParaRPr lang="en-US" altLang="zh-CN" sz="1600" dirty="0" smtClean="0"/>
+          </a:p>
+        </p:txBody>
+      </p:sp>
+      <p:pic>
+        <p:nvPicPr>
+          <p:cNvPr id="1027" name="Picture 3"/>
+          <p:cNvPicPr>
+            <a:picLocks noChangeAspect="1" noChangeArrowheads="1"/>
+          </p:cNvPicPr>
+          <p:nvPr/>
+        </p:nvPicPr>
+        <p:blipFill rotWithShape="1">
+          <a:blip r:embed="rId3">
+            <a:extLst>
+              <a:ext uri="{28A0092B-C50C-407E-A947-70E740481C1C}">
+                <a14:useLocalDpi xmlns:a14="http://schemas.microsoft.com/office/drawing/2010/main" val="0"/>
+              </a:ext>
+            </a:extLst>
+          </a:blip>
+          <a:srcRect l="621" r="10164"/>
+          <a:stretch/>
+        </p:blipFill>
+        <p:spPr bwMode="auto">
+          <a:xfrm>
+            <a:off x="1371599" y="889687"/>
+            <a:ext cx="6393051" cy="2234189"/>
+          </a:xfrm>
+          <a:prstGeom prst="rect">
+            <a:avLst/>
+          </a:prstGeom>
+          <a:noFill/>
+          <a:ln>
+            <a:noFill/>
+          </a:ln>
+          <a:extLst>
+            <a:ext uri="{909E8E84-426E-40DD-AFC4-6F175D3DCCD1}">
+              <a14:hiddenFill xmlns:a14="http://schemas.microsoft.com/office/drawing/2010/main">
+                <a:solidFill>
+                  <a:schemeClr val="accent1"/>
+                </a:solidFill>
+              </a14:hiddenFill>
+            </a:ext>
+            <a:ext uri="{91240B29-F687-4F45-9708-019B960494DF}">
+              <a14:hiddenLine xmlns:a14="http://schemas.microsoft.com/office/drawing/2010/main" w="9525">
+                <a:solidFill>
+                  <a:schemeClr val="tx1"/>
+                </a:solidFill>
+                <a:miter lim="800000"/>
+                <a:headEnd/>
+                <a:tailEnd/>
+              </a14:hiddenLine>
+            </a:ext>
+          </a:extLst>
+        </p:spPr>
+      </p:pic>
     </p:spTree>
     <p:extLst>
       <p:ext uri="{BB962C8B-B14F-4D97-AF65-F5344CB8AC3E}">
